--- a/Matlab_data_analysis/Cp_analysis/AnalyzeCpDoping/Cp_random_strains/TmVO4_Cp_random_strains_analysis_notes.pptx
+++ b/Matlab_data_analysis/Cp_analysis/AnalyzeCpDoping/Cp_random_strains/TmVO4_Cp_random_strains_analysis_notes.pptx
@@ -282,7 +282,7 @@
               <a:pPr>
                 <a:defRPr/>
               </a:pPr>
-              <a:t>2019-04-05</a:t>
+              <a:t>2019-04-11</a:t>
             </a:fld>
             <a:endParaRPr lang="en-US" altLang="en-US"/>
           </a:p>
@@ -520,7 +520,7 @@
               <a:pPr>
                 <a:defRPr/>
               </a:pPr>
-              <a:t>2019-04-05</a:t>
+              <a:t>2019-04-11</a:t>
             </a:fld>
             <a:endParaRPr lang="en-US" altLang="en-US"/>
           </a:p>
@@ -6585,8 +6585,8 @@
           </a:p>
         </p:txBody>
       </p:sp>
-      <mc:AlternateContent xmlns:mc="http://schemas.openxmlformats.org/markup-compatibility/2006">
-        <mc:Choice xmlns:a14="http://schemas.microsoft.com/office/drawing/2010/main" Requires="a14">
+      <mc:AlternateContent xmlns:mc="http://schemas.openxmlformats.org/markup-compatibility/2006" xmlns:a14="http://schemas.microsoft.com/office/drawing/2010/main">
+        <mc:Choice Requires="a14">
           <p:sp>
             <p:nvSpPr>
               <p:cNvPr id="3" name="Content Placeholder 2">
@@ -6797,7 +6797,7 @@
             </p:txBody>
           </p:sp>
         </mc:Choice>
-        <mc:Fallback>
+        <mc:Fallback xmlns="">
           <p:sp>
             <p:nvSpPr>
               <p:cNvPr id="3" name="Content Placeholder 2">
@@ -7061,8 +7061,8 @@
           </a:p>
         </p:txBody>
       </p:sp>
-      <mc:AlternateContent xmlns:mc="http://schemas.openxmlformats.org/markup-compatibility/2006">
-        <mc:Choice xmlns:a14="http://schemas.microsoft.com/office/drawing/2010/main" Requires="a14">
+      <mc:AlternateContent xmlns:mc="http://schemas.openxmlformats.org/markup-compatibility/2006" xmlns:a14="http://schemas.microsoft.com/office/drawing/2010/main">
+        <mc:Choice Requires="a14">
           <p:sp>
             <p:nvSpPr>
               <p:cNvPr id="3" name="Content Placeholder 2">
@@ -7205,7 +7205,7 @@
             </p:txBody>
           </p:sp>
         </mc:Choice>
-        <mc:Fallback>
+        <mc:Fallback xmlns="">
           <p:sp>
             <p:nvSpPr>
               <p:cNvPr id="3" name="Content Placeholder 2">
@@ -7310,48 +7310,449 @@
           </a:p>
         </p:txBody>
       </p:sp>
-      <p:sp>
-        <p:nvSpPr>
-          <p:cNvPr id="3" name="Content Placeholder 2">
-            <a:extLst>
-              <a:ext uri="{FF2B5EF4-FFF2-40B4-BE49-F238E27FC236}">
-                <a16:creationId xmlns:a16="http://schemas.microsoft.com/office/drawing/2014/main" id="{CA1C414D-E74A-4D4C-B99A-1D30EC6646D2}"/>
-              </a:ext>
-            </a:extLst>
-          </p:cNvPr>
-          <p:cNvSpPr>
-            <a:spLocks noGrp="1"/>
-          </p:cNvSpPr>
-          <p:nvPr>
-            <p:ph sz="quarter" idx="10"/>
-          </p:nvPr>
-        </p:nvSpPr>
-        <p:spPr/>
-        <p:txBody>
-          <a:bodyPr/>
-          <a:lstStyle/>
-          <a:p>
-            <a:pPr>
-              <a:buFont typeface="Arial" panose="020B0604020202020204" pitchFamily="34" charset="0"/>
-              <a:buChar char="•"/>
-            </a:pPr>
-            <a:r>
-              <a:rPr lang="en-US" dirty="0"/>
-              <a:t>See second slide about equation of phase boundary</a:t>
-            </a:r>
-          </a:p>
-          <a:p>
-            <a:pPr lvl="2">
-              <a:buFont typeface="Arial" panose="020B0604020202020204" pitchFamily="34" charset="0"/>
-              <a:buChar char="•"/>
-            </a:pPr>
-            <a:r>
-              <a:rPr lang="en-US" dirty="0"/>
-              <a:t>This is introduced in the paper by Kasten et al.</a:t>
-            </a:r>
-          </a:p>
-        </p:txBody>
-      </p:sp>
+      <mc:AlternateContent xmlns:mc="http://schemas.openxmlformats.org/markup-compatibility/2006">
+        <mc:Choice xmlns:a14="http://schemas.microsoft.com/office/drawing/2010/main" Requires="a14">
+          <p:sp>
+            <p:nvSpPr>
+              <p:cNvPr id="3" name="Content Placeholder 2">
+                <a:extLst>
+                  <a:ext uri="{FF2B5EF4-FFF2-40B4-BE49-F238E27FC236}">
+                    <a16:creationId xmlns:a16="http://schemas.microsoft.com/office/drawing/2014/main" id="{CA1C414D-E74A-4D4C-B99A-1D30EC6646D2}"/>
+                  </a:ext>
+                </a:extLst>
+              </p:cNvPr>
+              <p:cNvSpPr>
+                <a:spLocks noGrp="1"/>
+              </p:cNvSpPr>
+              <p:nvPr>
+                <p:ph sz="quarter" idx="10"/>
+              </p:nvPr>
+            </p:nvSpPr>
+            <p:spPr/>
+            <p:txBody>
+              <a:bodyPr/>
+              <a:lstStyle/>
+              <a:p>
+                <a:pPr>
+                  <a:buFont typeface="Arial" panose="020B0604020202020204" pitchFamily="34" charset="0"/>
+                  <a:buChar char="•"/>
+                </a:pPr>
+                <a:r>
+                  <a:rPr lang="en-US" dirty="0"/>
+                  <a:t>See second slide about equation of phase boundary</a:t>
+                </a:r>
+              </a:p>
+              <a:p>
+                <a:pPr lvl="2">
+                  <a:buFont typeface="Arial" panose="020B0604020202020204" pitchFamily="34" charset="0"/>
+                  <a:buChar char="•"/>
+                </a:pPr>
+                <a:r>
+                  <a:rPr lang="en-US" dirty="0"/>
+                  <a:t>This is introduced in the paper by Kasten et al. 1987</a:t>
+                </a:r>
+              </a:p>
+              <a:p>
+                <a:pPr>
+                  <a:buFont typeface="Arial" panose="020B0604020202020204" pitchFamily="34" charset="0"/>
+                  <a:buChar char="•"/>
+                </a:pPr>
+                <a:r>
+                  <a:rPr lang="en-US" dirty="0"/>
+                  <a:t>Simply replace </a:t>
+                </a:r>
+                <a14:m>
+                  <m:oMath xmlns:m="http://schemas.openxmlformats.org/officeDocument/2006/math">
+                    <m:sSup>
+                      <m:sSupPr>
+                        <m:ctrlPr>
+                          <a:rPr lang="en-US" b="0" i="1" smtClean="0">
+                            <a:latin typeface="Cambria Math" panose="02040503050406030204" pitchFamily="18" charset="0"/>
+                          </a:rPr>
+                        </m:ctrlPr>
+                      </m:sSupPr>
+                      <m:e>
+                        <m:func>
+                          <m:funcPr>
+                            <m:ctrlPr>
+                              <a:rPr lang="en-US" b="0" i="1" smtClean="0">
+                                <a:latin typeface="Cambria Math" panose="02040503050406030204" pitchFamily="18" charset="0"/>
+                              </a:rPr>
+                            </m:ctrlPr>
+                          </m:funcPr>
+                          <m:fName>
+                            <m:r>
+                              <m:rPr>
+                                <m:sty m:val="p"/>
+                              </m:rPr>
+                              <a:rPr lang="en-US" b="0" i="0" smtClean="0">
+                                <a:latin typeface="Cambria Math" panose="02040503050406030204" pitchFamily="18" charset="0"/>
+                              </a:rPr>
+                              <m:t>exp</m:t>
+                            </m:r>
+                          </m:fName>
+                          <m:e>
+                            <m:r>
+                              <a:rPr lang="en-US" b="0" i="1" smtClean="0">
+                                <a:latin typeface="Cambria Math" panose="02040503050406030204" pitchFamily="18" charset="0"/>
+                              </a:rPr>
+                              <m:t>−</m:t>
+                            </m:r>
+                            <m:d>
+                              <m:dPr>
+                                <m:ctrlPr>
+                                  <a:rPr lang="en-US" b="0" i="1" smtClean="0">
+                                    <a:latin typeface="Cambria Math" panose="02040503050406030204" pitchFamily="18" charset="0"/>
+                                  </a:rPr>
+                                </m:ctrlPr>
+                              </m:dPr>
+                              <m:e>
+                                <m:f>
+                                  <m:fPr>
+                                    <m:ctrlPr>
+                                      <a:rPr lang="en-US" b="0" i="1" smtClean="0">
+                                        <a:latin typeface="Cambria Math" panose="02040503050406030204" pitchFamily="18" charset="0"/>
+                                      </a:rPr>
+                                    </m:ctrlPr>
+                                  </m:fPr>
+                                  <m:num>
+                                    <m:r>
+                                      <m:rPr>
+                                        <m:sty m:val="p"/>
+                                      </m:rPr>
+                                      <a:rPr lang="en-US" b="0" i="0" smtClean="0">
+                                        <a:latin typeface="Cambria Math" panose="02040503050406030204" pitchFamily="18" charset="0"/>
+                                      </a:rPr>
+                                      <m:t>Δ</m:t>
+                                    </m:r>
+                                  </m:num>
+                                  <m:den>
+                                    <m:sSub>
+                                      <m:sSubPr>
+                                        <m:ctrlPr>
+                                          <a:rPr lang="en-US" b="0" i="1" smtClean="0">
+                                            <a:latin typeface="Cambria Math" panose="02040503050406030204" pitchFamily="18" charset="0"/>
+                                          </a:rPr>
+                                        </m:ctrlPr>
+                                      </m:sSubPr>
+                                      <m:e>
+                                        <m:r>
+                                          <m:rPr>
+                                            <m:sty m:val="p"/>
+                                          </m:rPr>
+                                          <a:rPr lang="en-US" b="0" i="0" smtClean="0">
+                                            <a:latin typeface="Cambria Math" panose="02040503050406030204" pitchFamily="18" charset="0"/>
+                                          </a:rPr>
+                                          <m:t>Δ</m:t>
+                                        </m:r>
+                                      </m:e>
+                                      <m:sub>
+                                        <m:r>
+                                          <a:rPr lang="en-US" b="0" i="1" smtClean="0">
+                                            <a:latin typeface="Cambria Math" panose="02040503050406030204" pitchFamily="18" charset="0"/>
+                                          </a:rPr>
+                                          <m:t>0</m:t>
+                                        </m:r>
+                                      </m:sub>
+                                    </m:sSub>
+                                  </m:den>
+                                </m:f>
+                              </m:e>
+                            </m:d>
+                          </m:e>
+                        </m:func>
+                      </m:e>
+                      <m:sup>
+                        <m:r>
+                          <a:rPr lang="en-US" b="0" i="1" smtClean="0">
+                            <a:latin typeface="Cambria Math" panose="02040503050406030204" pitchFamily="18" charset="0"/>
+                          </a:rPr>
+                          <m:t>2</m:t>
+                        </m:r>
+                      </m:sup>
+                    </m:sSup>
+                  </m:oMath>
+                </a14:m>
+                <a:r>
+                  <a:rPr lang="en-US" dirty="0"/>
+                  <a:t> by </a:t>
+                </a:r>
+                <a14:m>
+                  <m:oMath xmlns:m="http://schemas.openxmlformats.org/officeDocument/2006/math">
+                    <m:func>
+                      <m:funcPr>
+                        <m:ctrlPr>
+                          <a:rPr lang="en-US" i="1">
+                            <a:latin typeface="Cambria Math" panose="02040503050406030204" pitchFamily="18" charset="0"/>
+                          </a:rPr>
+                        </m:ctrlPr>
+                      </m:funcPr>
+                      <m:fName>
+                        <m:r>
+                          <m:rPr>
+                            <m:sty m:val="p"/>
+                          </m:rPr>
+                          <a:rPr lang="en-US">
+                            <a:latin typeface="Cambria Math" panose="02040503050406030204" pitchFamily="18" charset="0"/>
+                          </a:rPr>
+                          <m:t>exp</m:t>
+                        </m:r>
+                      </m:fName>
+                      <m:e>
+                        <m:r>
+                          <a:rPr lang="en-US" i="1">
+                            <a:latin typeface="Cambria Math" panose="02040503050406030204" pitchFamily="18" charset="0"/>
+                          </a:rPr>
+                          <m:t>−</m:t>
+                        </m:r>
+                        <m:sSup>
+                          <m:sSupPr>
+                            <m:ctrlPr>
+                              <a:rPr lang="en-US" b="0" i="1" smtClean="0">
+                                <a:latin typeface="Cambria Math" panose="02040503050406030204" pitchFamily="18" charset="0"/>
+                              </a:rPr>
+                            </m:ctrlPr>
+                          </m:sSupPr>
+                          <m:e>
+                            <m:d>
+                              <m:dPr>
+                                <m:ctrlPr>
+                                  <a:rPr lang="en-US" i="1">
+                                    <a:latin typeface="Cambria Math" panose="02040503050406030204" pitchFamily="18" charset="0"/>
+                                  </a:rPr>
+                                </m:ctrlPr>
+                              </m:dPr>
+                              <m:e>
+                                <m:f>
+                                  <m:fPr>
+                                    <m:ctrlPr>
+                                      <a:rPr lang="en-US" i="1">
+                                        <a:latin typeface="Cambria Math" panose="02040503050406030204" pitchFamily="18" charset="0"/>
+                                      </a:rPr>
+                                    </m:ctrlPr>
+                                  </m:fPr>
+                                  <m:num>
+                                    <m:r>
+                                      <m:rPr>
+                                        <m:sty m:val="p"/>
+                                      </m:rPr>
+                                      <a:rPr lang="en-US">
+                                        <a:latin typeface="Cambria Math" panose="02040503050406030204" pitchFamily="18" charset="0"/>
+                                      </a:rPr>
+                                      <m:t>Δ</m:t>
+                                    </m:r>
+                                    <m:r>
+                                      <a:rPr lang="en-US" b="0" i="0" smtClean="0">
+                                        <a:latin typeface="Cambria Math" panose="02040503050406030204" pitchFamily="18" charset="0"/>
+                                      </a:rPr>
+                                      <m:t>−</m:t>
+                                    </m:r>
+                                    <m:sSub>
+                                      <m:sSubPr>
+                                        <m:ctrlPr>
+                                          <a:rPr lang="en-US" b="0" i="1" smtClean="0">
+                                            <a:latin typeface="Cambria Math" panose="02040503050406030204" pitchFamily="18" charset="0"/>
+                                          </a:rPr>
+                                        </m:ctrlPr>
+                                      </m:sSubPr>
+                                      <m:e>
+                                        <m:r>
+                                          <m:rPr>
+                                            <m:sty m:val="p"/>
+                                          </m:rPr>
+                                          <a:rPr lang="en-US" b="0" i="0" smtClean="0">
+                                            <a:latin typeface="Cambria Math" panose="02040503050406030204" pitchFamily="18" charset="0"/>
+                                          </a:rPr>
+                                          <m:t>Δ</m:t>
+                                        </m:r>
+                                      </m:e>
+                                      <m:sub>
+                                        <m:r>
+                                          <a:rPr lang="en-US" b="0" i="1" smtClean="0">
+                                            <a:latin typeface="Cambria Math" panose="02040503050406030204" pitchFamily="18" charset="0"/>
+                                          </a:rPr>
+                                          <m:t>𝑎</m:t>
+                                        </m:r>
+                                      </m:sub>
+                                    </m:sSub>
+                                  </m:num>
+                                  <m:den>
+                                    <m:sSub>
+                                      <m:sSubPr>
+                                        <m:ctrlPr>
+                                          <a:rPr lang="en-US" i="1">
+                                            <a:latin typeface="Cambria Math" panose="02040503050406030204" pitchFamily="18" charset="0"/>
+                                          </a:rPr>
+                                        </m:ctrlPr>
+                                      </m:sSubPr>
+                                      <m:e>
+                                        <m:r>
+                                          <m:rPr>
+                                            <m:sty m:val="p"/>
+                                          </m:rPr>
+                                          <a:rPr lang="en-US">
+                                            <a:latin typeface="Cambria Math" panose="02040503050406030204" pitchFamily="18" charset="0"/>
+                                          </a:rPr>
+                                          <m:t>Δ</m:t>
+                                        </m:r>
+                                      </m:e>
+                                      <m:sub>
+                                        <m:r>
+                                          <a:rPr lang="en-US" i="1">
+                                            <a:latin typeface="Cambria Math" panose="02040503050406030204" pitchFamily="18" charset="0"/>
+                                          </a:rPr>
+                                          <m:t>0</m:t>
+                                        </m:r>
+                                      </m:sub>
+                                    </m:sSub>
+                                  </m:den>
+                                </m:f>
+                              </m:e>
+                            </m:d>
+                          </m:e>
+                          <m:sup>
+                            <m:r>
+                              <a:rPr lang="en-US" b="0" i="1" smtClean="0">
+                                <a:latin typeface="Cambria Math" panose="02040503050406030204" pitchFamily="18" charset="0"/>
+                              </a:rPr>
+                              <m:t>2</m:t>
+                            </m:r>
+                          </m:sup>
+                        </m:sSup>
+                      </m:e>
+                    </m:func>
+                  </m:oMath>
+                </a14:m>
+                <a:endParaRPr lang="en-US" dirty="0"/>
+              </a:p>
+              <a:p>
+                <a:pPr lvl="2">
+                  <a:buFont typeface="Arial" panose="020B0604020202020204" pitchFamily="34" charset="0"/>
+                  <a:buChar char="•"/>
+                </a:pPr>
+                <a:r>
+                  <a:rPr lang="en-US" dirty="0"/>
+                  <a:t>Note: for negative values of </a:t>
+                </a:r>
+                <a14:m>
+                  <m:oMath xmlns:m="http://schemas.openxmlformats.org/officeDocument/2006/math">
+                    <m:sSub>
+                      <m:sSubPr>
+                        <m:ctrlPr>
+                          <a:rPr lang="en-US" b="0" i="1" smtClean="0">
+                            <a:latin typeface="Cambria Math" panose="02040503050406030204" pitchFamily="18" charset="0"/>
+                          </a:rPr>
+                        </m:ctrlPr>
+                      </m:sSubPr>
+                      <m:e>
+                        <m:r>
+                          <m:rPr>
+                            <m:sty m:val="p"/>
+                          </m:rPr>
+                          <a:rPr lang="en-US" b="0" i="0" smtClean="0">
+                            <a:latin typeface="Cambria Math" panose="02040503050406030204" pitchFamily="18" charset="0"/>
+                          </a:rPr>
+                          <m:t>Δ</m:t>
+                        </m:r>
+                      </m:e>
+                      <m:sub>
+                        <m:r>
+                          <a:rPr lang="en-US" b="0" i="1" smtClean="0">
+                            <a:latin typeface="Cambria Math" panose="02040503050406030204" pitchFamily="18" charset="0"/>
+                          </a:rPr>
+                          <m:t>𝑎</m:t>
+                        </m:r>
+                      </m:sub>
+                    </m:sSub>
+                  </m:oMath>
+                </a14:m>
+                <a:r>
+                  <a:rPr lang="en-US" dirty="0"/>
+                  <a:t>, the computation of the order parameter does not make sense; this is fine if </a:t>
+                </a:r>
+                <a14:m>
+                  <m:oMath xmlns:m="http://schemas.openxmlformats.org/officeDocument/2006/math">
+                    <m:r>
+                      <m:rPr>
+                        <m:sty m:val="p"/>
+                      </m:rPr>
+                      <a:rPr lang="en-US" b="0" i="0" smtClean="0">
+                        <a:latin typeface="Cambria Math" panose="02040503050406030204" pitchFamily="18" charset="0"/>
+                      </a:rPr>
+                      <m:t>Δ</m:t>
+                    </m:r>
+                  </m:oMath>
+                </a14:m>
+                <a:r>
+                  <a:rPr lang="en-US" dirty="0"/>
+                  <a:t> is the amplitude of the gap induced by local strains, but then why are we integrating over negative values of </a:t>
+                </a:r>
+                <a14:m>
+                  <m:oMath xmlns:m="http://schemas.openxmlformats.org/officeDocument/2006/math">
+                    <m:r>
+                      <m:rPr>
+                        <m:sty m:val="p"/>
+                      </m:rPr>
+                      <a:rPr lang="en-US" b="0" i="0" smtClean="0">
+                        <a:latin typeface="Cambria Math" panose="02040503050406030204" pitchFamily="18" charset="0"/>
+                      </a:rPr>
+                      <m:t>Δ</m:t>
+                    </m:r>
+                  </m:oMath>
+                </a14:m>
+                <a:r>
+                  <a:rPr lang="en-US" dirty="0"/>
+                  <a:t> </a:t>
+                </a:r>
+                <a:r>
+                  <a:rPr lang="en-US"/>
+                  <a:t>as well?</a:t>
+                </a:r>
+                <a:endParaRPr lang="en-US" dirty="0"/>
+              </a:p>
+            </p:txBody>
+          </p:sp>
+        </mc:Choice>
+        <mc:Fallback>
+          <p:sp>
+            <p:nvSpPr>
+              <p:cNvPr id="3" name="Content Placeholder 2">
+                <a:extLst>
+                  <a:ext uri="{FF2B5EF4-FFF2-40B4-BE49-F238E27FC236}">
+                    <a16:creationId xmlns:a16="http://schemas.microsoft.com/office/drawing/2014/main" id="{CA1C414D-E74A-4D4C-B99A-1D30EC6646D2}"/>
+                  </a:ext>
+                </a:extLst>
+              </p:cNvPr>
+              <p:cNvSpPr>
+                <a:spLocks noGrp="1" noRot="1" noChangeAspect="1" noMove="1" noResize="1" noEditPoints="1" noAdjustHandles="1" noChangeArrowheads="1" noChangeShapeType="1" noTextEdit="1"/>
+              </p:cNvSpPr>
+              <p:nvPr>
+                <p:ph sz="quarter" idx="10"/>
+              </p:nvPr>
+            </p:nvSpPr>
+            <p:spPr>
+              <a:blipFill>
+                <a:blip r:embed="rId2"/>
+                <a:stretch>
+                  <a:fillRect l="-1742" t="-730"/>
+                </a:stretch>
+              </a:blipFill>
+            </p:spPr>
+            <p:txBody>
+              <a:bodyPr/>
+              <a:lstStyle/>
+              <a:p>
+                <a:r>
+                  <a:rPr lang="en-US">
+                    <a:noFill/>
+                  </a:rPr>
+                  <a:t> </a:t>
+                </a:r>
+              </a:p>
+            </p:txBody>
+          </p:sp>
+        </mc:Fallback>
+      </mc:AlternateContent>
     </p:spTree>
     <p:extLst>
       <p:ext uri="{BB962C8B-B14F-4D97-AF65-F5344CB8AC3E}">
@@ -7442,8 +7843,8 @@
           </a:p>
         </p:txBody>
       </p:sp>
-      <mc:AlternateContent xmlns:mc="http://schemas.openxmlformats.org/markup-compatibility/2006">
-        <mc:Choice xmlns:a14="http://schemas.microsoft.com/office/drawing/2010/main" Requires="a14">
+      <mc:AlternateContent xmlns:mc="http://schemas.openxmlformats.org/markup-compatibility/2006" xmlns:a14="http://schemas.microsoft.com/office/drawing/2010/main">
+        <mc:Choice Requires="a14">
           <p:sp>
             <p:nvSpPr>
               <p:cNvPr id="3" name="Content Placeholder 2">
@@ -7536,7 +7937,7 @@
             </p:txBody>
           </p:sp>
         </mc:Choice>
-        <mc:Fallback>
+        <mc:Fallback xmlns="">
           <p:sp>
             <p:nvSpPr>
               <p:cNvPr id="3" name="Content Placeholder 2">
@@ -7865,8 +8266,8 @@
           </a:p>
         </p:txBody>
       </p:sp>
-      <mc:AlternateContent xmlns:mc="http://schemas.openxmlformats.org/markup-compatibility/2006">
-        <mc:Choice xmlns:a14="http://schemas.microsoft.com/office/drawing/2010/main" Requires="a14">
+      <mc:AlternateContent xmlns:mc="http://schemas.openxmlformats.org/markup-compatibility/2006" xmlns:a14="http://schemas.microsoft.com/office/drawing/2010/main">
+        <mc:Choice Requires="a14">
           <p:sp>
             <p:nvSpPr>
               <p:cNvPr id="3" name="Content Placeholder 2">
@@ -7984,7 +8385,7 @@
             </p:txBody>
           </p:sp>
         </mc:Choice>
-        <mc:Fallback>
+        <mc:Fallback xmlns="">
           <p:sp>
             <p:nvSpPr>
               <p:cNvPr id="3" name="Content Placeholder 2">
@@ -8227,8 +8628,8 @@
           </a:p>
         </p:txBody>
       </p:sp>
-      <mc:AlternateContent xmlns:mc="http://schemas.openxmlformats.org/markup-compatibility/2006">
-        <mc:Choice xmlns:a14="http://schemas.microsoft.com/office/drawing/2010/main" Requires="a14">
+      <mc:AlternateContent xmlns:mc="http://schemas.openxmlformats.org/markup-compatibility/2006" xmlns:a14="http://schemas.microsoft.com/office/drawing/2010/main">
+        <mc:Choice Requires="a14">
           <p:sp>
             <p:nvSpPr>
               <p:cNvPr id="3" name="Content Placeholder 2">
@@ -8952,13 +9353,7 @@
                       <a:rPr lang="en-US" sz="1600" i="1">
                         <a:latin typeface="Cambria Math" panose="02040503050406030204" pitchFamily="18" charset="0"/>
                       </a:rPr>
-                      <m:t>/</m:t>
-                    </m:r>
-                    <m:r>
-                      <a:rPr lang="en-US" sz="1600" i="1">
-                        <a:latin typeface="Cambria Math" panose="02040503050406030204" pitchFamily="18" charset="0"/>
-                      </a:rPr>
-                      <m:t>(</m:t>
+                      <m:t>/(</m:t>
                     </m:r>
                     <m:r>
                       <a:rPr lang="en-US" sz="1600" i="1">
@@ -9045,7 +9440,7 @@
             </p:txBody>
           </p:sp>
         </mc:Choice>
-        <mc:Fallback>
+        <mc:Fallback xmlns="">
           <p:sp>
             <p:nvSpPr>
               <p:cNvPr id="3" name="Content Placeholder 2">
@@ -9150,8 +9545,8 @@
           </a:p>
         </p:txBody>
       </p:sp>
-      <mc:AlternateContent xmlns:mc="http://schemas.openxmlformats.org/markup-compatibility/2006">
-        <mc:Choice xmlns:a14="http://schemas.microsoft.com/office/drawing/2010/main" Requires="a14">
+      <mc:AlternateContent xmlns:mc="http://schemas.openxmlformats.org/markup-compatibility/2006" xmlns:a14="http://schemas.microsoft.com/office/drawing/2010/main">
+        <mc:Choice Requires="a14">
           <p:sp>
             <p:nvSpPr>
               <p:cNvPr id="4" name="Content Placeholder 3">
@@ -9250,7 +9645,7 @@
             </p:txBody>
           </p:sp>
         </mc:Choice>
-        <mc:Fallback>
+        <mc:Fallback xmlns="">
           <p:sp>
             <p:nvSpPr>
               <p:cNvPr id="4" name="Content Placeholder 3">
@@ -9384,8 +9779,8 @@
           </a:p>
         </p:txBody>
       </p:sp>
-      <mc:AlternateContent xmlns:mc="http://schemas.openxmlformats.org/markup-compatibility/2006">
-        <mc:Choice xmlns:a14="http://schemas.microsoft.com/office/drawing/2010/main" Requires="a14">
+      <mc:AlternateContent xmlns:mc="http://schemas.openxmlformats.org/markup-compatibility/2006" xmlns:a14="http://schemas.microsoft.com/office/drawing/2010/main">
+        <mc:Choice Requires="a14">
           <p:sp>
             <p:nvSpPr>
               <p:cNvPr id="8" name="Content Placeholder 7">
@@ -9571,7 +9966,7 @@
                         <m:sSub>
                           <m:sSubPr>
                             <m:ctrlPr>
-                              <a:rPr lang="en-US" b="0" smtClean="0">
+                              <a:rPr lang="en-US" b="0" i="1" smtClean="0">
                                 <a:latin typeface="Cambria Math" panose="02040503050406030204" pitchFamily="18" charset="0"/>
                               </a:rPr>
                             </m:ctrlPr>
@@ -9920,13 +10315,7 @@
                                     <a:rPr lang="en-US" i="1">
                                       <a:latin typeface="Cambria Math" panose="02040503050406030204" pitchFamily="18" charset="0"/>
                                     </a:rPr>
-                                    <m:t>)</m:t>
-                                  </m:r>
-                                  <m:r>
-                                    <a:rPr lang="en-US" i="1">
-                                      <a:latin typeface="Cambria Math" panose="02040503050406030204" pitchFamily="18" charset="0"/>
-                                    </a:rPr>
-                                    <m:t>/</m:t>
+                                    <m:t>)/</m:t>
                                   </m:r>
                                   <m:r>
                                     <a:rPr lang="en-US" i="1">
@@ -10378,7 +10767,7 @@
             </p:txBody>
           </p:sp>
         </mc:Choice>
-        <mc:Fallback>
+        <mc:Fallback xmlns="">
           <p:sp>
             <p:nvSpPr>
               <p:cNvPr id="8" name="Content Placeholder 7">
@@ -10452,8 +10841,8 @@
           </a:prstGeom>
         </p:spPr>
       </p:pic>
-      <mc:AlternateContent xmlns:mc="http://schemas.openxmlformats.org/markup-compatibility/2006">
-        <mc:Choice xmlns:a14="http://schemas.microsoft.com/office/drawing/2010/main" Requires="a14">
+      <mc:AlternateContent xmlns:mc="http://schemas.openxmlformats.org/markup-compatibility/2006" xmlns:a14="http://schemas.microsoft.com/office/drawing/2010/main">
+        <mc:Choice Requires="a14">
           <p:sp>
             <p:nvSpPr>
               <p:cNvPr id="7" name="TextBox 6">
@@ -10555,7 +10944,7 @@
             </p:txBody>
           </p:sp>
         </mc:Choice>
-        <mc:Fallback>
+        <mc:Fallback xmlns="">
           <p:sp>
             <p:nvSpPr>
               <p:cNvPr id="7" name="TextBox 6">
@@ -10661,8 +11050,8 @@
           </a:p>
         </p:txBody>
       </p:sp>
-      <mc:AlternateContent xmlns:mc="http://schemas.openxmlformats.org/markup-compatibility/2006">
-        <mc:Choice xmlns:a14="http://schemas.microsoft.com/office/drawing/2010/main" Requires="a14">
+      <mc:AlternateContent xmlns:mc="http://schemas.openxmlformats.org/markup-compatibility/2006" xmlns:a14="http://schemas.microsoft.com/office/drawing/2010/main">
+        <mc:Choice Requires="a14">
           <p:sp>
             <p:nvSpPr>
               <p:cNvPr id="3" name="Content Placeholder 2">
@@ -11173,7 +11562,7 @@
                               <m:sSup>
                                 <m:sSupPr>
                                   <m:ctrlPr>
-                                    <a:rPr lang="en-US" b="0" i="0" smtClean="0">
+                                    <a:rPr lang="en-US" b="0" i="1" smtClean="0">
                                       <a:latin typeface="Cambria Math" panose="02040503050406030204" pitchFamily="18" charset="0"/>
                                     </a:rPr>
                                   </m:ctrlPr>
@@ -11504,7 +11893,7 @@
             </p:txBody>
           </p:sp>
         </mc:Choice>
-        <mc:Fallback>
+        <mc:Fallback xmlns="">
           <p:sp>
             <p:nvSpPr>
               <p:cNvPr id="3" name="Content Placeholder 2">
@@ -11717,8 +12106,8 @@
           </a:p>
         </p:txBody>
       </p:sp>
-      <mc:AlternateContent xmlns:mc="http://schemas.openxmlformats.org/markup-compatibility/2006">
-        <mc:Choice xmlns:a14="http://schemas.microsoft.com/office/drawing/2010/main" Requires="a14">
+      <mc:AlternateContent xmlns:mc="http://schemas.openxmlformats.org/markup-compatibility/2006" xmlns:a14="http://schemas.microsoft.com/office/drawing/2010/main">
+        <mc:Choice Requires="a14">
           <p:sp>
             <p:nvSpPr>
               <p:cNvPr id="3" name="Content Placeholder 2">
@@ -12035,7 +12424,7 @@
                               <m:sSup>
                                 <m:sSupPr>
                                   <m:ctrlPr>
-                                    <a:rPr lang="en-US" b="0" i="0" smtClean="0">
+                                    <a:rPr lang="en-US" b="0" i="1" smtClean="0">
                                       <a:latin typeface="Cambria Math" panose="02040503050406030204" pitchFamily="18" charset="0"/>
                                     </a:rPr>
                                   </m:ctrlPr>
@@ -12517,7 +12906,7 @@
             </p:txBody>
           </p:sp>
         </mc:Choice>
-        <mc:Fallback>
+        <mc:Fallback xmlns="">
           <p:sp>
             <p:nvSpPr>
               <p:cNvPr id="3" name="Content Placeholder 2">

--- a/Matlab_data_analysis/Cp_analysis/AnalyzeCpDoping/Cp_random_strains/TmVO4_Cp_random_strains_analysis_notes.pptx
+++ b/Matlab_data_analysis/Cp_analysis/AnalyzeCpDoping/Cp_random_strains/TmVO4_Cp_random_strains_analysis_notes.pptx
@@ -2,14 +2,14 @@
 <file path=ppt/presentation.xml><?xml version="1.0" encoding="utf-8"?>
 <p:presentation xmlns:a="http://schemas.openxmlformats.org/drawingml/2006/main" xmlns:r="http://schemas.openxmlformats.org/officeDocument/2006/relationships" xmlns:p="http://schemas.openxmlformats.org/presentationml/2006/main" showSpecialPlsOnTitleSld="0" saveSubsetFonts="1" autoCompressPictures="0">
   <p:sldMasterIdLst>
-    <p:sldMasterId id="2147483648" r:id="rId1"/>
+    <p:sldMasterId id="2147484101" r:id="rId1"/>
     <p:sldMasterId id="2147483699" r:id="rId2"/>
   </p:sldMasterIdLst>
   <p:notesMasterIdLst>
-    <p:notesMasterId r:id="rId15"/>
+    <p:notesMasterId r:id="rId16"/>
   </p:notesMasterIdLst>
   <p:handoutMasterIdLst>
-    <p:handoutMasterId r:id="rId16"/>
+    <p:handoutMasterId r:id="rId17"/>
   </p:handoutMasterIdLst>
   <p:sldIdLst>
     <p:sldId id="304" r:id="rId3"/>
@@ -22,8 +22,9 @@
     <p:sldId id="322" r:id="rId10"/>
     <p:sldId id="325" r:id="rId11"/>
     <p:sldId id="323" r:id="rId12"/>
-    <p:sldId id="324" r:id="rId13"/>
-    <p:sldId id="326" r:id="rId14"/>
+    <p:sldId id="326" r:id="rId13"/>
+    <p:sldId id="324" r:id="rId14"/>
+    <p:sldId id="327" r:id="rId15"/>
   </p:sldIdLst>
   <p:sldSz cx="9144000" cy="6858000" type="screen4x3"/>
   <p:notesSz cx="6858000" cy="9144000"/>
@@ -282,7 +283,7 @@
               <a:pPr>
                 <a:defRPr/>
               </a:pPr>
-              <a:t>2019-04-11</a:t>
+              <a:t>2019-04-15</a:t>
             </a:fld>
             <a:endParaRPr lang="en-US" altLang="en-US"/>
           </a:p>
@@ -520,7 +521,7 @@
               <a:pPr>
                 <a:defRPr/>
               </a:pPr>
-              <a:t>2019-04-11</a:t>
+              <a:t>2019-04-15</a:t>
             </a:fld>
             <a:endParaRPr lang="en-US" altLang="en-US"/>
           </a:p>
@@ -887,7 +888,7 @@
           <p:cNvPr id="5" name="Rectangle 4">
             <a:extLst>
               <a:ext uri="{FF2B5EF4-FFF2-40B4-BE49-F238E27FC236}">
-                <a16:creationId xmlns:a16="http://schemas.microsoft.com/office/drawing/2014/main" id="{D27F3038-4597-4682-BD23-6537FAAB1912}"/>
+                <a16:creationId xmlns:a16="http://schemas.microsoft.com/office/drawing/2014/main" id="{AB13ED3F-7F7C-4D43-AC36-424C910A7944}"/>
               </a:ext>
             </a:extLst>
           </p:cNvPr>
@@ -927,7 +928,7 @@
           <a:bodyPr anchor="ctr"/>
           <a:lstStyle/>
           <a:p>
-            <a:pPr algn="ctr" eaLnBrk="1" fontAlgn="auto" hangingPunct="1">
+            <a:pPr algn="ctr" fontAlgn="auto">
               <a:spcBef>
                 <a:spcPts val="0"/>
               </a:spcBef>
@@ -951,7 +952,7 @@
           <p:cNvPr id="6" name="Picture 14" title="Stanford University">
             <a:extLst>
               <a:ext uri="{FF2B5EF4-FFF2-40B4-BE49-F238E27FC236}">
-                <a16:creationId xmlns:a16="http://schemas.microsoft.com/office/drawing/2014/main" id="{6B18991A-9B64-4AA2-A929-21B62C437F7D}"/>
+                <a16:creationId xmlns:a16="http://schemas.microsoft.com/office/drawing/2014/main" id="{5E4C48C2-A9AE-4A41-B74A-CE5747A6BC1E}"/>
               </a:ext>
             </a:extLst>
           </p:cNvPr>
@@ -986,8 +987,23 @@
             <a:noFill/>
           </a:ln>
           <a:extLst>
-            <a:ext uri="{909E8E84-426E-40dd-AFC4-6F175D3DCCD1}"/>
-            <a:ext uri="{91240B29-F687-4f45-9708-019B960494DF}"/>
+            <a:ext uri="{909E8E84-426E-40dd-AFC4-6F175D3DCCD1}">
+              <a14:hiddenFill xmlns="" xmlns:a14="http://schemas.microsoft.com/office/drawing/2010/main">
+                <a:solidFill>
+                  <a:srgbClr val="FFFFFF"/>
+                </a:solidFill>
+              </a14:hiddenFill>
+            </a:ext>
+            <a:ext uri="{91240B29-F687-4f45-9708-019B960494DF}">
+              <a14:hiddenLine xmlns="" xmlns:a14="http://schemas.microsoft.com/office/drawing/2010/main" w="9525">
+                <a:solidFill>
+                  <a:srgbClr val="000000"/>
+                </a:solidFill>
+                <a:miter lim="800000"/>
+                <a:headEnd/>
+                <a:tailEnd/>
+              </a14:hiddenLine>
+            </a:ext>
           </a:extLst>
         </p:spPr>
       </p:pic>
@@ -1218,7 +1234,7 @@
     </p:spTree>
     <p:extLst>
       <p:ext uri="{BB962C8B-B14F-4D97-AF65-F5344CB8AC3E}">
-        <p14:creationId xmlns:p14="http://schemas.microsoft.com/office/powerpoint/2010/main" val="153617022"/>
+        <p14:creationId xmlns:p14="http://schemas.microsoft.com/office/powerpoint/2010/main" val="3474816599"/>
       </p:ext>
     </p:extLst>
   </p:cSld>
@@ -1232,6 +1248,2037 @@
 </file>
 
 <file path=ppt/slideLayouts/slideLayout10.xml><?xml version="1.0" encoding="utf-8"?>
+<p:sldLayout xmlns:a="http://schemas.openxmlformats.org/drawingml/2006/main" xmlns:r="http://schemas.openxmlformats.org/officeDocument/2006/relationships" xmlns:p="http://schemas.openxmlformats.org/presentationml/2006/main" preserve="1" userDrawn="1">
+  <p:cSld name="1_Title and Content">
+    <p:spTree>
+      <p:nvGrpSpPr>
+        <p:cNvPr id="1" name=""/>
+        <p:cNvGrpSpPr/>
+        <p:nvPr/>
+      </p:nvGrpSpPr>
+      <p:grpSpPr>
+        <a:xfrm>
+          <a:off x="0" y="0"/>
+          <a:ext cx="0" cy="0"/>
+          <a:chOff x="0" y="0"/>
+          <a:chExt cx="0" cy="0"/>
+        </a:xfrm>
+      </p:grpSpPr>
+      <p:sp>
+        <p:nvSpPr>
+          <p:cNvPr id="2" name="Title 1"/>
+          <p:cNvSpPr>
+            <a:spLocks noGrp="1"/>
+          </p:cNvSpPr>
+          <p:nvPr>
+            <p:ph type="title"/>
+          </p:nvPr>
+        </p:nvSpPr>
+        <p:spPr>
+          <a:xfrm>
+            <a:off x="948776" y="479388"/>
+            <a:ext cx="7707862" cy="650699"/>
+          </a:xfrm>
+          <a:prstGeom prst="rect">
+            <a:avLst/>
+          </a:prstGeom>
+        </p:spPr>
+        <p:txBody>
+          <a:bodyPr/>
+          <a:lstStyle>
+            <a:lvl1pPr algn="l">
+              <a:defRPr sz="2400">
+                <a:solidFill>
+                  <a:schemeClr val="bg2"/>
+                </a:solidFill>
+              </a:defRPr>
+            </a:lvl1pPr>
+          </a:lstStyle>
+          <a:p>
+            <a:r>
+              <a:rPr lang="en-US" dirty="0"/>
+              <a:t>Click to edit Master title style</a:t>
+            </a:r>
+          </a:p>
+        </p:txBody>
+      </p:sp>
+      <p:sp>
+        <p:nvSpPr>
+          <p:cNvPr id="7" name="Content Placeholder 6"/>
+          <p:cNvSpPr>
+            <a:spLocks noGrp="1"/>
+          </p:cNvSpPr>
+          <p:nvPr>
+            <p:ph sz="quarter" idx="10"/>
+          </p:nvPr>
+        </p:nvSpPr>
+        <p:spPr>
+          <a:xfrm>
+            <a:off x="955678" y="1211580"/>
+            <a:ext cx="7700963" cy="5012056"/>
+          </a:xfrm>
+        </p:spPr>
+        <p:txBody>
+          <a:bodyPr/>
+          <a:lstStyle>
+            <a:lvl2pPr>
+              <a:defRPr sz="1600"/>
+            </a:lvl2pPr>
+            <a:lvl3pPr>
+              <a:defRPr sz="1400"/>
+            </a:lvl3pPr>
+            <a:lvl4pPr>
+              <a:defRPr sz="1400"/>
+            </a:lvl4pPr>
+            <a:lvl5pPr>
+              <a:defRPr sz="1400"/>
+            </a:lvl5pPr>
+          </a:lstStyle>
+          <a:p>
+            <a:pPr lvl="0"/>
+            <a:r>
+              <a:rPr lang="en-US" dirty="0"/>
+              <a:t>Click to edit Master text styles</a:t>
+            </a:r>
+          </a:p>
+          <a:p>
+            <a:pPr lvl="1"/>
+            <a:r>
+              <a:rPr lang="en-US" dirty="0"/>
+              <a:t>Second level</a:t>
+            </a:r>
+          </a:p>
+          <a:p>
+            <a:pPr lvl="2"/>
+            <a:r>
+              <a:rPr lang="en-US" dirty="0"/>
+              <a:t>Third level</a:t>
+            </a:r>
+          </a:p>
+          <a:p>
+            <a:pPr lvl="3"/>
+            <a:r>
+              <a:rPr lang="en-US" dirty="0"/>
+              <a:t>Fourth level</a:t>
+            </a:r>
+          </a:p>
+          <a:p>
+            <a:pPr lvl="4"/>
+            <a:r>
+              <a:rPr lang="en-US" dirty="0"/>
+              <a:t>Fifth level</a:t>
+            </a:r>
+          </a:p>
+        </p:txBody>
+      </p:sp>
+    </p:spTree>
+    <p:extLst>
+      <p:ext uri="{BB962C8B-B14F-4D97-AF65-F5344CB8AC3E}">
+        <p14:creationId xmlns:p14="http://schemas.microsoft.com/office/powerpoint/2010/main" val="1482956797"/>
+      </p:ext>
+    </p:extLst>
+  </p:cSld>
+  <p:clrMapOvr>
+    <a:masterClrMapping/>
+  </p:clrMapOvr>
+  <p:transition spd="slow">
+    <p:fade/>
+  </p:transition>
+</p:sldLayout>
+</file>
+
+<file path=ppt/slideLayouts/slideLayout11.xml><?xml version="1.0" encoding="utf-8"?>
+<p:sldLayout xmlns:a="http://schemas.openxmlformats.org/drawingml/2006/main" xmlns:r="http://schemas.openxmlformats.org/officeDocument/2006/relationships" xmlns:p="http://schemas.openxmlformats.org/presentationml/2006/main" preserve="1" userDrawn="1">
+  <p:cSld name="1_Two Content">
+    <p:spTree>
+      <p:nvGrpSpPr>
+        <p:cNvPr id="1" name=""/>
+        <p:cNvGrpSpPr/>
+        <p:nvPr/>
+      </p:nvGrpSpPr>
+      <p:grpSpPr>
+        <a:xfrm>
+          <a:off x="0" y="0"/>
+          <a:ext cx="0" cy="0"/>
+          <a:chOff x="0" y="0"/>
+          <a:chExt cx="0" cy="0"/>
+        </a:xfrm>
+      </p:grpSpPr>
+      <p:sp>
+        <p:nvSpPr>
+          <p:cNvPr id="5" name="Slide Number Placeholder 22">
+            <a:extLst>
+              <a:ext uri="{FF2B5EF4-FFF2-40B4-BE49-F238E27FC236}">
+                <a16:creationId xmlns:a16="http://schemas.microsoft.com/office/drawing/2014/main" id="{46454F41-2019-4E89-8BDD-90421DB672F3}"/>
+              </a:ext>
+            </a:extLst>
+          </p:cNvPr>
+          <p:cNvSpPr txBox="1">
+            <a:spLocks/>
+          </p:cNvSpPr>
+          <p:nvPr/>
+        </p:nvSpPr>
+        <p:spPr>
+          <a:xfrm>
+            <a:off x="60325" y="11113"/>
+            <a:ext cx="457200" cy="609600"/>
+          </a:xfrm>
+          <a:prstGeom prst="rect">
+            <a:avLst/>
+          </a:prstGeom>
+        </p:spPr>
+        <p:txBody>
+          <a:bodyPr wrap="none" lIns="45720" tIns="0" rIns="45720" bIns="0" anchor="ctr" anchorCtr="1"/>
+          <a:lstStyle>
+            <a:lvl1pPr eaLnBrk="0" hangingPunct="0">
+              <a:defRPr sz="2400">
+                <a:solidFill>
+                  <a:schemeClr val="tx1"/>
+                </a:solidFill>
+                <a:latin typeface="Source Sans Pro" panose="020B0503030403020204" pitchFamily="34" charset="0"/>
+                <a:ea typeface="MS PGothic" panose="020B0600070205080204" pitchFamily="34" charset="-128"/>
+              </a:defRPr>
+            </a:lvl1pPr>
+            <a:lvl2pPr marL="742950" indent="-285750" eaLnBrk="0" hangingPunct="0">
+              <a:defRPr sz="2400">
+                <a:solidFill>
+                  <a:schemeClr val="tx1"/>
+                </a:solidFill>
+                <a:latin typeface="Source Sans Pro" panose="020B0503030403020204" pitchFamily="34" charset="0"/>
+                <a:ea typeface="MS PGothic" panose="020B0600070205080204" pitchFamily="34" charset="-128"/>
+              </a:defRPr>
+            </a:lvl2pPr>
+            <a:lvl3pPr marL="1143000" indent="-228600" eaLnBrk="0" hangingPunct="0">
+              <a:defRPr sz="2400">
+                <a:solidFill>
+                  <a:schemeClr val="tx1"/>
+                </a:solidFill>
+                <a:latin typeface="Source Sans Pro" panose="020B0503030403020204" pitchFamily="34" charset="0"/>
+                <a:ea typeface="MS PGothic" panose="020B0600070205080204" pitchFamily="34" charset="-128"/>
+              </a:defRPr>
+            </a:lvl3pPr>
+            <a:lvl4pPr marL="1600200" indent="-228600" eaLnBrk="0" hangingPunct="0">
+              <a:defRPr sz="2400">
+                <a:solidFill>
+                  <a:schemeClr val="tx1"/>
+                </a:solidFill>
+                <a:latin typeface="Source Sans Pro" panose="020B0503030403020204" pitchFamily="34" charset="0"/>
+                <a:ea typeface="MS PGothic" panose="020B0600070205080204" pitchFamily="34" charset="-128"/>
+              </a:defRPr>
+            </a:lvl4pPr>
+            <a:lvl5pPr marL="2057400" indent="-228600" eaLnBrk="0" hangingPunct="0">
+              <a:defRPr sz="2400">
+                <a:solidFill>
+                  <a:schemeClr val="tx1"/>
+                </a:solidFill>
+                <a:latin typeface="Source Sans Pro" panose="020B0503030403020204" pitchFamily="34" charset="0"/>
+                <a:ea typeface="MS PGothic" panose="020B0600070205080204" pitchFamily="34" charset="-128"/>
+              </a:defRPr>
+            </a:lvl5pPr>
+            <a:lvl6pPr marL="2514600" indent="-228600" defTabSz="457200" eaLnBrk="0" fontAlgn="base" hangingPunct="0">
+              <a:spcBef>
+                <a:spcPct val="0"/>
+              </a:spcBef>
+              <a:spcAft>
+                <a:spcPct val="0"/>
+              </a:spcAft>
+              <a:defRPr sz="2400">
+                <a:solidFill>
+                  <a:schemeClr val="tx1"/>
+                </a:solidFill>
+                <a:latin typeface="Source Sans Pro" panose="020B0503030403020204" pitchFamily="34" charset="0"/>
+                <a:ea typeface="MS PGothic" panose="020B0600070205080204" pitchFamily="34" charset="-128"/>
+              </a:defRPr>
+            </a:lvl6pPr>
+            <a:lvl7pPr marL="2971800" indent="-228600" defTabSz="457200" eaLnBrk="0" fontAlgn="base" hangingPunct="0">
+              <a:spcBef>
+                <a:spcPct val="0"/>
+              </a:spcBef>
+              <a:spcAft>
+                <a:spcPct val="0"/>
+              </a:spcAft>
+              <a:defRPr sz="2400">
+                <a:solidFill>
+                  <a:schemeClr val="tx1"/>
+                </a:solidFill>
+                <a:latin typeface="Source Sans Pro" panose="020B0503030403020204" pitchFamily="34" charset="0"/>
+                <a:ea typeface="MS PGothic" panose="020B0600070205080204" pitchFamily="34" charset="-128"/>
+              </a:defRPr>
+            </a:lvl7pPr>
+            <a:lvl8pPr marL="3429000" indent="-228600" defTabSz="457200" eaLnBrk="0" fontAlgn="base" hangingPunct="0">
+              <a:spcBef>
+                <a:spcPct val="0"/>
+              </a:spcBef>
+              <a:spcAft>
+                <a:spcPct val="0"/>
+              </a:spcAft>
+              <a:defRPr sz="2400">
+                <a:solidFill>
+                  <a:schemeClr val="tx1"/>
+                </a:solidFill>
+                <a:latin typeface="Source Sans Pro" panose="020B0503030403020204" pitchFamily="34" charset="0"/>
+                <a:ea typeface="MS PGothic" panose="020B0600070205080204" pitchFamily="34" charset="-128"/>
+              </a:defRPr>
+            </a:lvl8pPr>
+            <a:lvl9pPr marL="3886200" indent="-228600" defTabSz="457200" eaLnBrk="0" fontAlgn="base" hangingPunct="0">
+              <a:spcBef>
+                <a:spcPct val="0"/>
+              </a:spcBef>
+              <a:spcAft>
+                <a:spcPct val="0"/>
+              </a:spcAft>
+              <a:defRPr sz="2400">
+                <a:solidFill>
+                  <a:schemeClr val="tx1"/>
+                </a:solidFill>
+                <a:latin typeface="Source Sans Pro" panose="020B0503030403020204" pitchFamily="34" charset="0"/>
+                <a:ea typeface="MS PGothic" panose="020B0600070205080204" pitchFamily="34" charset="-128"/>
+              </a:defRPr>
+            </a:lvl9pPr>
+          </a:lstStyle>
+          <a:p>
+            <a:pPr algn="ctr" eaLnBrk="1" hangingPunct="1">
+              <a:defRPr/>
+            </a:pPr>
+            <a:fld id="{0EA0789B-3459-47DC-9418-885B58FCE8EB}" type="slidenum">
+              <a:rPr lang="en-US" altLang="en-US" sz="1000" smtClean="0">
+                <a:solidFill>
+                  <a:srgbClr val="7F7F7F"/>
+                </a:solidFill>
+                <a:latin typeface="Arial" panose="020B0604020202020204" pitchFamily="34" charset="0"/>
+              </a:rPr>
+              <a:pPr algn="ctr" eaLnBrk="1" hangingPunct="1">
+                <a:defRPr/>
+              </a:pPr>
+              <a:t>‹#›</a:t>
+            </a:fld>
+            <a:endParaRPr lang="en-US" altLang="en-US" sz="1000">
+              <a:solidFill>
+                <a:srgbClr val="7F7F7F"/>
+              </a:solidFill>
+              <a:latin typeface="Arial" panose="020B0604020202020204" pitchFamily="34" charset="0"/>
+            </a:endParaRPr>
+          </a:p>
+        </p:txBody>
+      </p:sp>
+      <p:sp>
+        <p:nvSpPr>
+          <p:cNvPr id="7" name="Title 1"/>
+          <p:cNvSpPr>
+            <a:spLocks noGrp="1"/>
+          </p:cNvSpPr>
+          <p:nvPr>
+            <p:ph type="title"/>
+          </p:nvPr>
+        </p:nvSpPr>
+        <p:spPr>
+          <a:xfrm>
+            <a:off x="948776" y="479388"/>
+            <a:ext cx="7707862" cy="650699"/>
+          </a:xfrm>
+          <a:prstGeom prst="rect">
+            <a:avLst/>
+          </a:prstGeom>
+        </p:spPr>
+        <p:txBody>
+          <a:bodyPr/>
+          <a:lstStyle>
+            <a:lvl1pPr algn="l">
+              <a:defRPr sz="2400">
+                <a:solidFill>
+                  <a:schemeClr val="bg2"/>
+                </a:solidFill>
+              </a:defRPr>
+            </a:lvl1pPr>
+          </a:lstStyle>
+          <a:p>
+            <a:r>
+              <a:rPr lang="en-US"/>
+              <a:t>Click to edit Master title style</a:t>
+            </a:r>
+            <a:endParaRPr lang="en-US" dirty="0"/>
+          </a:p>
+        </p:txBody>
+      </p:sp>
+      <p:sp>
+        <p:nvSpPr>
+          <p:cNvPr id="14" name="Content Placeholder 13"/>
+          <p:cNvSpPr>
+            <a:spLocks noGrp="1"/>
+          </p:cNvSpPr>
+          <p:nvPr>
+            <p:ph sz="quarter" idx="10"/>
+          </p:nvPr>
+        </p:nvSpPr>
+        <p:spPr>
+          <a:xfrm>
+            <a:off x="949328" y="1211580"/>
+            <a:ext cx="3787775" cy="5012056"/>
+          </a:xfrm>
+        </p:spPr>
+        <p:txBody>
+          <a:bodyPr/>
+          <a:lstStyle>
+            <a:lvl2pPr>
+              <a:defRPr sz="1600"/>
+            </a:lvl2pPr>
+            <a:lvl3pPr>
+              <a:defRPr sz="1400"/>
+            </a:lvl3pPr>
+            <a:lvl4pPr>
+              <a:defRPr sz="1400"/>
+            </a:lvl4pPr>
+            <a:lvl5pPr>
+              <a:defRPr sz="1400"/>
+            </a:lvl5pPr>
+          </a:lstStyle>
+          <a:p>
+            <a:pPr lvl="0"/>
+            <a:r>
+              <a:rPr lang="en-US" dirty="0"/>
+              <a:t>Click to edit Master text styles</a:t>
+            </a:r>
+          </a:p>
+          <a:p>
+            <a:pPr lvl="1"/>
+            <a:r>
+              <a:rPr lang="en-US" dirty="0"/>
+              <a:t>Second level</a:t>
+            </a:r>
+          </a:p>
+          <a:p>
+            <a:pPr lvl="2"/>
+            <a:r>
+              <a:rPr lang="en-US" dirty="0"/>
+              <a:t>Third level</a:t>
+            </a:r>
+          </a:p>
+          <a:p>
+            <a:pPr lvl="3"/>
+            <a:r>
+              <a:rPr lang="en-US" dirty="0"/>
+              <a:t>Fourth level</a:t>
+            </a:r>
+          </a:p>
+          <a:p>
+            <a:pPr lvl="4"/>
+            <a:r>
+              <a:rPr lang="en-US" dirty="0"/>
+              <a:t>Fifth level</a:t>
+            </a:r>
+          </a:p>
+        </p:txBody>
+      </p:sp>
+      <p:sp>
+        <p:nvSpPr>
+          <p:cNvPr id="16" name="Content Placeholder 15"/>
+          <p:cNvSpPr>
+            <a:spLocks noGrp="1"/>
+          </p:cNvSpPr>
+          <p:nvPr>
+            <p:ph sz="quarter" idx="11"/>
+          </p:nvPr>
+        </p:nvSpPr>
+        <p:spPr>
+          <a:xfrm>
+            <a:off x="4876800" y="1211580"/>
+            <a:ext cx="3779838" cy="5012056"/>
+          </a:xfrm>
+        </p:spPr>
+        <p:txBody>
+          <a:bodyPr/>
+          <a:lstStyle>
+            <a:lvl2pPr>
+              <a:defRPr sz="1600"/>
+            </a:lvl2pPr>
+            <a:lvl3pPr>
+              <a:defRPr sz="1400"/>
+            </a:lvl3pPr>
+            <a:lvl4pPr>
+              <a:defRPr sz="1400"/>
+            </a:lvl4pPr>
+            <a:lvl5pPr>
+              <a:defRPr sz="1400"/>
+            </a:lvl5pPr>
+          </a:lstStyle>
+          <a:p>
+            <a:pPr lvl="0"/>
+            <a:r>
+              <a:rPr lang="en-US" dirty="0"/>
+              <a:t>Click to edit Master text styles</a:t>
+            </a:r>
+          </a:p>
+          <a:p>
+            <a:pPr lvl="1"/>
+            <a:r>
+              <a:rPr lang="en-US" dirty="0"/>
+              <a:t>Second level</a:t>
+            </a:r>
+          </a:p>
+          <a:p>
+            <a:pPr lvl="2"/>
+            <a:r>
+              <a:rPr lang="en-US" dirty="0"/>
+              <a:t>Third level</a:t>
+            </a:r>
+          </a:p>
+          <a:p>
+            <a:pPr lvl="3"/>
+            <a:r>
+              <a:rPr lang="en-US" dirty="0"/>
+              <a:t>Fourth level</a:t>
+            </a:r>
+          </a:p>
+          <a:p>
+            <a:pPr lvl="4"/>
+            <a:r>
+              <a:rPr lang="en-US" dirty="0"/>
+              <a:t>Fifth level</a:t>
+            </a:r>
+          </a:p>
+        </p:txBody>
+      </p:sp>
+    </p:spTree>
+    <p:extLst>
+      <p:ext uri="{BB962C8B-B14F-4D97-AF65-F5344CB8AC3E}">
+        <p14:creationId xmlns:p14="http://schemas.microsoft.com/office/powerpoint/2010/main" val="2562698665"/>
+      </p:ext>
+    </p:extLst>
+  </p:cSld>
+  <p:clrMapOvr>
+    <a:masterClrMapping/>
+  </p:clrMapOvr>
+  <p:transition spd="slow">
+    <p:fade/>
+  </p:transition>
+</p:sldLayout>
+</file>
+
+<file path=ppt/slideLayouts/slideLayout12.xml><?xml version="1.0" encoding="utf-8"?>
+<p:sldLayout xmlns:a="http://schemas.openxmlformats.org/drawingml/2006/main" xmlns:r="http://schemas.openxmlformats.org/officeDocument/2006/relationships" xmlns:p="http://schemas.openxmlformats.org/presentationml/2006/main" preserve="1" userDrawn="1">
+  <p:cSld name="1_Two Content Horizontal">
+    <p:spTree>
+      <p:nvGrpSpPr>
+        <p:cNvPr id="1" name=""/>
+        <p:cNvGrpSpPr/>
+        <p:nvPr/>
+      </p:nvGrpSpPr>
+      <p:grpSpPr>
+        <a:xfrm>
+          <a:off x="0" y="0"/>
+          <a:ext cx="0" cy="0"/>
+          <a:chOff x="0" y="0"/>
+          <a:chExt cx="0" cy="0"/>
+        </a:xfrm>
+      </p:grpSpPr>
+      <p:sp>
+        <p:nvSpPr>
+          <p:cNvPr id="7" name="Title 1"/>
+          <p:cNvSpPr>
+            <a:spLocks noGrp="1"/>
+          </p:cNvSpPr>
+          <p:nvPr>
+            <p:ph type="title"/>
+          </p:nvPr>
+        </p:nvSpPr>
+        <p:spPr>
+          <a:xfrm>
+            <a:off x="948776" y="479388"/>
+            <a:ext cx="7707862" cy="650699"/>
+          </a:xfrm>
+          <a:prstGeom prst="rect">
+            <a:avLst/>
+          </a:prstGeom>
+        </p:spPr>
+        <p:txBody>
+          <a:bodyPr/>
+          <a:lstStyle>
+            <a:lvl1pPr algn="l">
+              <a:defRPr sz="2400">
+                <a:solidFill>
+                  <a:schemeClr val="bg2"/>
+                </a:solidFill>
+              </a:defRPr>
+            </a:lvl1pPr>
+          </a:lstStyle>
+          <a:p>
+            <a:r>
+              <a:rPr lang="en-US"/>
+              <a:t>Click to edit Master title style</a:t>
+            </a:r>
+            <a:endParaRPr lang="en-US" dirty="0"/>
+          </a:p>
+        </p:txBody>
+      </p:sp>
+      <p:sp>
+        <p:nvSpPr>
+          <p:cNvPr id="12" name="Content Placeholder 11"/>
+          <p:cNvSpPr>
+            <a:spLocks noGrp="1"/>
+          </p:cNvSpPr>
+          <p:nvPr>
+            <p:ph sz="quarter" idx="10"/>
+          </p:nvPr>
+        </p:nvSpPr>
+        <p:spPr>
+          <a:xfrm>
+            <a:off x="948777" y="1211581"/>
+            <a:ext cx="7707862" cy="2422143"/>
+          </a:xfrm>
+        </p:spPr>
+        <p:txBody>
+          <a:bodyPr/>
+          <a:lstStyle>
+            <a:lvl2pPr>
+              <a:defRPr sz="1600"/>
+            </a:lvl2pPr>
+            <a:lvl3pPr>
+              <a:defRPr sz="1600"/>
+            </a:lvl3pPr>
+            <a:lvl4pPr>
+              <a:defRPr sz="1600"/>
+            </a:lvl4pPr>
+            <a:lvl5pPr>
+              <a:defRPr sz="1600"/>
+            </a:lvl5pPr>
+          </a:lstStyle>
+          <a:p>
+            <a:pPr lvl="0"/>
+            <a:r>
+              <a:rPr lang="en-US" dirty="0"/>
+              <a:t>Click to edit Master text styles</a:t>
+            </a:r>
+          </a:p>
+          <a:p>
+            <a:pPr lvl="1"/>
+            <a:r>
+              <a:rPr lang="en-US" dirty="0"/>
+              <a:t>Second level</a:t>
+            </a:r>
+          </a:p>
+          <a:p>
+            <a:pPr lvl="2"/>
+            <a:r>
+              <a:rPr lang="en-US" dirty="0"/>
+              <a:t>Third level</a:t>
+            </a:r>
+          </a:p>
+          <a:p>
+            <a:pPr lvl="3"/>
+            <a:r>
+              <a:rPr lang="en-US" dirty="0"/>
+              <a:t>Fourth level</a:t>
+            </a:r>
+          </a:p>
+          <a:p>
+            <a:pPr lvl="4"/>
+            <a:r>
+              <a:rPr lang="en-US" dirty="0"/>
+              <a:t>Fifth level</a:t>
+            </a:r>
+          </a:p>
+        </p:txBody>
+      </p:sp>
+      <p:sp>
+        <p:nvSpPr>
+          <p:cNvPr id="14" name="Content Placeholder 13"/>
+          <p:cNvSpPr>
+            <a:spLocks noGrp="1"/>
+          </p:cNvSpPr>
+          <p:nvPr>
+            <p:ph sz="quarter" idx="11"/>
+          </p:nvPr>
+        </p:nvSpPr>
+        <p:spPr>
+          <a:xfrm>
+            <a:off x="949328" y="3788418"/>
+            <a:ext cx="7707313" cy="2422143"/>
+          </a:xfrm>
+        </p:spPr>
+        <p:txBody>
+          <a:bodyPr/>
+          <a:lstStyle>
+            <a:lvl2pPr>
+              <a:defRPr sz="1600"/>
+            </a:lvl2pPr>
+            <a:lvl3pPr>
+              <a:defRPr sz="1600"/>
+            </a:lvl3pPr>
+            <a:lvl4pPr>
+              <a:defRPr sz="1600"/>
+            </a:lvl4pPr>
+            <a:lvl5pPr>
+              <a:defRPr sz="1600"/>
+            </a:lvl5pPr>
+          </a:lstStyle>
+          <a:p>
+            <a:pPr lvl="0"/>
+            <a:r>
+              <a:rPr lang="en-US" dirty="0"/>
+              <a:t>Click to edit Master text styles</a:t>
+            </a:r>
+          </a:p>
+          <a:p>
+            <a:pPr lvl="1"/>
+            <a:r>
+              <a:rPr lang="en-US" dirty="0"/>
+              <a:t>Second level</a:t>
+            </a:r>
+          </a:p>
+          <a:p>
+            <a:pPr lvl="2"/>
+            <a:r>
+              <a:rPr lang="en-US" dirty="0"/>
+              <a:t>Third level</a:t>
+            </a:r>
+          </a:p>
+          <a:p>
+            <a:pPr lvl="3"/>
+            <a:r>
+              <a:rPr lang="en-US" dirty="0"/>
+              <a:t>Fourth level</a:t>
+            </a:r>
+          </a:p>
+          <a:p>
+            <a:pPr lvl="4"/>
+            <a:r>
+              <a:rPr lang="en-US" dirty="0"/>
+              <a:t>Fifth level</a:t>
+            </a:r>
+          </a:p>
+        </p:txBody>
+      </p:sp>
+    </p:spTree>
+    <p:extLst>
+      <p:ext uri="{BB962C8B-B14F-4D97-AF65-F5344CB8AC3E}">
+        <p14:creationId xmlns:p14="http://schemas.microsoft.com/office/powerpoint/2010/main" val="714909328"/>
+      </p:ext>
+    </p:extLst>
+  </p:cSld>
+  <p:clrMapOvr>
+    <a:masterClrMapping/>
+  </p:clrMapOvr>
+  <p:transition spd="slow">
+    <p:fade/>
+  </p:transition>
+</p:sldLayout>
+</file>
+
+<file path=ppt/slideLayouts/slideLayout13.xml><?xml version="1.0" encoding="utf-8"?>
+<p:sldLayout xmlns:a="http://schemas.openxmlformats.org/drawingml/2006/main" xmlns:r="http://schemas.openxmlformats.org/officeDocument/2006/relationships" xmlns:p="http://schemas.openxmlformats.org/presentationml/2006/main" preserve="1" userDrawn="1">
+  <p:cSld name="1_Three Content">
+    <p:spTree>
+      <p:nvGrpSpPr>
+        <p:cNvPr id="1" name=""/>
+        <p:cNvGrpSpPr/>
+        <p:nvPr/>
+      </p:nvGrpSpPr>
+      <p:grpSpPr>
+        <a:xfrm>
+          <a:off x="0" y="0"/>
+          <a:ext cx="0" cy="0"/>
+          <a:chOff x="0" y="0"/>
+          <a:chExt cx="0" cy="0"/>
+        </a:xfrm>
+      </p:grpSpPr>
+      <p:sp>
+        <p:nvSpPr>
+          <p:cNvPr id="7" name="Title 1"/>
+          <p:cNvSpPr>
+            <a:spLocks noGrp="1"/>
+          </p:cNvSpPr>
+          <p:nvPr>
+            <p:ph type="title"/>
+          </p:nvPr>
+        </p:nvSpPr>
+        <p:spPr>
+          <a:xfrm>
+            <a:off x="948776" y="479388"/>
+            <a:ext cx="7707862" cy="650699"/>
+          </a:xfrm>
+          <a:prstGeom prst="rect">
+            <a:avLst/>
+          </a:prstGeom>
+        </p:spPr>
+        <p:txBody>
+          <a:bodyPr/>
+          <a:lstStyle>
+            <a:lvl1pPr algn="l">
+              <a:defRPr sz="2400">
+                <a:solidFill>
+                  <a:schemeClr val="bg2"/>
+                </a:solidFill>
+              </a:defRPr>
+            </a:lvl1pPr>
+          </a:lstStyle>
+          <a:p>
+            <a:r>
+              <a:rPr lang="en-US"/>
+              <a:t>Click to edit Master title style</a:t>
+            </a:r>
+            <a:endParaRPr lang="en-US" dirty="0"/>
+          </a:p>
+        </p:txBody>
+      </p:sp>
+      <p:sp>
+        <p:nvSpPr>
+          <p:cNvPr id="3" name="Content Placeholder 2"/>
+          <p:cNvSpPr>
+            <a:spLocks noGrp="1"/>
+          </p:cNvSpPr>
+          <p:nvPr>
+            <p:ph sz="quarter" idx="10"/>
+          </p:nvPr>
+        </p:nvSpPr>
+        <p:spPr>
+          <a:xfrm>
+            <a:off x="949328" y="1211580"/>
+            <a:ext cx="3787775" cy="5012056"/>
+          </a:xfrm>
+        </p:spPr>
+        <p:txBody>
+          <a:bodyPr/>
+          <a:lstStyle>
+            <a:lvl2pPr>
+              <a:defRPr sz="1600"/>
+            </a:lvl2pPr>
+            <a:lvl3pPr>
+              <a:defRPr sz="1600"/>
+            </a:lvl3pPr>
+            <a:lvl4pPr>
+              <a:defRPr sz="1600"/>
+            </a:lvl4pPr>
+            <a:lvl5pPr>
+              <a:defRPr sz="1600"/>
+            </a:lvl5pPr>
+          </a:lstStyle>
+          <a:p>
+            <a:pPr lvl="0"/>
+            <a:r>
+              <a:rPr lang="en-US" dirty="0"/>
+              <a:t>Click to edit Master text styles</a:t>
+            </a:r>
+          </a:p>
+          <a:p>
+            <a:pPr lvl="1"/>
+            <a:r>
+              <a:rPr lang="en-US" dirty="0"/>
+              <a:t>Second level</a:t>
+            </a:r>
+          </a:p>
+          <a:p>
+            <a:pPr lvl="2"/>
+            <a:r>
+              <a:rPr lang="en-US" dirty="0"/>
+              <a:t>Third level</a:t>
+            </a:r>
+          </a:p>
+          <a:p>
+            <a:pPr lvl="3"/>
+            <a:r>
+              <a:rPr lang="en-US" dirty="0"/>
+              <a:t>Fourth level</a:t>
+            </a:r>
+          </a:p>
+          <a:p>
+            <a:pPr lvl="4"/>
+            <a:r>
+              <a:rPr lang="en-US" dirty="0"/>
+              <a:t>Fifth level</a:t>
+            </a:r>
+          </a:p>
+        </p:txBody>
+      </p:sp>
+      <p:sp>
+        <p:nvSpPr>
+          <p:cNvPr id="5" name="Content Placeholder 4"/>
+          <p:cNvSpPr>
+            <a:spLocks noGrp="1"/>
+          </p:cNvSpPr>
+          <p:nvPr>
+            <p:ph sz="quarter" idx="11"/>
+          </p:nvPr>
+        </p:nvSpPr>
+        <p:spPr>
+          <a:xfrm>
+            <a:off x="4876800" y="1211582"/>
+            <a:ext cx="3779838" cy="2430780"/>
+          </a:xfrm>
+        </p:spPr>
+        <p:txBody>
+          <a:bodyPr/>
+          <a:lstStyle>
+            <a:lvl2pPr>
+              <a:defRPr sz="1600"/>
+            </a:lvl2pPr>
+            <a:lvl3pPr>
+              <a:defRPr sz="1600"/>
+            </a:lvl3pPr>
+            <a:lvl4pPr>
+              <a:defRPr sz="1600"/>
+            </a:lvl4pPr>
+            <a:lvl5pPr>
+              <a:defRPr sz="1600"/>
+            </a:lvl5pPr>
+          </a:lstStyle>
+          <a:p>
+            <a:pPr lvl="0"/>
+            <a:r>
+              <a:rPr lang="en-US" dirty="0"/>
+              <a:t>Click to edit Master text styles</a:t>
+            </a:r>
+          </a:p>
+          <a:p>
+            <a:pPr lvl="1"/>
+            <a:r>
+              <a:rPr lang="en-US" dirty="0"/>
+              <a:t>Second level</a:t>
+            </a:r>
+          </a:p>
+          <a:p>
+            <a:pPr lvl="2"/>
+            <a:r>
+              <a:rPr lang="en-US" dirty="0"/>
+              <a:t>Third level</a:t>
+            </a:r>
+          </a:p>
+          <a:p>
+            <a:pPr lvl="3"/>
+            <a:r>
+              <a:rPr lang="en-US" dirty="0"/>
+              <a:t>Fourth level</a:t>
+            </a:r>
+          </a:p>
+          <a:p>
+            <a:pPr lvl="4"/>
+            <a:r>
+              <a:rPr lang="en-US" dirty="0"/>
+              <a:t>Fifth level</a:t>
+            </a:r>
+          </a:p>
+        </p:txBody>
+      </p:sp>
+      <p:sp>
+        <p:nvSpPr>
+          <p:cNvPr id="9" name="Content Placeholder 8"/>
+          <p:cNvSpPr>
+            <a:spLocks noGrp="1"/>
+          </p:cNvSpPr>
+          <p:nvPr>
+            <p:ph sz="quarter" idx="12"/>
+          </p:nvPr>
+        </p:nvSpPr>
+        <p:spPr>
+          <a:xfrm>
+            <a:off x="4876800" y="3783329"/>
+            <a:ext cx="3779838" cy="2440307"/>
+          </a:xfrm>
+        </p:spPr>
+        <p:txBody>
+          <a:bodyPr/>
+          <a:lstStyle>
+            <a:lvl2pPr>
+              <a:defRPr sz="1600"/>
+            </a:lvl2pPr>
+            <a:lvl3pPr>
+              <a:defRPr sz="1600"/>
+            </a:lvl3pPr>
+            <a:lvl4pPr>
+              <a:defRPr sz="1600"/>
+            </a:lvl4pPr>
+            <a:lvl5pPr>
+              <a:defRPr sz="1600"/>
+            </a:lvl5pPr>
+          </a:lstStyle>
+          <a:p>
+            <a:pPr lvl="0"/>
+            <a:r>
+              <a:rPr lang="en-US" dirty="0"/>
+              <a:t>Click to edit Master text styles</a:t>
+            </a:r>
+          </a:p>
+          <a:p>
+            <a:pPr lvl="1"/>
+            <a:r>
+              <a:rPr lang="en-US" dirty="0"/>
+              <a:t>Second level</a:t>
+            </a:r>
+          </a:p>
+          <a:p>
+            <a:pPr lvl="2"/>
+            <a:r>
+              <a:rPr lang="en-US" dirty="0"/>
+              <a:t>Third level</a:t>
+            </a:r>
+          </a:p>
+          <a:p>
+            <a:pPr lvl="3"/>
+            <a:r>
+              <a:rPr lang="en-US" dirty="0"/>
+              <a:t>Fourth level</a:t>
+            </a:r>
+          </a:p>
+          <a:p>
+            <a:pPr lvl="4"/>
+            <a:r>
+              <a:rPr lang="en-US" dirty="0"/>
+              <a:t>Fifth level</a:t>
+            </a:r>
+          </a:p>
+        </p:txBody>
+      </p:sp>
+    </p:spTree>
+    <p:extLst>
+      <p:ext uri="{BB962C8B-B14F-4D97-AF65-F5344CB8AC3E}">
+        <p14:creationId xmlns:p14="http://schemas.microsoft.com/office/powerpoint/2010/main" val="1887748233"/>
+      </p:ext>
+    </p:extLst>
+  </p:cSld>
+  <p:clrMapOvr>
+    <a:masterClrMapping/>
+  </p:clrMapOvr>
+  <p:transition spd="slow">
+    <p:fade/>
+  </p:transition>
+</p:sldLayout>
+</file>
+
+<file path=ppt/slideLayouts/slideLayout14.xml><?xml version="1.0" encoding="utf-8"?>
+<p:sldLayout xmlns:a="http://schemas.openxmlformats.org/drawingml/2006/main" xmlns:r="http://schemas.openxmlformats.org/officeDocument/2006/relationships" xmlns:p="http://schemas.openxmlformats.org/presentationml/2006/main" preserve="1" userDrawn="1">
+  <p:cSld name="1_Four Content">
+    <p:spTree>
+      <p:nvGrpSpPr>
+        <p:cNvPr id="1" name=""/>
+        <p:cNvGrpSpPr/>
+        <p:nvPr/>
+      </p:nvGrpSpPr>
+      <p:grpSpPr>
+        <a:xfrm>
+          <a:off x="0" y="0"/>
+          <a:ext cx="0" cy="0"/>
+          <a:chOff x="0" y="0"/>
+          <a:chExt cx="0" cy="0"/>
+        </a:xfrm>
+      </p:grpSpPr>
+      <p:sp>
+        <p:nvSpPr>
+          <p:cNvPr id="7" name="Title 1"/>
+          <p:cNvSpPr>
+            <a:spLocks noGrp="1"/>
+          </p:cNvSpPr>
+          <p:nvPr>
+            <p:ph type="title"/>
+          </p:nvPr>
+        </p:nvSpPr>
+        <p:spPr>
+          <a:xfrm>
+            <a:off x="948776" y="479388"/>
+            <a:ext cx="7707862" cy="650699"/>
+          </a:xfrm>
+          <a:prstGeom prst="rect">
+            <a:avLst/>
+          </a:prstGeom>
+        </p:spPr>
+        <p:txBody>
+          <a:bodyPr/>
+          <a:lstStyle>
+            <a:lvl1pPr algn="l">
+              <a:defRPr sz="2400">
+                <a:solidFill>
+                  <a:schemeClr val="bg2"/>
+                </a:solidFill>
+              </a:defRPr>
+            </a:lvl1pPr>
+          </a:lstStyle>
+          <a:p>
+            <a:r>
+              <a:rPr lang="en-US"/>
+              <a:t>Click to edit Master title style</a:t>
+            </a:r>
+            <a:endParaRPr lang="en-US" dirty="0"/>
+          </a:p>
+        </p:txBody>
+      </p:sp>
+      <p:sp>
+        <p:nvSpPr>
+          <p:cNvPr id="4" name="Content Placeholder 3"/>
+          <p:cNvSpPr>
+            <a:spLocks noGrp="1"/>
+          </p:cNvSpPr>
+          <p:nvPr>
+            <p:ph sz="quarter" idx="10"/>
+          </p:nvPr>
+        </p:nvSpPr>
+        <p:spPr>
+          <a:xfrm>
+            <a:off x="949328" y="1211582"/>
+            <a:ext cx="3787775" cy="2430780"/>
+          </a:xfrm>
+        </p:spPr>
+        <p:txBody>
+          <a:bodyPr/>
+          <a:lstStyle/>
+          <a:p>
+            <a:pPr lvl="0"/>
+            <a:r>
+              <a:rPr lang="en-US" dirty="0"/>
+              <a:t>Click to edit Master text styles</a:t>
+            </a:r>
+          </a:p>
+          <a:p>
+            <a:pPr lvl="1"/>
+            <a:r>
+              <a:rPr lang="en-US" dirty="0"/>
+              <a:t>Second level</a:t>
+            </a:r>
+          </a:p>
+          <a:p>
+            <a:pPr lvl="2"/>
+            <a:r>
+              <a:rPr lang="en-US" dirty="0"/>
+              <a:t>Third level</a:t>
+            </a:r>
+          </a:p>
+          <a:p>
+            <a:pPr lvl="3"/>
+            <a:r>
+              <a:rPr lang="en-US" dirty="0"/>
+              <a:t>Fourth level</a:t>
+            </a:r>
+          </a:p>
+          <a:p>
+            <a:pPr lvl="4"/>
+            <a:r>
+              <a:rPr lang="en-US" dirty="0"/>
+              <a:t>Fifth level</a:t>
+            </a:r>
+          </a:p>
+        </p:txBody>
+      </p:sp>
+      <p:sp>
+        <p:nvSpPr>
+          <p:cNvPr id="11" name="Content Placeholder 10"/>
+          <p:cNvSpPr>
+            <a:spLocks noGrp="1"/>
+          </p:cNvSpPr>
+          <p:nvPr>
+            <p:ph sz="quarter" idx="11"/>
+          </p:nvPr>
+        </p:nvSpPr>
+        <p:spPr>
+          <a:xfrm>
+            <a:off x="955678" y="3787484"/>
+            <a:ext cx="3781425" cy="2436152"/>
+          </a:xfrm>
+        </p:spPr>
+        <p:txBody>
+          <a:bodyPr/>
+          <a:lstStyle/>
+          <a:p>
+            <a:pPr lvl="0"/>
+            <a:r>
+              <a:rPr lang="en-US"/>
+              <a:t>Click to edit Master text styles</a:t>
+            </a:r>
+          </a:p>
+          <a:p>
+            <a:pPr lvl="1"/>
+            <a:r>
+              <a:rPr lang="en-US"/>
+              <a:t>Second level</a:t>
+            </a:r>
+          </a:p>
+          <a:p>
+            <a:pPr lvl="2"/>
+            <a:r>
+              <a:rPr lang="en-US"/>
+              <a:t>Third level</a:t>
+            </a:r>
+          </a:p>
+          <a:p>
+            <a:pPr lvl="3"/>
+            <a:r>
+              <a:rPr lang="en-US"/>
+              <a:t>Fourth level</a:t>
+            </a:r>
+          </a:p>
+          <a:p>
+            <a:pPr lvl="4"/>
+            <a:r>
+              <a:rPr lang="en-US"/>
+              <a:t>Fifth level</a:t>
+            </a:r>
+          </a:p>
+        </p:txBody>
+      </p:sp>
+      <p:sp>
+        <p:nvSpPr>
+          <p:cNvPr id="13" name="Content Placeholder 12"/>
+          <p:cNvSpPr>
+            <a:spLocks noGrp="1"/>
+          </p:cNvSpPr>
+          <p:nvPr>
+            <p:ph sz="quarter" idx="12"/>
+          </p:nvPr>
+        </p:nvSpPr>
+        <p:spPr>
+          <a:xfrm>
+            <a:off x="4876800" y="1211582"/>
+            <a:ext cx="3779838" cy="2430780"/>
+          </a:xfrm>
+        </p:spPr>
+        <p:txBody>
+          <a:bodyPr/>
+          <a:lstStyle/>
+          <a:p>
+            <a:pPr lvl="0"/>
+            <a:r>
+              <a:rPr lang="en-US"/>
+              <a:t>Click to edit Master text styles</a:t>
+            </a:r>
+          </a:p>
+          <a:p>
+            <a:pPr lvl="1"/>
+            <a:r>
+              <a:rPr lang="en-US"/>
+              <a:t>Second level</a:t>
+            </a:r>
+          </a:p>
+          <a:p>
+            <a:pPr lvl="2"/>
+            <a:r>
+              <a:rPr lang="en-US"/>
+              <a:t>Third level</a:t>
+            </a:r>
+          </a:p>
+          <a:p>
+            <a:pPr lvl="3"/>
+            <a:r>
+              <a:rPr lang="en-US"/>
+              <a:t>Fourth level</a:t>
+            </a:r>
+          </a:p>
+          <a:p>
+            <a:pPr lvl="4"/>
+            <a:r>
+              <a:rPr lang="en-US"/>
+              <a:t>Fifth level</a:t>
+            </a:r>
+          </a:p>
+        </p:txBody>
+      </p:sp>
+      <p:sp>
+        <p:nvSpPr>
+          <p:cNvPr id="15" name="Content Placeholder 14"/>
+          <p:cNvSpPr>
+            <a:spLocks noGrp="1"/>
+          </p:cNvSpPr>
+          <p:nvPr>
+            <p:ph sz="quarter" idx="13"/>
+          </p:nvPr>
+        </p:nvSpPr>
+        <p:spPr>
+          <a:xfrm>
+            <a:off x="4876800" y="3787484"/>
+            <a:ext cx="3779838" cy="2436152"/>
+          </a:xfrm>
+        </p:spPr>
+        <p:txBody>
+          <a:bodyPr/>
+          <a:lstStyle/>
+          <a:p>
+            <a:pPr lvl="0"/>
+            <a:r>
+              <a:rPr lang="en-US"/>
+              <a:t>Click to edit Master text styles</a:t>
+            </a:r>
+          </a:p>
+          <a:p>
+            <a:pPr lvl="1"/>
+            <a:r>
+              <a:rPr lang="en-US"/>
+              <a:t>Second level</a:t>
+            </a:r>
+          </a:p>
+          <a:p>
+            <a:pPr lvl="2"/>
+            <a:r>
+              <a:rPr lang="en-US"/>
+              <a:t>Third level</a:t>
+            </a:r>
+          </a:p>
+          <a:p>
+            <a:pPr lvl="3"/>
+            <a:r>
+              <a:rPr lang="en-US"/>
+              <a:t>Fourth level</a:t>
+            </a:r>
+          </a:p>
+          <a:p>
+            <a:pPr lvl="4"/>
+            <a:r>
+              <a:rPr lang="en-US"/>
+              <a:t>Fifth level</a:t>
+            </a:r>
+          </a:p>
+        </p:txBody>
+      </p:sp>
+    </p:spTree>
+    <p:extLst>
+      <p:ext uri="{BB962C8B-B14F-4D97-AF65-F5344CB8AC3E}">
+        <p14:creationId xmlns:p14="http://schemas.microsoft.com/office/powerpoint/2010/main" val="390728969"/>
+      </p:ext>
+    </p:extLst>
+  </p:cSld>
+  <p:clrMapOvr>
+    <a:masterClrMapping/>
+  </p:clrMapOvr>
+  <p:transition spd="slow">
+    <p:fade/>
+  </p:transition>
+</p:sldLayout>
+</file>
+
+<file path=ppt/slideLayouts/slideLayout15.xml><?xml version="1.0" encoding="utf-8"?>
+<p:sldLayout xmlns:a="http://schemas.openxmlformats.org/drawingml/2006/main" xmlns:r="http://schemas.openxmlformats.org/officeDocument/2006/relationships" xmlns:p="http://schemas.openxmlformats.org/presentationml/2006/main" showMasterSp="0" preserve="1" userDrawn="1">
+  <p:cSld name="Title Slide">
+    <p:spTree>
+      <p:nvGrpSpPr>
+        <p:cNvPr id="1" name=""/>
+        <p:cNvGrpSpPr/>
+        <p:nvPr/>
+      </p:nvGrpSpPr>
+      <p:grpSpPr>
+        <a:xfrm>
+          <a:off x="0" y="0"/>
+          <a:ext cx="0" cy="0"/>
+          <a:chOff x="0" y="0"/>
+          <a:chExt cx="0" cy="0"/>
+        </a:xfrm>
+      </p:grpSpPr>
+      <p:pic>
+        <p:nvPicPr>
+          <p:cNvPr id="5" name="Picture 9" descr="SUSig_White.eps">
+            <a:extLst>
+              <a:ext uri="{FF2B5EF4-FFF2-40B4-BE49-F238E27FC236}">
+                <a16:creationId xmlns:a16="http://schemas.microsoft.com/office/drawing/2014/main" id="{E325D424-4A36-497D-AADE-320940E161AF}"/>
+              </a:ext>
+            </a:extLst>
+          </p:cNvPr>
+          <p:cNvPicPr>
+            <a:picLocks noChangeAspect="1"/>
+          </p:cNvPicPr>
+          <p:nvPr/>
+        </p:nvPicPr>
+        <p:blipFill>
+          <a:blip r:embed="rId2">
+            <a:extLst>
+              <a:ext uri="{28A0092B-C50C-407E-A947-70E740481C1C}">
+                <a14:useLocalDpi xmlns:a14="http://schemas.microsoft.com/office/drawing/2010/main" val="0"/>
+              </a:ext>
+            </a:extLst>
+          </a:blip>
+          <a:srcRect/>
+          <a:stretch>
+            <a:fillRect/>
+          </a:stretch>
+        </p:blipFill>
+        <p:spPr bwMode="auto">
+          <a:xfrm>
+            <a:off x="6610350" y="6415088"/>
+            <a:ext cx="2046288" cy="250825"/>
+          </a:xfrm>
+          <a:prstGeom prst="rect">
+            <a:avLst/>
+          </a:prstGeom>
+          <a:noFill/>
+          <a:ln>
+            <a:noFill/>
+          </a:ln>
+          <a:extLst>
+            <a:ext uri="{909E8E84-426E-40DD-AFC4-6F175D3DCCD1}">
+              <a14:hiddenFill xmlns:a14="http://schemas.microsoft.com/office/drawing/2010/main">
+                <a:solidFill>
+                  <a:srgbClr val="FFFFFF"/>
+                </a:solidFill>
+              </a14:hiddenFill>
+            </a:ext>
+            <a:ext uri="{91240B29-F687-4F45-9708-019B960494DF}">
+              <a14:hiddenLine xmlns:a14="http://schemas.microsoft.com/office/drawing/2010/main" w="9525">
+                <a:solidFill>
+                  <a:srgbClr val="000000"/>
+                </a:solidFill>
+                <a:miter lim="800000"/>
+                <a:headEnd/>
+                <a:tailEnd/>
+              </a14:hiddenLine>
+            </a:ext>
+          </a:extLst>
+        </p:spPr>
+      </p:pic>
+      <p:sp>
+        <p:nvSpPr>
+          <p:cNvPr id="6" name="Rectangle 5">
+            <a:extLst>
+              <a:ext uri="{FF2B5EF4-FFF2-40B4-BE49-F238E27FC236}">
+                <a16:creationId xmlns:a16="http://schemas.microsoft.com/office/drawing/2014/main" id="{F2C2D534-EFCE-43B0-B3F7-468C6C4D2661}"/>
+              </a:ext>
+            </a:extLst>
+          </p:cNvPr>
+          <p:cNvSpPr>
+            <a:spLocks noChangeArrowheads="1"/>
+          </p:cNvSpPr>
+          <p:nvPr/>
+        </p:nvSpPr>
+        <p:spPr bwMode="auto">
+          <a:xfrm>
+            <a:off x="0" y="6410325"/>
+            <a:ext cx="9155113" cy="457200"/>
+          </a:xfrm>
+          <a:prstGeom prst="rect">
+            <a:avLst/>
+          </a:prstGeom>
+          <a:solidFill>
+            <a:schemeClr val="bg2"/>
+          </a:solidFill>
+          <a:ln w="9525">
+            <a:solidFill>
+              <a:schemeClr val="accent1"/>
+            </a:solidFill>
+            <a:miter lim="800000"/>
+            <a:headEnd/>
+            <a:tailEnd/>
+          </a:ln>
+          <a:effectLst>
+            <a:outerShdw blurRad="38100" dist="25401" dir="2700000" algn="br" rotWithShape="0">
+              <a:srgbClr val="808080">
+                <a:alpha val="59999"/>
+              </a:srgbClr>
+            </a:outerShdw>
+          </a:effectLst>
+        </p:spPr>
+        <p:txBody>
+          <a:bodyPr anchor="ctr"/>
+          <a:lstStyle/>
+          <a:p>
+            <a:pPr algn="ctr" eaLnBrk="1" fontAlgn="auto" hangingPunct="1">
+              <a:spcBef>
+                <a:spcPts val="0"/>
+              </a:spcBef>
+              <a:spcAft>
+                <a:spcPts val="0"/>
+              </a:spcAft>
+              <a:defRPr/>
+            </a:pPr>
+            <a:endParaRPr lang="en-US" sz="1800" dirty="0">
+              <a:solidFill>
+                <a:schemeClr val="lt1"/>
+              </a:solidFill>
+              <a:latin typeface="Arial"/>
+              <a:ea typeface="+mn-ea"/>
+            </a:endParaRPr>
+          </a:p>
+        </p:txBody>
+      </p:sp>
+      <p:pic>
+        <p:nvPicPr>
+          <p:cNvPr id="7" name="Picture 11" title="Stanford University">
+            <a:extLst>
+              <a:ext uri="{FF2B5EF4-FFF2-40B4-BE49-F238E27FC236}">
+                <a16:creationId xmlns:a16="http://schemas.microsoft.com/office/drawing/2014/main" id="{3F8BF9C0-CBA0-492C-A5A6-6EC75EA05CF1}"/>
+              </a:ext>
+            </a:extLst>
+          </p:cNvPr>
+          <p:cNvPicPr>
+            <a:picLocks noChangeAspect="1"/>
+          </p:cNvPicPr>
+          <p:nvPr/>
+        </p:nvPicPr>
+        <p:blipFill>
+          <a:blip r:embed="rId2">
+            <a:extLst>
+              <a:ext uri="{28A0092B-C50C-407E-A947-70E740481C1C}">
+                <a14:useLocalDpi xmlns:a14="http://schemas.microsoft.com/office/drawing/2010/main" val="0"/>
+              </a:ext>
+            </a:extLst>
+          </a:blip>
+          <a:srcRect/>
+          <a:stretch>
+            <a:fillRect/>
+          </a:stretch>
+        </p:blipFill>
+        <p:spPr bwMode="auto">
+          <a:xfrm>
+            <a:off x="6950075" y="6510338"/>
+            <a:ext cx="1817688" cy="223837"/>
+          </a:xfrm>
+          <a:prstGeom prst="rect">
+            <a:avLst/>
+          </a:prstGeom>
+          <a:noFill/>
+          <a:ln>
+            <a:noFill/>
+          </a:ln>
+          <a:extLst>
+            <a:ext uri="{909E8E84-426E-40dd-AFC4-6F175D3DCCD1}"/>
+            <a:ext uri="{91240B29-F687-4f45-9708-019B960494DF}"/>
+          </a:extLst>
+        </p:spPr>
+      </p:pic>
+      <p:sp>
+        <p:nvSpPr>
+          <p:cNvPr id="2" name="Title 1"/>
+          <p:cNvSpPr>
+            <a:spLocks noGrp="1"/>
+          </p:cNvSpPr>
+          <p:nvPr>
+            <p:ph type="ctrTitle"/>
+          </p:nvPr>
+        </p:nvSpPr>
+        <p:spPr>
+          <a:xfrm>
+            <a:off x="457200" y="2403850"/>
+            <a:ext cx="8229600" cy="824631"/>
+          </a:xfrm>
+          <a:prstGeom prst="rect">
+            <a:avLst/>
+          </a:prstGeom>
+        </p:spPr>
+        <p:txBody>
+          <a:bodyPr>
+            <a:noAutofit/>
+          </a:bodyPr>
+          <a:lstStyle>
+            <a:lvl1pPr algn="ctr">
+              <a:defRPr sz="3600">
+                <a:solidFill>
+                  <a:schemeClr val="tx1"/>
+                </a:solidFill>
+              </a:defRPr>
+            </a:lvl1pPr>
+          </a:lstStyle>
+          <a:p>
+            <a:r>
+              <a:rPr lang="en-US" dirty="0"/>
+              <a:t>Click to edit Master title style</a:t>
+            </a:r>
+          </a:p>
+        </p:txBody>
+      </p:sp>
+      <p:sp>
+        <p:nvSpPr>
+          <p:cNvPr id="12" name="Text Placeholder 33"/>
+          <p:cNvSpPr>
+            <a:spLocks noGrp="1"/>
+          </p:cNvSpPr>
+          <p:nvPr>
+            <p:ph type="body" sz="quarter" idx="18"/>
+          </p:nvPr>
+        </p:nvSpPr>
+        <p:spPr>
+          <a:xfrm>
+            <a:off x="1603375" y="4798696"/>
+            <a:ext cx="6059488" cy="274320"/>
+          </a:xfrm>
+          <a:prstGeom prst="rect">
+            <a:avLst/>
+          </a:prstGeom>
+        </p:spPr>
+        <p:txBody>
+          <a:bodyPr wrap="none" anchor="ctr" anchorCtr="1">
+            <a:noAutofit/>
+          </a:bodyPr>
+          <a:lstStyle>
+            <a:lvl1pPr algn="ctr">
+              <a:buNone/>
+              <a:defRPr sz="1800" cap="none" spc="0" baseline="0">
+                <a:solidFill>
+                  <a:schemeClr val="tx1">
+                    <a:lumMod val="65000"/>
+                    <a:lumOff val="35000"/>
+                  </a:schemeClr>
+                </a:solidFill>
+              </a:defRPr>
+            </a:lvl1pPr>
+            <a:lvl2pPr>
+              <a:buNone/>
+              <a:defRPr/>
+            </a:lvl2pPr>
+            <a:lvl3pPr>
+              <a:buNone/>
+              <a:defRPr/>
+            </a:lvl3pPr>
+            <a:lvl4pPr>
+              <a:buNone/>
+              <a:defRPr/>
+            </a:lvl4pPr>
+            <a:lvl5pPr>
+              <a:buNone/>
+              <a:defRPr/>
+            </a:lvl5pPr>
+          </a:lstStyle>
+          <a:p>
+            <a:pPr lvl="0"/>
+            <a:r>
+              <a:rPr lang="en-US" dirty="0"/>
+              <a:t>Click to edit Master text styles</a:t>
+            </a:r>
+          </a:p>
+        </p:txBody>
+      </p:sp>
+      <p:sp>
+        <p:nvSpPr>
+          <p:cNvPr id="13" name="Subtitle 2"/>
+          <p:cNvSpPr>
+            <a:spLocks noGrp="1"/>
+          </p:cNvSpPr>
+          <p:nvPr>
+            <p:ph type="subTitle" idx="1"/>
+          </p:nvPr>
+        </p:nvSpPr>
+        <p:spPr>
+          <a:xfrm>
+            <a:off x="457200" y="3228481"/>
+            <a:ext cx="8229600" cy="615863"/>
+          </a:xfrm>
+          <a:prstGeom prst="rect">
+            <a:avLst/>
+          </a:prstGeom>
+        </p:spPr>
+        <p:txBody>
+          <a:bodyPr>
+            <a:noAutofit/>
+          </a:bodyPr>
+          <a:lstStyle>
+            <a:lvl1pPr marL="0" indent="0" algn="ctr">
+              <a:buNone/>
+              <a:defRPr sz="2000" cap="small" spc="300">
+                <a:solidFill>
+                  <a:srgbClr val="A4001D"/>
+                </a:solidFill>
+              </a:defRPr>
+            </a:lvl1pPr>
+            <a:lvl2pPr marL="457200" indent="0" algn="ctr">
+              <a:buNone/>
+              <a:defRPr>
+                <a:solidFill>
+                  <a:schemeClr val="tx1">
+                    <a:tint val="75000"/>
+                  </a:schemeClr>
+                </a:solidFill>
+              </a:defRPr>
+            </a:lvl2pPr>
+            <a:lvl3pPr marL="914400" indent="0" algn="ctr">
+              <a:buNone/>
+              <a:defRPr>
+                <a:solidFill>
+                  <a:schemeClr val="tx1">
+                    <a:tint val="75000"/>
+                  </a:schemeClr>
+                </a:solidFill>
+              </a:defRPr>
+            </a:lvl3pPr>
+            <a:lvl4pPr marL="1371600" indent="0" algn="ctr">
+              <a:buNone/>
+              <a:defRPr>
+                <a:solidFill>
+                  <a:schemeClr val="tx1">
+                    <a:tint val="75000"/>
+                  </a:schemeClr>
+                </a:solidFill>
+              </a:defRPr>
+            </a:lvl4pPr>
+            <a:lvl5pPr marL="1828800" indent="0" algn="ctr">
+              <a:buNone/>
+              <a:defRPr>
+                <a:solidFill>
+                  <a:schemeClr val="tx1">
+                    <a:tint val="75000"/>
+                  </a:schemeClr>
+                </a:solidFill>
+              </a:defRPr>
+            </a:lvl5pPr>
+            <a:lvl6pPr marL="2286000" indent="0" algn="ctr">
+              <a:buNone/>
+              <a:defRPr>
+                <a:solidFill>
+                  <a:schemeClr val="tx1">
+                    <a:tint val="75000"/>
+                  </a:schemeClr>
+                </a:solidFill>
+              </a:defRPr>
+            </a:lvl6pPr>
+            <a:lvl7pPr marL="2743200" indent="0" algn="ctr">
+              <a:buNone/>
+              <a:defRPr>
+                <a:solidFill>
+                  <a:schemeClr val="tx1">
+                    <a:tint val="75000"/>
+                  </a:schemeClr>
+                </a:solidFill>
+              </a:defRPr>
+            </a:lvl7pPr>
+            <a:lvl8pPr marL="3200400" indent="0" algn="ctr">
+              <a:buNone/>
+              <a:defRPr>
+                <a:solidFill>
+                  <a:schemeClr val="tx1">
+                    <a:tint val="75000"/>
+                  </a:schemeClr>
+                </a:solidFill>
+              </a:defRPr>
+            </a:lvl8pPr>
+            <a:lvl9pPr marL="3657600" indent="0" algn="ctr">
+              <a:buNone/>
+              <a:defRPr>
+                <a:solidFill>
+                  <a:schemeClr val="tx1">
+                    <a:tint val="75000"/>
+                  </a:schemeClr>
+                </a:solidFill>
+              </a:defRPr>
+            </a:lvl9pPr>
+          </a:lstStyle>
+          <a:p>
+            <a:r>
+              <a:rPr lang="en-US"/>
+              <a:t>Click to edit Master subtitle style</a:t>
+            </a:r>
+            <a:endParaRPr lang="en-US" dirty="0"/>
+          </a:p>
+        </p:txBody>
+      </p:sp>
+    </p:spTree>
+    <p:extLst>
+      <p:ext uri="{BB962C8B-B14F-4D97-AF65-F5344CB8AC3E}">
+        <p14:creationId xmlns:p14="http://schemas.microsoft.com/office/powerpoint/2010/main" val="2968419389"/>
+      </p:ext>
+    </p:extLst>
+  </p:cSld>
+  <p:clrMapOvr>
+    <a:masterClrMapping/>
+  </p:clrMapOvr>
+  <p:transition spd="slow">
+    <p:fade/>
+  </p:transition>
+</p:sldLayout>
+</file>
+
+<file path=ppt/slideLayouts/slideLayout16.xml><?xml version="1.0" encoding="utf-8"?>
+<p:sldLayout xmlns:a="http://schemas.openxmlformats.org/drawingml/2006/main" xmlns:r="http://schemas.openxmlformats.org/officeDocument/2006/relationships" xmlns:p="http://schemas.openxmlformats.org/presentationml/2006/main" showMasterSp="0" preserve="1" userDrawn="1">
+  <p:cSld name="Section Header">
+    <p:spTree>
+      <p:nvGrpSpPr>
+        <p:cNvPr id="1" name=""/>
+        <p:cNvGrpSpPr/>
+        <p:nvPr/>
+      </p:nvGrpSpPr>
+      <p:grpSpPr>
+        <a:xfrm>
+          <a:off x="0" y="0"/>
+          <a:ext cx="0" cy="0"/>
+          <a:chOff x="0" y="0"/>
+          <a:chExt cx="0" cy="0"/>
+        </a:xfrm>
+      </p:grpSpPr>
+      <p:sp>
+        <p:nvSpPr>
+          <p:cNvPr id="5" name="Rectangle 4">
+            <a:extLst>
+              <a:ext uri="{FF2B5EF4-FFF2-40B4-BE49-F238E27FC236}">
+                <a16:creationId xmlns:a16="http://schemas.microsoft.com/office/drawing/2014/main" id="{65E41830-7E69-4EAF-AD94-B8FD11EDC798}"/>
+              </a:ext>
+            </a:extLst>
+          </p:cNvPr>
+          <p:cNvSpPr>
+            <a:spLocks noChangeArrowheads="1"/>
+          </p:cNvSpPr>
+          <p:nvPr/>
+        </p:nvSpPr>
+        <p:spPr bwMode="auto">
+          <a:xfrm>
+            <a:off x="0" y="6410325"/>
+            <a:ext cx="9155113" cy="457200"/>
+          </a:xfrm>
+          <a:prstGeom prst="rect">
+            <a:avLst/>
+          </a:prstGeom>
+          <a:solidFill>
+            <a:schemeClr val="bg2"/>
+          </a:solidFill>
+          <a:ln w="9525">
+            <a:solidFill>
+              <a:schemeClr val="accent1"/>
+            </a:solidFill>
+            <a:miter lim="800000"/>
+            <a:headEnd/>
+            <a:tailEnd/>
+          </a:ln>
+          <a:effectLst>
+            <a:outerShdw blurRad="38100" dist="25401" dir="2700000" algn="br" rotWithShape="0">
+              <a:srgbClr val="808080">
+                <a:alpha val="59999"/>
+              </a:srgbClr>
+            </a:outerShdw>
+          </a:effectLst>
+        </p:spPr>
+        <p:txBody>
+          <a:bodyPr anchor="ctr"/>
+          <a:lstStyle/>
+          <a:p>
+            <a:pPr algn="ctr" eaLnBrk="1" fontAlgn="auto" hangingPunct="1">
+              <a:spcBef>
+                <a:spcPts val="0"/>
+              </a:spcBef>
+              <a:spcAft>
+                <a:spcPts val="0"/>
+              </a:spcAft>
+              <a:defRPr/>
+            </a:pPr>
+            <a:endParaRPr lang="en-US" sz="1800" dirty="0">
+              <a:solidFill>
+                <a:schemeClr val="lt1"/>
+              </a:solidFill>
+              <a:latin typeface="Arial"/>
+              <a:ea typeface="+mn-ea"/>
+            </a:endParaRPr>
+          </a:p>
+        </p:txBody>
+      </p:sp>
+      <p:pic>
+        <p:nvPicPr>
+          <p:cNvPr id="7" name="Picture 10" title="Stanford University">
+            <a:extLst>
+              <a:ext uri="{FF2B5EF4-FFF2-40B4-BE49-F238E27FC236}">
+                <a16:creationId xmlns:a16="http://schemas.microsoft.com/office/drawing/2014/main" id="{B092221A-0184-4402-9F23-77A59EB930E9}"/>
+              </a:ext>
+            </a:extLst>
+          </p:cNvPr>
+          <p:cNvPicPr>
+            <a:picLocks noChangeAspect="1"/>
+          </p:cNvPicPr>
+          <p:nvPr/>
+        </p:nvPicPr>
+        <p:blipFill>
+          <a:blip r:embed="rId2">
+            <a:extLst>
+              <a:ext uri="{28A0092B-C50C-407E-A947-70E740481C1C}">
+                <a14:useLocalDpi xmlns:a14="http://schemas.microsoft.com/office/drawing/2010/main" val="0"/>
+              </a:ext>
+            </a:extLst>
+          </a:blip>
+          <a:srcRect/>
+          <a:stretch>
+            <a:fillRect/>
+          </a:stretch>
+        </p:blipFill>
+        <p:spPr bwMode="auto">
+          <a:xfrm>
+            <a:off x="6950075" y="6510338"/>
+            <a:ext cx="1817688" cy="223837"/>
+          </a:xfrm>
+          <a:prstGeom prst="rect">
+            <a:avLst/>
+          </a:prstGeom>
+          <a:noFill/>
+          <a:ln>
+            <a:noFill/>
+          </a:ln>
+          <a:extLst>
+            <a:ext uri="{909E8E84-426E-40dd-AFC4-6F175D3DCCD1}"/>
+            <a:ext uri="{91240B29-F687-4f45-9708-019B960494DF}"/>
+          </a:extLst>
+        </p:spPr>
+      </p:pic>
+      <p:sp>
+        <p:nvSpPr>
+          <p:cNvPr id="12" name="Title 1"/>
+          <p:cNvSpPr>
+            <a:spLocks noGrp="1"/>
+          </p:cNvSpPr>
+          <p:nvPr>
+            <p:ph type="title"/>
+          </p:nvPr>
+        </p:nvSpPr>
+        <p:spPr>
+          <a:xfrm>
+            <a:off x="1603378" y="2051687"/>
+            <a:ext cx="2954337" cy="1234440"/>
+          </a:xfrm>
+          <a:prstGeom prst="rect">
+            <a:avLst/>
+          </a:prstGeom>
+        </p:spPr>
+        <p:txBody>
+          <a:bodyPr/>
+          <a:lstStyle>
+            <a:lvl1pPr algn="r">
+              <a:defRPr sz="2000" b="1">
+                <a:solidFill>
+                  <a:schemeClr val="tx1"/>
+                </a:solidFill>
+              </a:defRPr>
+            </a:lvl1pPr>
+          </a:lstStyle>
+          <a:p>
+            <a:r>
+              <a:rPr lang="en-US"/>
+              <a:t>Click to edit Master title style</a:t>
+            </a:r>
+            <a:endParaRPr lang="en-US" dirty="0"/>
+          </a:p>
+        </p:txBody>
+      </p:sp>
+      <p:sp>
+        <p:nvSpPr>
+          <p:cNvPr id="13" name="Text Placeholder 3"/>
+          <p:cNvSpPr>
+            <a:spLocks noGrp="1"/>
+          </p:cNvSpPr>
+          <p:nvPr>
+            <p:ph type="body" sz="half" idx="2"/>
+          </p:nvPr>
+        </p:nvSpPr>
+        <p:spPr>
+          <a:xfrm>
+            <a:off x="1603378" y="3429000"/>
+            <a:ext cx="2954337" cy="1243967"/>
+          </a:xfrm>
+          <a:prstGeom prst="rect">
+            <a:avLst/>
+          </a:prstGeom>
+        </p:spPr>
+        <p:txBody>
+          <a:bodyPr/>
+          <a:lstStyle>
+            <a:lvl1pPr marL="0" indent="0" algn="r">
+              <a:buNone/>
+              <a:defRPr sz="1200" cap="all" spc="300">
+                <a:solidFill>
+                  <a:srgbClr val="A4001D"/>
+                </a:solidFill>
+              </a:defRPr>
+            </a:lvl1pPr>
+            <a:lvl2pPr marL="457200" indent="0">
+              <a:buNone/>
+              <a:defRPr sz="1200"/>
+            </a:lvl2pPr>
+            <a:lvl3pPr marL="914400" indent="0">
+              <a:buNone/>
+              <a:defRPr sz="1000"/>
+            </a:lvl3pPr>
+            <a:lvl4pPr marL="1371600" indent="0">
+              <a:buNone/>
+              <a:defRPr sz="900"/>
+            </a:lvl4pPr>
+            <a:lvl5pPr marL="1828800" indent="0">
+              <a:buNone/>
+              <a:defRPr sz="900"/>
+            </a:lvl5pPr>
+            <a:lvl6pPr marL="2286000" indent="0">
+              <a:buNone/>
+              <a:defRPr sz="900"/>
+            </a:lvl6pPr>
+            <a:lvl7pPr marL="2743200" indent="0">
+              <a:buNone/>
+              <a:defRPr sz="900"/>
+            </a:lvl7pPr>
+            <a:lvl8pPr marL="3200400" indent="0">
+              <a:buNone/>
+              <a:defRPr sz="900"/>
+            </a:lvl8pPr>
+            <a:lvl9pPr marL="3657600" indent="0">
+              <a:buNone/>
+              <a:defRPr sz="900"/>
+            </a:lvl9pPr>
+          </a:lstStyle>
+          <a:p>
+            <a:pPr lvl="0"/>
+            <a:r>
+              <a:rPr lang="en-US"/>
+              <a:t>Click to edit Master text styles</a:t>
+            </a:r>
+          </a:p>
+        </p:txBody>
+      </p:sp>
+      <p:sp>
+        <p:nvSpPr>
+          <p:cNvPr id="6" name="Picture Placeholder 16"/>
+          <p:cNvSpPr>
+            <a:spLocks noGrp="1"/>
+          </p:cNvSpPr>
+          <p:nvPr>
+            <p:ph type="pic" sz="quarter" idx="13"/>
+          </p:nvPr>
+        </p:nvSpPr>
+        <p:spPr>
+          <a:xfrm>
+            <a:off x="4665662" y="2046816"/>
+            <a:ext cx="1951038" cy="2601384"/>
+          </a:xfrm>
+          <a:prstGeom prst="rect">
+            <a:avLst/>
+          </a:prstGeom>
+          <a:blipFill rotWithShape="1">
+            <a:blip r:embed="rId3"/>
+            <a:stretch>
+              <a:fillRect/>
+            </a:stretch>
+          </a:blipFill>
+          <a:effectLst>
+            <a:outerShdw blurRad="50800" dist="25400" dir="2700000" algn="tl" rotWithShape="0">
+              <a:prstClr val="black">
+                <a:alpha val="36000"/>
+              </a:prstClr>
+            </a:outerShdw>
+          </a:effectLst>
+        </p:spPr>
+        <p:style>
+          <a:lnRef idx="3">
+            <a:schemeClr val="lt1"/>
+          </a:lnRef>
+          <a:fillRef idx="1">
+            <a:schemeClr val="accent5"/>
+          </a:fillRef>
+          <a:effectRef idx="1">
+            <a:schemeClr val="accent5"/>
+          </a:effectRef>
+          <a:fontRef idx="none"/>
+        </p:style>
+        <p:txBody>
+          <a:bodyPr/>
+          <a:lstStyle>
+            <a:lvl1pPr>
+              <a:defRPr lang="en-US" sz="1200" dirty="0"/>
+            </a:lvl1pPr>
+          </a:lstStyle>
+          <a:p>
+            <a:pPr lvl="0"/>
+            <a:r>
+              <a:rPr lang="en-US" noProof="0"/>
+              <a:t>Click icon to add picture</a:t>
+            </a:r>
+            <a:endParaRPr lang="en-US" noProof="0" dirty="0"/>
+          </a:p>
+        </p:txBody>
+      </p:sp>
+    </p:spTree>
+    <p:extLst>
+      <p:ext uri="{BB962C8B-B14F-4D97-AF65-F5344CB8AC3E}">
+        <p14:creationId xmlns:p14="http://schemas.microsoft.com/office/powerpoint/2010/main" val="2307846078"/>
+      </p:ext>
+    </p:extLst>
+  </p:cSld>
+  <p:clrMapOvr>
+    <a:masterClrMapping/>
+  </p:clrMapOvr>
+  <p:transition spd="slow">
+    <p:fade/>
+  </p:transition>
+</p:sldLayout>
+</file>
+
+<file path=ppt/slideLayouts/slideLayout17.xml><?xml version="1.0" encoding="utf-8"?>
 <p:sldLayout xmlns:a="http://schemas.openxmlformats.org/drawingml/2006/main" xmlns:r="http://schemas.openxmlformats.org/officeDocument/2006/relationships" xmlns:p="http://schemas.openxmlformats.org/presentationml/2006/main" preserve="1" userDrawn="1">
   <p:cSld name="Title and Content">
     <p:spTree>
@@ -1362,7 +3409,7 @@
 </p:sldLayout>
 </file>
 
-<file path=ppt/slideLayouts/slideLayout11.xml><?xml version="1.0" encoding="utf-8"?>
+<file path=ppt/slideLayouts/slideLayout18.xml><?xml version="1.0" encoding="utf-8"?>
 <p:sldLayout xmlns:a="http://schemas.openxmlformats.org/drawingml/2006/main" xmlns:r="http://schemas.openxmlformats.org/officeDocument/2006/relationships" xmlns:p="http://schemas.openxmlformats.org/presentationml/2006/main" preserve="1" userDrawn="1">
   <p:cSld name="Two Content">
     <p:spTree>
@@ -1713,7 +3760,7 @@
 </p:sldLayout>
 </file>
 
-<file path=ppt/slideLayouts/slideLayout12.xml><?xml version="1.0" encoding="utf-8"?>
+<file path=ppt/slideLayouts/slideLayout19.xml><?xml version="1.0" encoding="utf-8"?>
 <p:sldLayout xmlns:a="http://schemas.openxmlformats.org/drawingml/2006/main" xmlns:r="http://schemas.openxmlformats.org/officeDocument/2006/relationships" xmlns:p="http://schemas.openxmlformats.org/presentationml/2006/main" preserve="1" userDrawn="1">
   <p:cSld name="Two Content Horizontal">
     <p:spTree>
@@ -1907,575 +3954,6 @@
 </p:sldLayout>
 </file>
 
-<file path=ppt/slideLayouts/slideLayout13.xml><?xml version="1.0" encoding="utf-8"?>
-<p:sldLayout xmlns:a="http://schemas.openxmlformats.org/drawingml/2006/main" xmlns:r="http://schemas.openxmlformats.org/officeDocument/2006/relationships" xmlns:p="http://schemas.openxmlformats.org/presentationml/2006/main" preserve="1" userDrawn="1">
-  <p:cSld name="Three Content">
-    <p:spTree>
-      <p:nvGrpSpPr>
-        <p:cNvPr id="1" name=""/>
-        <p:cNvGrpSpPr/>
-        <p:nvPr/>
-      </p:nvGrpSpPr>
-      <p:grpSpPr>
-        <a:xfrm>
-          <a:off x="0" y="0"/>
-          <a:ext cx="0" cy="0"/>
-          <a:chOff x="0" y="0"/>
-          <a:chExt cx="0" cy="0"/>
-        </a:xfrm>
-      </p:grpSpPr>
-      <p:sp>
-        <p:nvSpPr>
-          <p:cNvPr id="7" name="Title 1"/>
-          <p:cNvSpPr>
-            <a:spLocks noGrp="1"/>
-          </p:cNvSpPr>
-          <p:nvPr>
-            <p:ph type="title"/>
-          </p:nvPr>
-        </p:nvSpPr>
-        <p:spPr>
-          <a:xfrm>
-            <a:off x="948776" y="479388"/>
-            <a:ext cx="7707862" cy="650699"/>
-          </a:xfrm>
-          <a:prstGeom prst="rect">
-            <a:avLst/>
-          </a:prstGeom>
-        </p:spPr>
-        <p:txBody>
-          <a:bodyPr/>
-          <a:lstStyle>
-            <a:lvl1pPr algn="l">
-              <a:defRPr sz="2400">
-                <a:solidFill>
-                  <a:schemeClr val="bg2"/>
-                </a:solidFill>
-              </a:defRPr>
-            </a:lvl1pPr>
-          </a:lstStyle>
-          <a:p>
-            <a:r>
-              <a:rPr lang="en-US"/>
-              <a:t>Click to edit Master title style</a:t>
-            </a:r>
-            <a:endParaRPr lang="en-US" dirty="0"/>
-          </a:p>
-        </p:txBody>
-      </p:sp>
-      <p:sp>
-        <p:nvSpPr>
-          <p:cNvPr id="3" name="Content Placeholder 2"/>
-          <p:cNvSpPr>
-            <a:spLocks noGrp="1"/>
-          </p:cNvSpPr>
-          <p:nvPr>
-            <p:ph sz="quarter" idx="10"/>
-          </p:nvPr>
-        </p:nvSpPr>
-        <p:spPr>
-          <a:xfrm>
-            <a:off x="949328" y="1211580"/>
-            <a:ext cx="3787775" cy="5012056"/>
-          </a:xfrm>
-        </p:spPr>
-        <p:txBody>
-          <a:bodyPr/>
-          <a:lstStyle>
-            <a:lvl1pPr>
-              <a:defRPr sz="1600"/>
-            </a:lvl1pPr>
-          </a:lstStyle>
-          <a:p>
-            <a:pPr lvl="0"/>
-            <a:r>
-              <a:rPr lang="en-US"/>
-              <a:t>Click to edit Master text styles</a:t>
-            </a:r>
-          </a:p>
-          <a:p>
-            <a:pPr lvl="1"/>
-            <a:r>
-              <a:rPr lang="en-US"/>
-              <a:t>Second level</a:t>
-            </a:r>
-          </a:p>
-          <a:p>
-            <a:pPr lvl="2"/>
-            <a:r>
-              <a:rPr lang="en-US"/>
-              <a:t>Third level</a:t>
-            </a:r>
-          </a:p>
-          <a:p>
-            <a:pPr lvl="3"/>
-            <a:r>
-              <a:rPr lang="en-US"/>
-              <a:t>Fourth level</a:t>
-            </a:r>
-          </a:p>
-          <a:p>
-            <a:pPr lvl="4"/>
-            <a:r>
-              <a:rPr lang="en-US"/>
-              <a:t>Fifth level</a:t>
-            </a:r>
-            <a:endParaRPr lang="en-US" dirty="0"/>
-          </a:p>
-        </p:txBody>
-      </p:sp>
-      <p:sp>
-        <p:nvSpPr>
-          <p:cNvPr id="5" name="Content Placeholder 4"/>
-          <p:cNvSpPr>
-            <a:spLocks noGrp="1"/>
-          </p:cNvSpPr>
-          <p:nvPr>
-            <p:ph sz="quarter" idx="11"/>
-          </p:nvPr>
-        </p:nvSpPr>
-        <p:spPr>
-          <a:xfrm>
-            <a:off x="4876800" y="1211582"/>
-            <a:ext cx="3779838" cy="2430780"/>
-          </a:xfrm>
-        </p:spPr>
-        <p:txBody>
-          <a:bodyPr/>
-          <a:lstStyle>
-            <a:lvl1pPr>
-              <a:defRPr sz="1600"/>
-            </a:lvl1pPr>
-          </a:lstStyle>
-          <a:p>
-            <a:pPr lvl="0"/>
-            <a:r>
-              <a:rPr lang="en-US"/>
-              <a:t>Click to edit Master text styles</a:t>
-            </a:r>
-          </a:p>
-          <a:p>
-            <a:pPr lvl="1"/>
-            <a:r>
-              <a:rPr lang="en-US"/>
-              <a:t>Second level</a:t>
-            </a:r>
-          </a:p>
-          <a:p>
-            <a:pPr lvl="2"/>
-            <a:r>
-              <a:rPr lang="en-US"/>
-              <a:t>Third level</a:t>
-            </a:r>
-          </a:p>
-          <a:p>
-            <a:pPr lvl="3"/>
-            <a:r>
-              <a:rPr lang="en-US"/>
-              <a:t>Fourth level</a:t>
-            </a:r>
-          </a:p>
-          <a:p>
-            <a:pPr lvl="4"/>
-            <a:r>
-              <a:rPr lang="en-US"/>
-              <a:t>Fifth level</a:t>
-            </a:r>
-            <a:endParaRPr lang="en-US" dirty="0"/>
-          </a:p>
-        </p:txBody>
-      </p:sp>
-      <p:sp>
-        <p:nvSpPr>
-          <p:cNvPr id="9" name="Content Placeholder 8"/>
-          <p:cNvSpPr>
-            <a:spLocks noGrp="1"/>
-          </p:cNvSpPr>
-          <p:nvPr>
-            <p:ph sz="quarter" idx="12"/>
-          </p:nvPr>
-        </p:nvSpPr>
-        <p:spPr>
-          <a:xfrm>
-            <a:off x="4876800" y="3783329"/>
-            <a:ext cx="3779838" cy="2440307"/>
-          </a:xfrm>
-        </p:spPr>
-        <p:txBody>
-          <a:bodyPr/>
-          <a:lstStyle>
-            <a:lvl1pPr>
-              <a:defRPr sz="1600"/>
-            </a:lvl1pPr>
-          </a:lstStyle>
-          <a:p>
-            <a:pPr lvl="0"/>
-            <a:r>
-              <a:rPr lang="en-US"/>
-              <a:t>Click to edit Master text styles</a:t>
-            </a:r>
-          </a:p>
-          <a:p>
-            <a:pPr lvl="1"/>
-            <a:r>
-              <a:rPr lang="en-US"/>
-              <a:t>Second level</a:t>
-            </a:r>
-          </a:p>
-          <a:p>
-            <a:pPr lvl="2"/>
-            <a:r>
-              <a:rPr lang="en-US"/>
-              <a:t>Third level</a:t>
-            </a:r>
-          </a:p>
-          <a:p>
-            <a:pPr lvl="3"/>
-            <a:r>
-              <a:rPr lang="en-US"/>
-              <a:t>Fourth level</a:t>
-            </a:r>
-          </a:p>
-          <a:p>
-            <a:pPr lvl="4"/>
-            <a:r>
-              <a:rPr lang="en-US"/>
-              <a:t>Fifth level</a:t>
-            </a:r>
-            <a:endParaRPr lang="en-US" dirty="0"/>
-          </a:p>
-        </p:txBody>
-      </p:sp>
-    </p:spTree>
-    <p:extLst>
-      <p:ext uri="{BB962C8B-B14F-4D97-AF65-F5344CB8AC3E}">
-        <p14:creationId xmlns:p14="http://schemas.microsoft.com/office/powerpoint/2010/main" val="3902987159"/>
-      </p:ext>
-    </p:extLst>
-  </p:cSld>
-  <p:clrMapOvr>
-    <a:masterClrMapping/>
-  </p:clrMapOvr>
-  <p:transition spd="slow">
-    <p:fade/>
-  </p:transition>
-</p:sldLayout>
-</file>
-
-<file path=ppt/slideLayouts/slideLayout14.xml><?xml version="1.0" encoding="utf-8"?>
-<p:sldLayout xmlns:a="http://schemas.openxmlformats.org/drawingml/2006/main" xmlns:r="http://schemas.openxmlformats.org/officeDocument/2006/relationships" xmlns:p="http://schemas.openxmlformats.org/presentationml/2006/main" preserve="1" userDrawn="1">
-  <p:cSld name="Four Content">
-    <p:spTree>
-      <p:nvGrpSpPr>
-        <p:cNvPr id="1" name=""/>
-        <p:cNvGrpSpPr/>
-        <p:nvPr/>
-      </p:nvGrpSpPr>
-      <p:grpSpPr>
-        <a:xfrm>
-          <a:off x="0" y="0"/>
-          <a:ext cx="0" cy="0"/>
-          <a:chOff x="0" y="0"/>
-          <a:chExt cx="0" cy="0"/>
-        </a:xfrm>
-      </p:grpSpPr>
-      <p:sp>
-        <p:nvSpPr>
-          <p:cNvPr id="7" name="Title 1"/>
-          <p:cNvSpPr>
-            <a:spLocks noGrp="1"/>
-          </p:cNvSpPr>
-          <p:nvPr>
-            <p:ph type="title"/>
-          </p:nvPr>
-        </p:nvSpPr>
-        <p:spPr>
-          <a:xfrm>
-            <a:off x="948776" y="479388"/>
-            <a:ext cx="7707862" cy="650699"/>
-          </a:xfrm>
-          <a:prstGeom prst="rect">
-            <a:avLst/>
-          </a:prstGeom>
-        </p:spPr>
-        <p:txBody>
-          <a:bodyPr/>
-          <a:lstStyle>
-            <a:lvl1pPr algn="l">
-              <a:defRPr sz="2400">
-                <a:solidFill>
-                  <a:schemeClr val="bg2"/>
-                </a:solidFill>
-              </a:defRPr>
-            </a:lvl1pPr>
-          </a:lstStyle>
-          <a:p>
-            <a:r>
-              <a:rPr lang="en-US" dirty="0"/>
-              <a:t>Click to edit Master title style</a:t>
-            </a:r>
-          </a:p>
-        </p:txBody>
-      </p:sp>
-      <p:sp>
-        <p:nvSpPr>
-          <p:cNvPr id="4" name="Content Placeholder 3"/>
-          <p:cNvSpPr>
-            <a:spLocks noGrp="1"/>
-          </p:cNvSpPr>
-          <p:nvPr>
-            <p:ph sz="quarter" idx="10"/>
-          </p:nvPr>
-        </p:nvSpPr>
-        <p:spPr>
-          <a:xfrm>
-            <a:off x="949328" y="1211582"/>
-            <a:ext cx="3787775" cy="2430780"/>
-          </a:xfrm>
-        </p:spPr>
-        <p:txBody>
-          <a:bodyPr/>
-          <a:lstStyle>
-            <a:lvl1pPr>
-              <a:defRPr sz="1600"/>
-            </a:lvl1pPr>
-          </a:lstStyle>
-          <a:p>
-            <a:pPr lvl="0"/>
-            <a:r>
-              <a:rPr lang="en-US" dirty="0"/>
-              <a:t>Click to edit Master text styles</a:t>
-            </a:r>
-          </a:p>
-          <a:p>
-            <a:pPr lvl="1"/>
-            <a:r>
-              <a:rPr lang="en-US" dirty="0"/>
-              <a:t>Second level</a:t>
-            </a:r>
-          </a:p>
-          <a:p>
-            <a:pPr lvl="2"/>
-            <a:r>
-              <a:rPr lang="en-US" dirty="0"/>
-              <a:t>Third level</a:t>
-            </a:r>
-          </a:p>
-          <a:p>
-            <a:pPr lvl="3"/>
-            <a:r>
-              <a:rPr lang="en-US" dirty="0"/>
-              <a:t>Fourth level</a:t>
-            </a:r>
-          </a:p>
-          <a:p>
-            <a:pPr lvl="4"/>
-            <a:r>
-              <a:rPr lang="en-US" dirty="0"/>
-              <a:t>Fifth level</a:t>
-            </a:r>
-          </a:p>
-        </p:txBody>
-      </p:sp>
-      <p:sp>
-        <p:nvSpPr>
-          <p:cNvPr id="11" name="Content Placeholder 10"/>
-          <p:cNvSpPr>
-            <a:spLocks noGrp="1"/>
-          </p:cNvSpPr>
-          <p:nvPr>
-            <p:ph sz="quarter" idx="11"/>
-          </p:nvPr>
-        </p:nvSpPr>
-        <p:spPr>
-          <a:xfrm>
-            <a:off x="955678" y="3787484"/>
-            <a:ext cx="3781425" cy="2436152"/>
-          </a:xfrm>
-        </p:spPr>
-        <p:txBody>
-          <a:bodyPr/>
-          <a:lstStyle>
-            <a:lvl1pPr>
-              <a:defRPr sz="1600"/>
-            </a:lvl1pPr>
-          </a:lstStyle>
-          <a:p>
-            <a:pPr lvl="0"/>
-            <a:r>
-              <a:rPr lang="en-US"/>
-              <a:t>Click to edit Master text styles</a:t>
-            </a:r>
-          </a:p>
-          <a:p>
-            <a:pPr lvl="1"/>
-            <a:r>
-              <a:rPr lang="en-US"/>
-              <a:t>Second level</a:t>
-            </a:r>
-          </a:p>
-          <a:p>
-            <a:pPr lvl="2"/>
-            <a:r>
-              <a:rPr lang="en-US"/>
-              <a:t>Third level</a:t>
-            </a:r>
-          </a:p>
-          <a:p>
-            <a:pPr lvl="3"/>
-            <a:r>
-              <a:rPr lang="en-US"/>
-              <a:t>Fourth level</a:t>
-            </a:r>
-          </a:p>
-          <a:p>
-            <a:pPr lvl="4"/>
-            <a:r>
-              <a:rPr lang="en-US"/>
-              <a:t>Fifth level</a:t>
-            </a:r>
-            <a:endParaRPr lang="en-US" dirty="0"/>
-          </a:p>
-        </p:txBody>
-      </p:sp>
-      <p:sp>
-        <p:nvSpPr>
-          <p:cNvPr id="13" name="Content Placeholder 12"/>
-          <p:cNvSpPr>
-            <a:spLocks noGrp="1"/>
-          </p:cNvSpPr>
-          <p:nvPr>
-            <p:ph sz="quarter" idx="12"/>
-          </p:nvPr>
-        </p:nvSpPr>
-        <p:spPr>
-          <a:xfrm>
-            <a:off x="4876800" y="1211582"/>
-            <a:ext cx="3779838" cy="2430780"/>
-          </a:xfrm>
-        </p:spPr>
-        <p:txBody>
-          <a:bodyPr/>
-          <a:lstStyle>
-            <a:lvl1pPr>
-              <a:defRPr sz="1600"/>
-            </a:lvl1pPr>
-          </a:lstStyle>
-          <a:p>
-            <a:pPr lvl="0"/>
-            <a:r>
-              <a:rPr lang="en-US"/>
-              <a:t>Click to edit Master text styles</a:t>
-            </a:r>
-          </a:p>
-          <a:p>
-            <a:pPr lvl="1"/>
-            <a:r>
-              <a:rPr lang="en-US"/>
-              <a:t>Second level</a:t>
-            </a:r>
-          </a:p>
-          <a:p>
-            <a:pPr lvl="2"/>
-            <a:r>
-              <a:rPr lang="en-US"/>
-              <a:t>Third level</a:t>
-            </a:r>
-          </a:p>
-          <a:p>
-            <a:pPr lvl="3"/>
-            <a:r>
-              <a:rPr lang="en-US"/>
-              <a:t>Fourth level</a:t>
-            </a:r>
-          </a:p>
-          <a:p>
-            <a:pPr lvl="4"/>
-            <a:r>
-              <a:rPr lang="en-US"/>
-              <a:t>Fifth level</a:t>
-            </a:r>
-            <a:endParaRPr lang="en-US" dirty="0"/>
-          </a:p>
-        </p:txBody>
-      </p:sp>
-      <p:sp>
-        <p:nvSpPr>
-          <p:cNvPr id="15" name="Content Placeholder 14"/>
-          <p:cNvSpPr>
-            <a:spLocks noGrp="1"/>
-          </p:cNvSpPr>
-          <p:nvPr>
-            <p:ph sz="quarter" idx="13"/>
-          </p:nvPr>
-        </p:nvSpPr>
-        <p:spPr>
-          <a:xfrm>
-            <a:off x="4876800" y="3787484"/>
-            <a:ext cx="3779838" cy="2436152"/>
-          </a:xfrm>
-        </p:spPr>
-        <p:txBody>
-          <a:bodyPr/>
-          <a:lstStyle>
-            <a:lvl1pPr>
-              <a:defRPr sz="1600"/>
-            </a:lvl1pPr>
-          </a:lstStyle>
-          <a:p>
-            <a:pPr lvl="0"/>
-            <a:r>
-              <a:rPr lang="en-US"/>
-              <a:t>Click to edit Master text styles</a:t>
-            </a:r>
-          </a:p>
-          <a:p>
-            <a:pPr lvl="1"/>
-            <a:r>
-              <a:rPr lang="en-US"/>
-              <a:t>Second level</a:t>
-            </a:r>
-          </a:p>
-          <a:p>
-            <a:pPr lvl="2"/>
-            <a:r>
-              <a:rPr lang="en-US"/>
-              <a:t>Third level</a:t>
-            </a:r>
-          </a:p>
-          <a:p>
-            <a:pPr lvl="3"/>
-            <a:r>
-              <a:rPr lang="en-US"/>
-              <a:t>Fourth level</a:t>
-            </a:r>
-          </a:p>
-          <a:p>
-            <a:pPr lvl="4"/>
-            <a:r>
-              <a:rPr lang="en-US"/>
-              <a:t>Fifth level</a:t>
-            </a:r>
-            <a:endParaRPr lang="en-US" dirty="0"/>
-          </a:p>
-        </p:txBody>
-      </p:sp>
-    </p:spTree>
-    <p:extLst>
-      <p:ext uri="{BB962C8B-B14F-4D97-AF65-F5344CB8AC3E}">
-        <p14:creationId xmlns:p14="http://schemas.microsoft.com/office/powerpoint/2010/main" val="1648261308"/>
-      </p:ext>
-    </p:extLst>
-  </p:cSld>
-  <p:clrMapOvr>
-    <a:masterClrMapping/>
-  </p:clrMapOvr>
-  <p:transition spd="slow">
-    <p:fade/>
-  </p:transition>
-</p:sldLayout>
-</file>
-
 <file path=ppt/slideLayouts/slideLayout2.xml><?xml version="1.0" encoding="utf-8"?>
 <p:sldLayout xmlns:a="http://schemas.openxmlformats.org/drawingml/2006/main" xmlns:r="http://schemas.openxmlformats.org/officeDocument/2006/relationships" xmlns:p="http://schemas.openxmlformats.org/presentationml/2006/main" showMasterSp="0" preserve="1" userDrawn="1">
   <p:cSld name="Section Header">
@@ -2498,7 +3976,7 @@
           <p:cNvPr id="5" name="Rectangle 4">
             <a:extLst>
               <a:ext uri="{FF2B5EF4-FFF2-40B4-BE49-F238E27FC236}">
-                <a16:creationId xmlns:a16="http://schemas.microsoft.com/office/drawing/2014/main" id="{34D303E7-8E8F-4E1A-BF48-F0E2551E4A00}"/>
+                <a16:creationId xmlns:a16="http://schemas.microsoft.com/office/drawing/2014/main" id="{648BC1D8-F711-429A-959A-7A0BAECB5848}"/>
               </a:ext>
             </a:extLst>
           </p:cNvPr>
@@ -2538,7 +4016,7 @@
           <a:bodyPr anchor="ctr"/>
           <a:lstStyle/>
           <a:p>
-            <a:pPr algn="ctr" eaLnBrk="1" fontAlgn="auto" hangingPunct="1">
+            <a:pPr algn="ctr" fontAlgn="auto">
               <a:spcBef>
                 <a:spcPts val="0"/>
               </a:spcBef>
@@ -2562,7 +4040,7 @@
           <p:cNvPr id="6" name="Picture 14" title="Stanford University">
             <a:extLst>
               <a:ext uri="{FF2B5EF4-FFF2-40B4-BE49-F238E27FC236}">
-                <a16:creationId xmlns:a16="http://schemas.microsoft.com/office/drawing/2014/main" id="{BB812F1F-7BF1-4E8B-B036-4A403B9281B7}"/>
+                <a16:creationId xmlns:a16="http://schemas.microsoft.com/office/drawing/2014/main" id="{41D05E3F-091D-4F8F-9828-6F8E9A064D82}"/>
               </a:ext>
             </a:extLst>
           </p:cNvPr>
@@ -2597,8 +4075,23 @@
             <a:noFill/>
           </a:ln>
           <a:extLst>
-            <a:ext uri="{909E8E84-426E-40dd-AFC4-6F175D3DCCD1}"/>
-            <a:ext uri="{91240B29-F687-4f45-9708-019B960494DF}"/>
+            <a:ext uri="{909E8E84-426E-40dd-AFC4-6F175D3DCCD1}">
+              <a14:hiddenFill xmlns="" xmlns:a14="http://schemas.microsoft.com/office/drawing/2010/main">
+                <a:solidFill>
+                  <a:srgbClr val="FFFFFF"/>
+                </a:solidFill>
+              </a14:hiddenFill>
+            </a:ext>
+            <a:ext uri="{91240B29-F687-4f45-9708-019B960494DF}">
+              <a14:hiddenLine xmlns="" xmlns:a14="http://schemas.microsoft.com/office/drawing/2010/main" w="9525">
+                <a:solidFill>
+                  <a:srgbClr val="000000"/>
+                </a:solidFill>
+                <a:miter lim="800000"/>
+                <a:headEnd/>
+                <a:tailEnd/>
+              </a14:hiddenLine>
+            </a:ext>
           </a:extLst>
         </p:spPr>
       </p:pic>
@@ -2778,7 +4271,576 @@
     </p:spTree>
     <p:extLst>
       <p:ext uri="{BB962C8B-B14F-4D97-AF65-F5344CB8AC3E}">
-        <p14:creationId xmlns:p14="http://schemas.microsoft.com/office/powerpoint/2010/main" val="1788855175"/>
+        <p14:creationId xmlns:p14="http://schemas.microsoft.com/office/powerpoint/2010/main" val="474747342"/>
+      </p:ext>
+    </p:extLst>
+  </p:cSld>
+  <p:clrMapOvr>
+    <a:masterClrMapping/>
+  </p:clrMapOvr>
+  <p:transition spd="slow">
+    <p:fade/>
+  </p:transition>
+</p:sldLayout>
+</file>
+
+<file path=ppt/slideLayouts/slideLayout20.xml><?xml version="1.0" encoding="utf-8"?>
+<p:sldLayout xmlns:a="http://schemas.openxmlformats.org/drawingml/2006/main" xmlns:r="http://schemas.openxmlformats.org/officeDocument/2006/relationships" xmlns:p="http://schemas.openxmlformats.org/presentationml/2006/main" preserve="1" userDrawn="1">
+  <p:cSld name="Three Content">
+    <p:spTree>
+      <p:nvGrpSpPr>
+        <p:cNvPr id="1" name=""/>
+        <p:cNvGrpSpPr/>
+        <p:nvPr/>
+      </p:nvGrpSpPr>
+      <p:grpSpPr>
+        <a:xfrm>
+          <a:off x="0" y="0"/>
+          <a:ext cx="0" cy="0"/>
+          <a:chOff x="0" y="0"/>
+          <a:chExt cx="0" cy="0"/>
+        </a:xfrm>
+      </p:grpSpPr>
+      <p:sp>
+        <p:nvSpPr>
+          <p:cNvPr id="7" name="Title 1"/>
+          <p:cNvSpPr>
+            <a:spLocks noGrp="1"/>
+          </p:cNvSpPr>
+          <p:nvPr>
+            <p:ph type="title"/>
+          </p:nvPr>
+        </p:nvSpPr>
+        <p:spPr>
+          <a:xfrm>
+            <a:off x="948776" y="479388"/>
+            <a:ext cx="7707862" cy="650699"/>
+          </a:xfrm>
+          <a:prstGeom prst="rect">
+            <a:avLst/>
+          </a:prstGeom>
+        </p:spPr>
+        <p:txBody>
+          <a:bodyPr/>
+          <a:lstStyle>
+            <a:lvl1pPr algn="l">
+              <a:defRPr sz="2400">
+                <a:solidFill>
+                  <a:schemeClr val="bg2"/>
+                </a:solidFill>
+              </a:defRPr>
+            </a:lvl1pPr>
+          </a:lstStyle>
+          <a:p>
+            <a:r>
+              <a:rPr lang="en-US"/>
+              <a:t>Click to edit Master title style</a:t>
+            </a:r>
+            <a:endParaRPr lang="en-US" dirty="0"/>
+          </a:p>
+        </p:txBody>
+      </p:sp>
+      <p:sp>
+        <p:nvSpPr>
+          <p:cNvPr id="3" name="Content Placeholder 2"/>
+          <p:cNvSpPr>
+            <a:spLocks noGrp="1"/>
+          </p:cNvSpPr>
+          <p:nvPr>
+            <p:ph sz="quarter" idx="10"/>
+          </p:nvPr>
+        </p:nvSpPr>
+        <p:spPr>
+          <a:xfrm>
+            <a:off x="949328" y="1211580"/>
+            <a:ext cx="3787775" cy="5012056"/>
+          </a:xfrm>
+        </p:spPr>
+        <p:txBody>
+          <a:bodyPr/>
+          <a:lstStyle>
+            <a:lvl1pPr>
+              <a:defRPr sz="1600"/>
+            </a:lvl1pPr>
+          </a:lstStyle>
+          <a:p>
+            <a:pPr lvl="0"/>
+            <a:r>
+              <a:rPr lang="en-US"/>
+              <a:t>Click to edit Master text styles</a:t>
+            </a:r>
+          </a:p>
+          <a:p>
+            <a:pPr lvl="1"/>
+            <a:r>
+              <a:rPr lang="en-US"/>
+              <a:t>Second level</a:t>
+            </a:r>
+          </a:p>
+          <a:p>
+            <a:pPr lvl="2"/>
+            <a:r>
+              <a:rPr lang="en-US"/>
+              <a:t>Third level</a:t>
+            </a:r>
+          </a:p>
+          <a:p>
+            <a:pPr lvl="3"/>
+            <a:r>
+              <a:rPr lang="en-US"/>
+              <a:t>Fourth level</a:t>
+            </a:r>
+          </a:p>
+          <a:p>
+            <a:pPr lvl="4"/>
+            <a:r>
+              <a:rPr lang="en-US"/>
+              <a:t>Fifth level</a:t>
+            </a:r>
+            <a:endParaRPr lang="en-US" dirty="0"/>
+          </a:p>
+        </p:txBody>
+      </p:sp>
+      <p:sp>
+        <p:nvSpPr>
+          <p:cNvPr id="5" name="Content Placeholder 4"/>
+          <p:cNvSpPr>
+            <a:spLocks noGrp="1"/>
+          </p:cNvSpPr>
+          <p:nvPr>
+            <p:ph sz="quarter" idx="11"/>
+          </p:nvPr>
+        </p:nvSpPr>
+        <p:spPr>
+          <a:xfrm>
+            <a:off x="4876800" y="1211582"/>
+            <a:ext cx="3779838" cy="2430780"/>
+          </a:xfrm>
+        </p:spPr>
+        <p:txBody>
+          <a:bodyPr/>
+          <a:lstStyle>
+            <a:lvl1pPr>
+              <a:defRPr sz="1600"/>
+            </a:lvl1pPr>
+          </a:lstStyle>
+          <a:p>
+            <a:pPr lvl="0"/>
+            <a:r>
+              <a:rPr lang="en-US"/>
+              <a:t>Click to edit Master text styles</a:t>
+            </a:r>
+          </a:p>
+          <a:p>
+            <a:pPr lvl="1"/>
+            <a:r>
+              <a:rPr lang="en-US"/>
+              <a:t>Second level</a:t>
+            </a:r>
+          </a:p>
+          <a:p>
+            <a:pPr lvl="2"/>
+            <a:r>
+              <a:rPr lang="en-US"/>
+              <a:t>Third level</a:t>
+            </a:r>
+          </a:p>
+          <a:p>
+            <a:pPr lvl="3"/>
+            <a:r>
+              <a:rPr lang="en-US"/>
+              <a:t>Fourth level</a:t>
+            </a:r>
+          </a:p>
+          <a:p>
+            <a:pPr lvl="4"/>
+            <a:r>
+              <a:rPr lang="en-US"/>
+              <a:t>Fifth level</a:t>
+            </a:r>
+            <a:endParaRPr lang="en-US" dirty="0"/>
+          </a:p>
+        </p:txBody>
+      </p:sp>
+      <p:sp>
+        <p:nvSpPr>
+          <p:cNvPr id="9" name="Content Placeholder 8"/>
+          <p:cNvSpPr>
+            <a:spLocks noGrp="1"/>
+          </p:cNvSpPr>
+          <p:nvPr>
+            <p:ph sz="quarter" idx="12"/>
+          </p:nvPr>
+        </p:nvSpPr>
+        <p:spPr>
+          <a:xfrm>
+            <a:off x="4876800" y="3783329"/>
+            <a:ext cx="3779838" cy="2440307"/>
+          </a:xfrm>
+        </p:spPr>
+        <p:txBody>
+          <a:bodyPr/>
+          <a:lstStyle>
+            <a:lvl1pPr>
+              <a:defRPr sz="1600"/>
+            </a:lvl1pPr>
+          </a:lstStyle>
+          <a:p>
+            <a:pPr lvl="0"/>
+            <a:r>
+              <a:rPr lang="en-US"/>
+              <a:t>Click to edit Master text styles</a:t>
+            </a:r>
+          </a:p>
+          <a:p>
+            <a:pPr lvl="1"/>
+            <a:r>
+              <a:rPr lang="en-US"/>
+              <a:t>Second level</a:t>
+            </a:r>
+          </a:p>
+          <a:p>
+            <a:pPr lvl="2"/>
+            <a:r>
+              <a:rPr lang="en-US"/>
+              <a:t>Third level</a:t>
+            </a:r>
+          </a:p>
+          <a:p>
+            <a:pPr lvl="3"/>
+            <a:r>
+              <a:rPr lang="en-US"/>
+              <a:t>Fourth level</a:t>
+            </a:r>
+          </a:p>
+          <a:p>
+            <a:pPr lvl="4"/>
+            <a:r>
+              <a:rPr lang="en-US"/>
+              <a:t>Fifth level</a:t>
+            </a:r>
+            <a:endParaRPr lang="en-US" dirty="0"/>
+          </a:p>
+        </p:txBody>
+      </p:sp>
+    </p:spTree>
+    <p:extLst>
+      <p:ext uri="{BB962C8B-B14F-4D97-AF65-F5344CB8AC3E}">
+        <p14:creationId xmlns:p14="http://schemas.microsoft.com/office/powerpoint/2010/main" val="3902987159"/>
+      </p:ext>
+    </p:extLst>
+  </p:cSld>
+  <p:clrMapOvr>
+    <a:masterClrMapping/>
+  </p:clrMapOvr>
+  <p:transition spd="slow">
+    <p:fade/>
+  </p:transition>
+</p:sldLayout>
+</file>
+
+<file path=ppt/slideLayouts/slideLayout21.xml><?xml version="1.0" encoding="utf-8"?>
+<p:sldLayout xmlns:a="http://schemas.openxmlformats.org/drawingml/2006/main" xmlns:r="http://schemas.openxmlformats.org/officeDocument/2006/relationships" xmlns:p="http://schemas.openxmlformats.org/presentationml/2006/main" preserve="1" userDrawn="1">
+  <p:cSld name="Four Content">
+    <p:spTree>
+      <p:nvGrpSpPr>
+        <p:cNvPr id="1" name=""/>
+        <p:cNvGrpSpPr/>
+        <p:nvPr/>
+      </p:nvGrpSpPr>
+      <p:grpSpPr>
+        <a:xfrm>
+          <a:off x="0" y="0"/>
+          <a:ext cx="0" cy="0"/>
+          <a:chOff x="0" y="0"/>
+          <a:chExt cx="0" cy="0"/>
+        </a:xfrm>
+      </p:grpSpPr>
+      <p:sp>
+        <p:nvSpPr>
+          <p:cNvPr id="7" name="Title 1"/>
+          <p:cNvSpPr>
+            <a:spLocks noGrp="1"/>
+          </p:cNvSpPr>
+          <p:nvPr>
+            <p:ph type="title"/>
+          </p:nvPr>
+        </p:nvSpPr>
+        <p:spPr>
+          <a:xfrm>
+            <a:off x="948776" y="479388"/>
+            <a:ext cx="7707862" cy="650699"/>
+          </a:xfrm>
+          <a:prstGeom prst="rect">
+            <a:avLst/>
+          </a:prstGeom>
+        </p:spPr>
+        <p:txBody>
+          <a:bodyPr/>
+          <a:lstStyle>
+            <a:lvl1pPr algn="l">
+              <a:defRPr sz="2400">
+                <a:solidFill>
+                  <a:schemeClr val="bg2"/>
+                </a:solidFill>
+              </a:defRPr>
+            </a:lvl1pPr>
+          </a:lstStyle>
+          <a:p>
+            <a:r>
+              <a:rPr lang="en-US" dirty="0"/>
+              <a:t>Click to edit Master title style</a:t>
+            </a:r>
+          </a:p>
+        </p:txBody>
+      </p:sp>
+      <p:sp>
+        <p:nvSpPr>
+          <p:cNvPr id="4" name="Content Placeholder 3"/>
+          <p:cNvSpPr>
+            <a:spLocks noGrp="1"/>
+          </p:cNvSpPr>
+          <p:nvPr>
+            <p:ph sz="quarter" idx="10"/>
+          </p:nvPr>
+        </p:nvSpPr>
+        <p:spPr>
+          <a:xfrm>
+            <a:off x="949328" y="1211582"/>
+            <a:ext cx="3787775" cy="2430780"/>
+          </a:xfrm>
+        </p:spPr>
+        <p:txBody>
+          <a:bodyPr/>
+          <a:lstStyle>
+            <a:lvl1pPr>
+              <a:defRPr sz="1600"/>
+            </a:lvl1pPr>
+          </a:lstStyle>
+          <a:p>
+            <a:pPr lvl="0"/>
+            <a:r>
+              <a:rPr lang="en-US" dirty="0"/>
+              <a:t>Click to edit Master text styles</a:t>
+            </a:r>
+          </a:p>
+          <a:p>
+            <a:pPr lvl="1"/>
+            <a:r>
+              <a:rPr lang="en-US" dirty="0"/>
+              <a:t>Second level</a:t>
+            </a:r>
+          </a:p>
+          <a:p>
+            <a:pPr lvl="2"/>
+            <a:r>
+              <a:rPr lang="en-US" dirty="0"/>
+              <a:t>Third level</a:t>
+            </a:r>
+          </a:p>
+          <a:p>
+            <a:pPr lvl="3"/>
+            <a:r>
+              <a:rPr lang="en-US" dirty="0"/>
+              <a:t>Fourth level</a:t>
+            </a:r>
+          </a:p>
+          <a:p>
+            <a:pPr lvl="4"/>
+            <a:r>
+              <a:rPr lang="en-US" dirty="0"/>
+              <a:t>Fifth level</a:t>
+            </a:r>
+          </a:p>
+        </p:txBody>
+      </p:sp>
+      <p:sp>
+        <p:nvSpPr>
+          <p:cNvPr id="11" name="Content Placeholder 10"/>
+          <p:cNvSpPr>
+            <a:spLocks noGrp="1"/>
+          </p:cNvSpPr>
+          <p:nvPr>
+            <p:ph sz="quarter" idx="11"/>
+          </p:nvPr>
+        </p:nvSpPr>
+        <p:spPr>
+          <a:xfrm>
+            <a:off x="955678" y="3787484"/>
+            <a:ext cx="3781425" cy="2436152"/>
+          </a:xfrm>
+        </p:spPr>
+        <p:txBody>
+          <a:bodyPr/>
+          <a:lstStyle>
+            <a:lvl1pPr>
+              <a:defRPr sz="1600"/>
+            </a:lvl1pPr>
+          </a:lstStyle>
+          <a:p>
+            <a:pPr lvl="0"/>
+            <a:r>
+              <a:rPr lang="en-US"/>
+              <a:t>Click to edit Master text styles</a:t>
+            </a:r>
+          </a:p>
+          <a:p>
+            <a:pPr lvl="1"/>
+            <a:r>
+              <a:rPr lang="en-US"/>
+              <a:t>Second level</a:t>
+            </a:r>
+          </a:p>
+          <a:p>
+            <a:pPr lvl="2"/>
+            <a:r>
+              <a:rPr lang="en-US"/>
+              <a:t>Third level</a:t>
+            </a:r>
+          </a:p>
+          <a:p>
+            <a:pPr lvl="3"/>
+            <a:r>
+              <a:rPr lang="en-US"/>
+              <a:t>Fourth level</a:t>
+            </a:r>
+          </a:p>
+          <a:p>
+            <a:pPr lvl="4"/>
+            <a:r>
+              <a:rPr lang="en-US"/>
+              <a:t>Fifth level</a:t>
+            </a:r>
+            <a:endParaRPr lang="en-US" dirty="0"/>
+          </a:p>
+        </p:txBody>
+      </p:sp>
+      <p:sp>
+        <p:nvSpPr>
+          <p:cNvPr id="13" name="Content Placeholder 12"/>
+          <p:cNvSpPr>
+            <a:spLocks noGrp="1"/>
+          </p:cNvSpPr>
+          <p:nvPr>
+            <p:ph sz="quarter" idx="12"/>
+          </p:nvPr>
+        </p:nvSpPr>
+        <p:spPr>
+          <a:xfrm>
+            <a:off x="4876800" y="1211582"/>
+            <a:ext cx="3779838" cy="2430780"/>
+          </a:xfrm>
+        </p:spPr>
+        <p:txBody>
+          <a:bodyPr/>
+          <a:lstStyle>
+            <a:lvl1pPr>
+              <a:defRPr sz="1600"/>
+            </a:lvl1pPr>
+          </a:lstStyle>
+          <a:p>
+            <a:pPr lvl="0"/>
+            <a:r>
+              <a:rPr lang="en-US"/>
+              <a:t>Click to edit Master text styles</a:t>
+            </a:r>
+          </a:p>
+          <a:p>
+            <a:pPr lvl="1"/>
+            <a:r>
+              <a:rPr lang="en-US"/>
+              <a:t>Second level</a:t>
+            </a:r>
+          </a:p>
+          <a:p>
+            <a:pPr lvl="2"/>
+            <a:r>
+              <a:rPr lang="en-US"/>
+              <a:t>Third level</a:t>
+            </a:r>
+          </a:p>
+          <a:p>
+            <a:pPr lvl="3"/>
+            <a:r>
+              <a:rPr lang="en-US"/>
+              <a:t>Fourth level</a:t>
+            </a:r>
+          </a:p>
+          <a:p>
+            <a:pPr lvl="4"/>
+            <a:r>
+              <a:rPr lang="en-US"/>
+              <a:t>Fifth level</a:t>
+            </a:r>
+            <a:endParaRPr lang="en-US" dirty="0"/>
+          </a:p>
+        </p:txBody>
+      </p:sp>
+      <p:sp>
+        <p:nvSpPr>
+          <p:cNvPr id="15" name="Content Placeholder 14"/>
+          <p:cNvSpPr>
+            <a:spLocks noGrp="1"/>
+          </p:cNvSpPr>
+          <p:nvPr>
+            <p:ph sz="quarter" idx="13"/>
+          </p:nvPr>
+        </p:nvSpPr>
+        <p:spPr>
+          <a:xfrm>
+            <a:off x="4876800" y="3787484"/>
+            <a:ext cx="3779838" cy="2436152"/>
+          </a:xfrm>
+        </p:spPr>
+        <p:txBody>
+          <a:bodyPr/>
+          <a:lstStyle>
+            <a:lvl1pPr>
+              <a:defRPr sz="1600"/>
+            </a:lvl1pPr>
+          </a:lstStyle>
+          <a:p>
+            <a:pPr lvl="0"/>
+            <a:r>
+              <a:rPr lang="en-US"/>
+              <a:t>Click to edit Master text styles</a:t>
+            </a:r>
+          </a:p>
+          <a:p>
+            <a:pPr lvl="1"/>
+            <a:r>
+              <a:rPr lang="en-US"/>
+              <a:t>Second level</a:t>
+            </a:r>
+          </a:p>
+          <a:p>
+            <a:pPr lvl="2"/>
+            <a:r>
+              <a:rPr lang="en-US"/>
+              <a:t>Third level</a:t>
+            </a:r>
+          </a:p>
+          <a:p>
+            <a:pPr lvl="3"/>
+            <a:r>
+              <a:rPr lang="en-US"/>
+              <a:t>Fourth level</a:t>
+            </a:r>
+          </a:p>
+          <a:p>
+            <a:pPr lvl="4"/>
+            <a:r>
+              <a:rPr lang="en-US"/>
+              <a:t>Fifth level</a:t>
+            </a:r>
+            <a:endParaRPr lang="en-US" dirty="0"/>
+          </a:p>
+        </p:txBody>
+      </p:sp>
+    </p:spTree>
+    <p:extLst>
+      <p:ext uri="{BB962C8B-B14F-4D97-AF65-F5344CB8AC3E}">
+        <p14:creationId xmlns:p14="http://schemas.microsoft.com/office/powerpoint/2010/main" val="1648261308"/>
       </p:ext>
     </p:extLst>
   </p:cSld>
@@ -2840,9 +4902,10 @@
           </a:lstStyle>
           <a:p>
             <a:r>
-              <a:rPr lang="en-US" dirty="0"/>
+              <a:rPr lang="en-US"/>
               <a:t>Click to edit Master title style</a:t>
             </a:r>
+            <a:endParaRPr lang="en-US" dirty="0"/>
           </a:p>
         </p:txBody>
       </p:sp>
@@ -2864,20 +4927,7 @@
         </p:spPr>
         <p:txBody>
           <a:bodyPr/>
-          <a:lstStyle>
-            <a:lvl2pPr>
-              <a:defRPr sz="1600"/>
-            </a:lvl2pPr>
-            <a:lvl3pPr>
-              <a:defRPr sz="1600"/>
-            </a:lvl3pPr>
-            <a:lvl4pPr>
-              <a:defRPr sz="1600"/>
-            </a:lvl4pPr>
-            <a:lvl5pPr>
-              <a:defRPr sz="1600"/>
-            </a:lvl5pPr>
-          </a:lstStyle>
+          <a:lstStyle/>
           <a:p>
             <a:pPr lvl="0"/>
             <a:r>
@@ -2918,7 +4968,7 @@
     </p:spTree>
     <p:extLst>
       <p:ext uri="{BB962C8B-B14F-4D97-AF65-F5344CB8AC3E}">
-        <p14:creationId xmlns:p14="http://schemas.microsoft.com/office/powerpoint/2010/main" val="1482956797"/>
+        <p14:creationId xmlns:p14="http://schemas.microsoft.com/office/powerpoint/2010/main" val="3296874934"/>
       </p:ext>
     </p:extLst>
   </p:cSld>
@@ -2953,7 +5003,7 @@
           <p:cNvPr id="5" name="Slide Number Placeholder 22">
             <a:extLst>
               <a:ext uri="{FF2B5EF4-FFF2-40B4-BE49-F238E27FC236}">
-                <a16:creationId xmlns:a16="http://schemas.microsoft.com/office/drawing/2014/main" id="{46454F41-2019-4E89-8BDD-90421DB672F3}"/>
+                <a16:creationId xmlns:a16="http://schemas.microsoft.com/office/drawing/2014/main" id="{6C2055D1-CCF2-47D3-8BF8-22F40ED57CB5}"/>
               </a:ext>
             </a:extLst>
           </p:cNvPr>
@@ -3081,19 +5131,15 @@
             </a:lvl9pPr>
           </a:lstStyle>
           <a:p>
-            <a:pPr algn="ctr" eaLnBrk="1" hangingPunct="1">
-              <a:defRPr/>
-            </a:pPr>
-            <a:fld id="{0EA0789B-3459-47DC-9418-885B58FCE8EB}" type="slidenum">
-              <a:rPr lang="en-US" altLang="en-US" sz="1000" smtClean="0">
+            <a:pPr algn="ctr" eaLnBrk="1" hangingPunct="1"/>
+            <a:fld id="{E238C928-D5AF-4AEC-A896-1B5213D7AC01}" type="slidenum">
+              <a:rPr lang="en-US" altLang="en-US" sz="1000">
                 <a:solidFill>
                   <a:srgbClr val="7F7F7F"/>
                 </a:solidFill>
                 <a:latin typeface="Arial" panose="020B0604020202020204" pitchFamily="34" charset="0"/>
               </a:rPr>
-              <a:pPr algn="ctr" eaLnBrk="1" hangingPunct="1">
-                <a:defRPr/>
-              </a:pPr>
+              <a:pPr algn="ctr" eaLnBrk="1" hangingPunct="1"/>
               <a:t>‹#›</a:t>
             </a:fld>
             <a:endParaRPr lang="en-US" altLang="en-US" sz="1000">
@@ -3162,52 +5208,39 @@
         </p:spPr>
         <p:txBody>
           <a:bodyPr/>
-          <a:lstStyle>
-            <a:lvl2pPr>
-              <a:defRPr sz="1600"/>
-            </a:lvl2pPr>
-            <a:lvl3pPr>
-              <a:defRPr sz="1600"/>
-            </a:lvl3pPr>
-            <a:lvl4pPr>
-              <a:defRPr sz="1600"/>
-            </a:lvl4pPr>
-            <a:lvl5pPr>
-              <a:defRPr sz="1600"/>
-            </a:lvl5pPr>
-          </a:lstStyle>
+          <a:lstStyle/>
           <a:p>
             <a:pPr lvl="0"/>
             <a:r>
-              <a:rPr lang="en-US" dirty="0"/>
+              <a:rPr lang="en-US"/>
               <a:t>Click to edit Master text styles</a:t>
             </a:r>
           </a:p>
           <a:p>
             <a:pPr lvl="1"/>
             <a:r>
-              <a:rPr lang="en-US" dirty="0"/>
+              <a:rPr lang="en-US"/>
               <a:t>Second level</a:t>
             </a:r>
           </a:p>
           <a:p>
             <a:pPr lvl="2"/>
             <a:r>
-              <a:rPr lang="en-US" dirty="0"/>
+              <a:rPr lang="en-US"/>
               <a:t>Third level</a:t>
             </a:r>
           </a:p>
           <a:p>
             <a:pPr lvl="3"/>
             <a:r>
-              <a:rPr lang="en-US" dirty="0"/>
+              <a:rPr lang="en-US"/>
               <a:t>Fourth level</a:t>
             </a:r>
           </a:p>
           <a:p>
             <a:pPr lvl="4"/>
             <a:r>
-              <a:rPr lang="en-US" dirty="0"/>
+              <a:rPr lang="en-US"/>
               <a:t>Fifth level</a:t>
             </a:r>
           </a:p>
@@ -3231,52 +5264,39 @@
         </p:spPr>
         <p:txBody>
           <a:bodyPr/>
-          <a:lstStyle>
-            <a:lvl2pPr>
-              <a:defRPr sz="1600"/>
-            </a:lvl2pPr>
-            <a:lvl3pPr>
-              <a:defRPr sz="1600"/>
-            </a:lvl3pPr>
-            <a:lvl4pPr>
-              <a:defRPr sz="1600"/>
-            </a:lvl4pPr>
-            <a:lvl5pPr>
-              <a:defRPr sz="1600"/>
-            </a:lvl5pPr>
-          </a:lstStyle>
+          <a:lstStyle/>
           <a:p>
             <a:pPr lvl="0"/>
             <a:r>
-              <a:rPr lang="en-US" dirty="0"/>
+              <a:rPr lang="en-US"/>
               <a:t>Click to edit Master text styles</a:t>
             </a:r>
           </a:p>
           <a:p>
             <a:pPr lvl="1"/>
             <a:r>
-              <a:rPr lang="en-US" dirty="0"/>
+              <a:rPr lang="en-US"/>
               <a:t>Second level</a:t>
             </a:r>
           </a:p>
           <a:p>
             <a:pPr lvl="2"/>
             <a:r>
-              <a:rPr lang="en-US" dirty="0"/>
+              <a:rPr lang="en-US"/>
               <a:t>Third level</a:t>
             </a:r>
           </a:p>
           <a:p>
             <a:pPr lvl="3"/>
             <a:r>
-              <a:rPr lang="en-US" dirty="0"/>
+              <a:rPr lang="en-US"/>
               <a:t>Fourth level</a:t>
             </a:r>
           </a:p>
           <a:p>
             <a:pPr lvl="4"/>
             <a:r>
-              <a:rPr lang="en-US" dirty="0"/>
+              <a:rPr lang="en-US"/>
               <a:t>Fifth level</a:t>
             </a:r>
           </a:p>
@@ -3285,7 +5305,7 @@
     </p:spTree>
     <p:extLst>
       <p:ext uri="{BB962C8B-B14F-4D97-AF65-F5344CB8AC3E}">
-        <p14:creationId xmlns:p14="http://schemas.microsoft.com/office/powerpoint/2010/main" val="2562698665"/>
+        <p14:creationId xmlns:p14="http://schemas.microsoft.com/office/powerpoint/2010/main" val="4279025128"/>
       </p:ext>
     </p:extLst>
   </p:cSld>
@@ -3372,54 +5392,42 @@
         </p:spPr>
         <p:txBody>
           <a:bodyPr/>
-          <a:lstStyle>
-            <a:lvl2pPr>
-              <a:defRPr sz="1600"/>
-            </a:lvl2pPr>
-            <a:lvl3pPr>
-              <a:defRPr sz="1600"/>
-            </a:lvl3pPr>
-            <a:lvl4pPr>
-              <a:defRPr sz="1600"/>
-            </a:lvl4pPr>
-            <a:lvl5pPr>
-              <a:defRPr sz="1600"/>
-            </a:lvl5pPr>
-          </a:lstStyle>
+          <a:lstStyle/>
           <a:p>
             <a:pPr lvl="0"/>
             <a:r>
-              <a:rPr lang="en-US" dirty="0"/>
+              <a:rPr lang="en-US"/>
               <a:t>Click to edit Master text styles</a:t>
             </a:r>
           </a:p>
           <a:p>
             <a:pPr lvl="1"/>
             <a:r>
-              <a:rPr lang="en-US" dirty="0"/>
+              <a:rPr lang="en-US"/>
               <a:t>Second level</a:t>
             </a:r>
           </a:p>
           <a:p>
             <a:pPr lvl="2"/>
             <a:r>
-              <a:rPr lang="en-US" dirty="0"/>
+              <a:rPr lang="en-US"/>
               <a:t>Third level</a:t>
             </a:r>
           </a:p>
           <a:p>
             <a:pPr lvl="3"/>
             <a:r>
-              <a:rPr lang="en-US" dirty="0"/>
+              <a:rPr lang="en-US"/>
               <a:t>Fourth level</a:t>
             </a:r>
           </a:p>
           <a:p>
             <a:pPr lvl="4"/>
             <a:r>
-              <a:rPr lang="en-US" dirty="0"/>
+              <a:rPr lang="en-US"/>
               <a:t>Fifth level</a:t>
             </a:r>
+            <a:endParaRPr lang="en-US" dirty="0"/>
           </a:p>
         </p:txBody>
       </p:sp>
@@ -3441,52 +5449,39 @@
         </p:spPr>
         <p:txBody>
           <a:bodyPr/>
-          <a:lstStyle>
-            <a:lvl2pPr>
-              <a:defRPr sz="1600"/>
-            </a:lvl2pPr>
-            <a:lvl3pPr>
-              <a:defRPr sz="1600"/>
-            </a:lvl3pPr>
-            <a:lvl4pPr>
-              <a:defRPr sz="1600"/>
-            </a:lvl4pPr>
-            <a:lvl5pPr>
-              <a:defRPr sz="1600"/>
-            </a:lvl5pPr>
-          </a:lstStyle>
+          <a:lstStyle/>
           <a:p>
             <a:pPr lvl="0"/>
             <a:r>
-              <a:rPr lang="en-US" dirty="0"/>
+              <a:rPr lang="en-US"/>
               <a:t>Click to edit Master text styles</a:t>
             </a:r>
           </a:p>
           <a:p>
             <a:pPr lvl="1"/>
             <a:r>
-              <a:rPr lang="en-US" dirty="0"/>
+              <a:rPr lang="en-US"/>
               <a:t>Second level</a:t>
             </a:r>
           </a:p>
           <a:p>
             <a:pPr lvl="2"/>
             <a:r>
-              <a:rPr lang="en-US" dirty="0"/>
+              <a:rPr lang="en-US"/>
               <a:t>Third level</a:t>
             </a:r>
           </a:p>
           <a:p>
             <a:pPr lvl="3"/>
             <a:r>
-              <a:rPr lang="en-US" dirty="0"/>
+              <a:rPr lang="en-US"/>
               <a:t>Fourth level</a:t>
             </a:r>
           </a:p>
           <a:p>
             <a:pPr lvl="4"/>
             <a:r>
-              <a:rPr lang="en-US" dirty="0"/>
+              <a:rPr lang="en-US"/>
               <a:t>Fifth level</a:t>
             </a:r>
           </a:p>
@@ -3495,7 +5490,7 @@
     </p:spTree>
     <p:extLst>
       <p:ext uri="{BB962C8B-B14F-4D97-AF65-F5344CB8AC3E}">
-        <p14:creationId xmlns:p14="http://schemas.microsoft.com/office/powerpoint/2010/main" val="714909328"/>
+        <p14:creationId xmlns:p14="http://schemas.microsoft.com/office/powerpoint/2010/main" val="1770199579"/>
       </p:ext>
     </p:extLst>
   </p:cSld>
@@ -3582,52 +5577,39 @@
         </p:spPr>
         <p:txBody>
           <a:bodyPr/>
-          <a:lstStyle>
-            <a:lvl2pPr>
-              <a:defRPr sz="1600"/>
-            </a:lvl2pPr>
-            <a:lvl3pPr>
-              <a:defRPr sz="1600"/>
-            </a:lvl3pPr>
-            <a:lvl4pPr>
-              <a:defRPr sz="1600"/>
-            </a:lvl4pPr>
-            <a:lvl5pPr>
-              <a:defRPr sz="1600"/>
-            </a:lvl5pPr>
-          </a:lstStyle>
+          <a:lstStyle/>
           <a:p>
             <a:pPr lvl="0"/>
             <a:r>
-              <a:rPr lang="en-US" dirty="0"/>
+              <a:rPr lang="en-US"/>
               <a:t>Click to edit Master text styles</a:t>
             </a:r>
           </a:p>
           <a:p>
             <a:pPr lvl="1"/>
             <a:r>
-              <a:rPr lang="en-US" dirty="0"/>
+              <a:rPr lang="en-US"/>
               <a:t>Second level</a:t>
             </a:r>
           </a:p>
           <a:p>
             <a:pPr lvl="2"/>
             <a:r>
-              <a:rPr lang="en-US" dirty="0"/>
+              <a:rPr lang="en-US"/>
               <a:t>Third level</a:t>
             </a:r>
           </a:p>
           <a:p>
             <a:pPr lvl="3"/>
             <a:r>
-              <a:rPr lang="en-US" dirty="0"/>
+              <a:rPr lang="en-US"/>
               <a:t>Fourth level</a:t>
             </a:r>
           </a:p>
           <a:p>
             <a:pPr lvl="4"/>
             <a:r>
-              <a:rPr lang="en-US" dirty="0"/>
+              <a:rPr lang="en-US"/>
               <a:t>Fifth level</a:t>
             </a:r>
           </a:p>
@@ -3651,52 +5633,39 @@
         </p:spPr>
         <p:txBody>
           <a:bodyPr/>
-          <a:lstStyle>
-            <a:lvl2pPr>
-              <a:defRPr sz="1600"/>
-            </a:lvl2pPr>
-            <a:lvl3pPr>
-              <a:defRPr sz="1600"/>
-            </a:lvl3pPr>
-            <a:lvl4pPr>
-              <a:defRPr sz="1600"/>
-            </a:lvl4pPr>
-            <a:lvl5pPr>
-              <a:defRPr sz="1600"/>
-            </a:lvl5pPr>
-          </a:lstStyle>
+          <a:lstStyle/>
           <a:p>
             <a:pPr lvl="0"/>
             <a:r>
-              <a:rPr lang="en-US" dirty="0"/>
+              <a:rPr lang="en-US"/>
               <a:t>Click to edit Master text styles</a:t>
             </a:r>
           </a:p>
           <a:p>
             <a:pPr lvl="1"/>
             <a:r>
-              <a:rPr lang="en-US" dirty="0"/>
+              <a:rPr lang="en-US"/>
               <a:t>Second level</a:t>
             </a:r>
           </a:p>
           <a:p>
             <a:pPr lvl="2"/>
             <a:r>
-              <a:rPr lang="en-US" dirty="0"/>
+              <a:rPr lang="en-US"/>
               <a:t>Third level</a:t>
             </a:r>
           </a:p>
           <a:p>
             <a:pPr lvl="3"/>
             <a:r>
-              <a:rPr lang="en-US" dirty="0"/>
+              <a:rPr lang="en-US"/>
               <a:t>Fourth level</a:t>
             </a:r>
           </a:p>
           <a:p>
             <a:pPr lvl="4"/>
             <a:r>
-              <a:rPr lang="en-US" dirty="0"/>
+              <a:rPr lang="en-US"/>
               <a:t>Fifth level</a:t>
             </a:r>
           </a:p>
@@ -3720,52 +5689,39 @@
         </p:spPr>
         <p:txBody>
           <a:bodyPr/>
-          <a:lstStyle>
-            <a:lvl2pPr>
-              <a:defRPr sz="1600"/>
-            </a:lvl2pPr>
-            <a:lvl3pPr>
-              <a:defRPr sz="1600"/>
-            </a:lvl3pPr>
-            <a:lvl4pPr>
-              <a:defRPr sz="1600"/>
-            </a:lvl4pPr>
-            <a:lvl5pPr>
-              <a:defRPr sz="1600"/>
-            </a:lvl5pPr>
-          </a:lstStyle>
+          <a:lstStyle/>
           <a:p>
             <a:pPr lvl="0"/>
             <a:r>
-              <a:rPr lang="en-US" dirty="0"/>
+              <a:rPr lang="en-US"/>
               <a:t>Click to edit Master text styles</a:t>
             </a:r>
           </a:p>
           <a:p>
             <a:pPr lvl="1"/>
             <a:r>
-              <a:rPr lang="en-US" dirty="0"/>
+              <a:rPr lang="en-US"/>
               <a:t>Second level</a:t>
             </a:r>
           </a:p>
           <a:p>
             <a:pPr lvl="2"/>
             <a:r>
-              <a:rPr lang="en-US" dirty="0"/>
+              <a:rPr lang="en-US"/>
               <a:t>Third level</a:t>
             </a:r>
           </a:p>
           <a:p>
             <a:pPr lvl="3"/>
             <a:r>
-              <a:rPr lang="en-US" dirty="0"/>
+              <a:rPr lang="en-US"/>
               <a:t>Fourth level</a:t>
             </a:r>
           </a:p>
           <a:p>
             <a:pPr lvl="4"/>
             <a:r>
-              <a:rPr lang="en-US" dirty="0"/>
+              <a:rPr lang="en-US"/>
               <a:t>Fifth level</a:t>
             </a:r>
           </a:p>
@@ -3774,7 +5730,7 @@
     </p:spTree>
     <p:extLst>
       <p:ext uri="{BB962C8B-B14F-4D97-AF65-F5344CB8AC3E}">
-        <p14:creationId xmlns:p14="http://schemas.microsoft.com/office/powerpoint/2010/main" val="1887748233"/>
+        <p14:creationId xmlns:p14="http://schemas.microsoft.com/office/powerpoint/2010/main" val="2213373014"/>
       </p:ext>
     </p:extLst>
   </p:cSld>
@@ -3865,35 +5821,35 @@
           <a:p>
             <a:pPr lvl="0"/>
             <a:r>
-              <a:rPr lang="en-US" dirty="0"/>
+              <a:rPr lang="en-US"/>
               <a:t>Click to edit Master text styles</a:t>
             </a:r>
           </a:p>
           <a:p>
             <a:pPr lvl="1"/>
             <a:r>
-              <a:rPr lang="en-US" dirty="0"/>
+              <a:rPr lang="en-US"/>
               <a:t>Second level</a:t>
             </a:r>
           </a:p>
           <a:p>
             <a:pPr lvl="2"/>
             <a:r>
-              <a:rPr lang="en-US" dirty="0"/>
+              <a:rPr lang="en-US"/>
               <a:t>Third level</a:t>
             </a:r>
           </a:p>
           <a:p>
             <a:pPr lvl="3"/>
             <a:r>
-              <a:rPr lang="en-US" dirty="0"/>
+              <a:rPr lang="en-US"/>
               <a:t>Fourth level</a:t>
             </a:r>
           </a:p>
           <a:p>
             <a:pPr lvl="4"/>
             <a:r>
-              <a:rPr lang="en-US" dirty="0"/>
+              <a:rPr lang="en-US"/>
               <a:t>Fifth level</a:t>
             </a:r>
           </a:p>
@@ -4070,7 +6026,7 @@
     </p:spTree>
     <p:extLst>
       <p:ext uri="{BB962C8B-B14F-4D97-AF65-F5344CB8AC3E}">
-        <p14:creationId xmlns:p14="http://schemas.microsoft.com/office/powerpoint/2010/main" val="390728969"/>
+        <p14:creationId xmlns:p14="http://schemas.microsoft.com/office/powerpoint/2010/main" val="2076768814"/>
       </p:ext>
     </p:extLst>
   </p:cSld>
@@ -4085,7 +6041,7 @@
 
 <file path=ppt/slideLayouts/slideLayout8.xml><?xml version="1.0" encoding="utf-8"?>
 <p:sldLayout xmlns:a="http://schemas.openxmlformats.org/drawingml/2006/main" xmlns:r="http://schemas.openxmlformats.org/officeDocument/2006/relationships" xmlns:p="http://schemas.openxmlformats.org/presentationml/2006/main" showMasterSp="0" preserve="1" userDrawn="1">
-  <p:cSld name="Title Slide">
+  <p:cSld name="1_Title Slide">
     <p:spTree>
       <p:nvGrpSpPr>
         <p:cNvPr id="1" name=""/>
@@ -4100,12 +6056,76 @@
           <a:chExt cx="0" cy="0"/>
         </a:xfrm>
       </p:grpSpPr>
+      <p:sp>
+        <p:nvSpPr>
+          <p:cNvPr id="5" name="Rectangle 4">
+            <a:extLst>
+              <a:ext uri="{FF2B5EF4-FFF2-40B4-BE49-F238E27FC236}">
+                <a16:creationId xmlns:a16="http://schemas.microsoft.com/office/drawing/2014/main" id="{D27F3038-4597-4682-BD23-6537FAAB1912}"/>
+              </a:ext>
+            </a:extLst>
+          </p:cNvPr>
+          <p:cNvSpPr>
+            <a:spLocks noChangeArrowheads="1"/>
+          </p:cNvSpPr>
+          <p:nvPr/>
+        </p:nvSpPr>
+        <p:spPr bwMode="auto">
+          <a:xfrm>
+            <a:off x="0" y="6410325"/>
+            <a:ext cx="9155113" cy="457200"/>
+          </a:xfrm>
+          <a:prstGeom prst="rect">
+            <a:avLst/>
+          </a:prstGeom>
+          <a:solidFill>
+            <a:srgbClr val="8C1515"/>
+          </a:solidFill>
+          <a:ln w="9525">
+            <a:solidFill>
+              <a:srgbClr val="8C1515"/>
+            </a:solidFill>
+            <a:miter lim="800000"/>
+            <a:headEnd/>
+            <a:tailEnd/>
+          </a:ln>
+          <a:effectLst>
+            <a:outerShdw blurRad="38100" dist="25401" dir="2700000" algn="br" rotWithShape="0">
+              <a:srgbClr val="808080">
+                <a:alpha val="59999"/>
+              </a:srgbClr>
+            </a:outerShdw>
+          </a:effectLst>
+        </p:spPr>
+        <p:txBody>
+          <a:bodyPr anchor="ctr"/>
+          <a:lstStyle/>
+          <a:p>
+            <a:pPr algn="ctr" eaLnBrk="1" fontAlgn="auto" hangingPunct="1">
+              <a:spcBef>
+                <a:spcPts val="0"/>
+              </a:spcBef>
+              <a:spcAft>
+                <a:spcPts val="0"/>
+              </a:spcAft>
+              <a:defRPr/>
+            </a:pPr>
+            <a:endParaRPr lang="en-US" sz="1800" dirty="0">
+              <a:solidFill>
+                <a:schemeClr val="lt1"/>
+              </a:solidFill>
+              <a:latin typeface="Arial"/>
+              <a:ea typeface="+mn-ea"/>
+            </a:endParaRPr>
+          </a:p>
+        </p:txBody>
+      </p:sp>
       <p:pic>
         <p:nvPicPr>
-          <p:cNvPr id="5" name="Picture 9" descr="SUSig_White.eps">
+          <p:cNvPr id="6" name="Picture 14" title="Stanford University">
             <a:extLst>
               <a:ext uri="{FF2B5EF4-FFF2-40B4-BE49-F238E27FC236}">
-                <a16:creationId xmlns:a16="http://schemas.microsoft.com/office/drawing/2014/main" id="{E325D424-4A36-497D-AADE-320940E161AF}"/>
+                <a16:creationId xmlns:a16="http://schemas.microsoft.com/office/drawing/2014/main" id="{6B18991A-9B64-4AA2-A929-21B62C437F7D}"/>
               </a:ext>
             </a:extLst>
           </p:cNvPr>
@@ -4129,132 +6149,8 @@
         </p:blipFill>
         <p:spPr bwMode="auto">
           <a:xfrm>
-            <a:off x="6610350" y="6415088"/>
-            <a:ext cx="2046288" cy="250825"/>
-          </a:xfrm>
-          <a:prstGeom prst="rect">
-            <a:avLst/>
-          </a:prstGeom>
-          <a:noFill/>
-          <a:ln>
-            <a:noFill/>
-          </a:ln>
-          <a:extLst>
-            <a:ext uri="{909E8E84-426E-40DD-AFC4-6F175D3DCCD1}">
-              <a14:hiddenFill xmlns:a14="http://schemas.microsoft.com/office/drawing/2010/main">
-                <a:solidFill>
-                  <a:srgbClr val="FFFFFF"/>
-                </a:solidFill>
-              </a14:hiddenFill>
-            </a:ext>
-            <a:ext uri="{91240B29-F687-4F45-9708-019B960494DF}">
-              <a14:hiddenLine xmlns:a14="http://schemas.microsoft.com/office/drawing/2010/main" w="9525">
-                <a:solidFill>
-                  <a:srgbClr val="000000"/>
-                </a:solidFill>
-                <a:miter lim="800000"/>
-                <a:headEnd/>
-                <a:tailEnd/>
-              </a14:hiddenLine>
-            </a:ext>
-          </a:extLst>
-        </p:spPr>
-      </p:pic>
-      <p:sp>
-        <p:nvSpPr>
-          <p:cNvPr id="6" name="Rectangle 5">
-            <a:extLst>
-              <a:ext uri="{FF2B5EF4-FFF2-40B4-BE49-F238E27FC236}">
-                <a16:creationId xmlns:a16="http://schemas.microsoft.com/office/drawing/2014/main" id="{F2C2D534-EFCE-43B0-B3F7-468C6C4D2661}"/>
-              </a:ext>
-            </a:extLst>
-          </p:cNvPr>
-          <p:cNvSpPr>
-            <a:spLocks noChangeArrowheads="1"/>
-          </p:cNvSpPr>
-          <p:nvPr/>
-        </p:nvSpPr>
-        <p:spPr bwMode="auto">
-          <a:xfrm>
-            <a:off x="0" y="6410325"/>
-            <a:ext cx="9155113" cy="457200"/>
-          </a:xfrm>
-          <a:prstGeom prst="rect">
-            <a:avLst/>
-          </a:prstGeom>
-          <a:solidFill>
-            <a:schemeClr val="bg2"/>
-          </a:solidFill>
-          <a:ln w="9525">
-            <a:solidFill>
-              <a:schemeClr val="accent1"/>
-            </a:solidFill>
-            <a:miter lim="800000"/>
-            <a:headEnd/>
-            <a:tailEnd/>
-          </a:ln>
-          <a:effectLst>
-            <a:outerShdw blurRad="38100" dist="25401" dir="2700000" algn="br" rotWithShape="0">
-              <a:srgbClr val="808080">
-                <a:alpha val="59999"/>
-              </a:srgbClr>
-            </a:outerShdw>
-          </a:effectLst>
-        </p:spPr>
-        <p:txBody>
-          <a:bodyPr anchor="ctr"/>
-          <a:lstStyle/>
-          <a:p>
-            <a:pPr algn="ctr" eaLnBrk="1" fontAlgn="auto" hangingPunct="1">
-              <a:spcBef>
-                <a:spcPts val="0"/>
-              </a:spcBef>
-              <a:spcAft>
-                <a:spcPts val="0"/>
-              </a:spcAft>
-              <a:defRPr/>
-            </a:pPr>
-            <a:endParaRPr lang="en-US" sz="1800" dirty="0">
-              <a:solidFill>
-                <a:schemeClr val="lt1"/>
-              </a:solidFill>
-              <a:latin typeface="Arial"/>
-              <a:ea typeface="+mn-ea"/>
-            </a:endParaRPr>
-          </a:p>
-        </p:txBody>
-      </p:sp>
-      <p:pic>
-        <p:nvPicPr>
-          <p:cNvPr id="7" name="Picture 11" title="Stanford University">
-            <a:extLst>
-              <a:ext uri="{FF2B5EF4-FFF2-40B4-BE49-F238E27FC236}">
-                <a16:creationId xmlns:a16="http://schemas.microsoft.com/office/drawing/2014/main" id="{3F8BF9C0-CBA0-492C-A5A6-6EC75EA05CF1}"/>
-              </a:ext>
-            </a:extLst>
-          </p:cNvPr>
-          <p:cNvPicPr>
-            <a:picLocks noChangeAspect="1"/>
-          </p:cNvPicPr>
-          <p:nvPr/>
-        </p:nvPicPr>
-        <p:blipFill>
-          <a:blip r:embed="rId2">
-            <a:extLst>
-              <a:ext uri="{28A0092B-C50C-407E-A947-70E740481C1C}">
-                <a14:useLocalDpi xmlns:a14="http://schemas.microsoft.com/office/drawing/2010/main" val="0"/>
-              </a:ext>
-            </a:extLst>
-          </a:blip>
-          <a:srcRect/>
-          <a:stretch>
-            <a:fillRect/>
-          </a:stretch>
-        </p:blipFill>
-        <p:spPr bwMode="auto">
-          <a:xfrm>
-            <a:off x="6950075" y="6510338"/>
-            <a:ext cx="1817688" cy="223837"/>
+            <a:off x="6951663" y="6510338"/>
+            <a:ext cx="1819275" cy="223837"/>
           </a:xfrm>
           <a:prstGeom prst="rect">
             <a:avLst/>
@@ -4281,7 +6177,7 @@
         </p:nvSpPr>
         <p:spPr>
           <a:xfrm>
-            <a:off x="457200" y="2403850"/>
+            <a:off x="457200" y="2397166"/>
             <a:ext cx="8229600" cy="824631"/>
           </a:xfrm>
           <a:prstGeom prst="rect">
@@ -4303,9 +6199,10 @@
           </a:lstStyle>
           <a:p>
             <a:r>
-              <a:rPr lang="en-US" dirty="0"/>
+              <a:rPr lang="en-US"/>
               <a:t>Click to edit Master title style</a:t>
             </a:r>
+            <a:endParaRPr lang="en-US" dirty="0"/>
           </a:p>
         </p:txBody>
       </p:sp>
@@ -4364,7 +6261,7 @@
           <a:p>
             <a:pPr lvl="0"/>
             <a:r>
-              <a:rPr lang="en-US" dirty="0"/>
+              <a:rPr lang="en-US"/>
               <a:t>Click to edit Master text styles</a:t>
             </a:r>
           </a:p>
@@ -4382,7 +6279,7 @@
         </p:nvSpPr>
         <p:spPr>
           <a:xfrm>
-            <a:off x="457200" y="3228481"/>
+            <a:off x="457200" y="3221797"/>
             <a:ext cx="8229600" cy="615863"/>
           </a:xfrm>
           <a:prstGeom prst="rect">
@@ -4495,7 +6392,7 @@
     </p:spTree>
     <p:extLst>
       <p:ext uri="{BB962C8B-B14F-4D97-AF65-F5344CB8AC3E}">
-        <p14:creationId xmlns:p14="http://schemas.microsoft.com/office/powerpoint/2010/main" val="2968419389"/>
+        <p14:creationId xmlns:p14="http://schemas.microsoft.com/office/powerpoint/2010/main" val="153617022"/>
       </p:ext>
     </p:extLst>
   </p:cSld>
@@ -4510,7 +6407,7 @@
 
 <file path=ppt/slideLayouts/slideLayout9.xml><?xml version="1.0" encoding="utf-8"?>
 <p:sldLayout xmlns:a="http://schemas.openxmlformats.org/drawingml/2006/main" xmlns:r="http://schemas.openxmlformats.org/officeDocument/2006/relationships" xmlns:p="http://schemas.openxmlformats.org/presentationml/2006/main" showMasterSp="0" preserve="1" userDrawn="1">
-  <p:cSld name="Section Header">
+  <p:cSld name="1_Section Header">
     <p:spTree>
       <p:nvGrpSpPr>
         <p:cNvPr id="1" name=""/>
@@ -4530,7 +6427,7 @@
           <p:cNvPr id="5" name="Rectangle 4">
             <a:extLst>
               <a:ext uri="{FF2B5EF4-FFF2-40B4-BE49-F238E27FC236}">
-                <a16:creationId xmlns:a16="http://schemas.microsoft.com/office/drawing/2014/main" id="{65E41830-7E69-4EAF-AD94-B8FD11EDC798}"/>
+                <a16:creationId xmlns:a16="http://schemas.microsoft.com/office/drawing/2014/main" id="{34D303E7-8E8F-4E1A-BF48-F0E2551E4A00}"/>
               </a:ext>
             </a:extLst>
           </p:cNvPr>
@@ -4548,11 +6445,11 @@
             <a:avLst/>
           </a:prstGeom>
           <a:solidFill>
-            <a:schemeClr val="bg2"/>
+            <a:srgbClr val="8C1515"/>
           </a:solidFill>
           <a:ln w="9525">
             <a:solidFill>
-              <a:schemeClr val="accent1"/>
+              <a:srgbClr val="8C1515"/>
             </a:solidFill>
             <a:miter lim="800000"/>
             <a:headEnd/>
@@ -4591,10 +6488,10 @@
       </p:sp>
       <p:pic>
         <p:nvPicPr>
-          <p:cNvPr id="7" name="Picture 10" title="Stanford University">
+          <p:cNvPr id="6" name="Picture 14" title="Stanford University">
             <a:extLst>
               <a:ext uri="{FF2B5EF4-FFF2-40B4-BE49-F238E27FC236}">
-                <a16:creationId xmlns:a16="http://schemas.microsoft.com/office/drawing/2014/main" id="{B092221A-0184-4402-9F23-77A59EB930E9}"/>
+                <a16:creationId xmlns:a16="http://schemas.microsoft.com/office/drawing/2014/main" id="{BB812F1F-7BF1-4E8B-B036-4A403B9281B7}"/>
               </a:ext>
             </a:extLst>
           </p:cNvPr>
@@ -4747,7 +6644,7 @@
       </p:sp>
       <p:sp>
         <p:nvSpPr>
-          <p:cNvPr id="6" name="Picture Placeholder 16"/>
+          <p:cNvPr id="7" name="Picture Placeholder 16"/>
           <p:cNvSpPr>
             <a:spLocks noGrp="1"/>
           </p:cNvSpPr>
@@ -4793,7 +6690,8 @@
           <a:bodyPr/>
           <a:lstStyle>
             <a:lvl1pPr>
-              <a:defRPr lang="en-US" sz="1200" dirty="0"/>
+              <a:buNone/>
+              <a:defRPr sz="1200"/>
             </a:lvl1pPr>
           </a:lstStyle>
           <a:p>
@@ -4809,7 +6707,7 @@
     </p:spTree>
     <p:extLst>
       <p:ext uri="{BB962C8B-B14F-4D97-AF65-F5344CB8AC3E}">
-        <p14:creationId xmlns:p14="http://schemas.microsoft.com/office/powerpoint/2010/main" val="2307846078"/>
+        <p14:creationId xmlns:p14="http://schemas.microsoft.com/office/powerpoint/2010/main" val="1788855175"/>
       </p:ext>
     </p:extLst>
   </p:cSld>
@@ -4823,7 +6721,7 @@
 </file>
 
 <file path=ppt/slideMasters/slideMaster1.xml><?xml version="1.0" encoding="utf-8"?>
-<p:sldMaster xmlns:a="http://schemas.openxmlformats.org/drawingml/2006/main" xmlns:r="http://schemas.openxmlformats.org/officeDocument/2006/relationships" xmlns:p="http://schemas.openxmlformats.org/presentationml/2006/main">
+<p:sldMaster xmlns:a="http://schemas.openxmlformats.org/drawingml/2006/main" xmlns:r="http://schemas.openxmlformats.org/officeDocument/2006/relationships" xmlns:p="http://schemas.openxmlformats.org/presentationml/2006/main" preserve="1">
   <p:cSld>
     <p:bg>
       <p:bgPr>
@@ -4852,7 +6750,7 @@
           <p:cNvPr id="1026" name="Title Placeholder 2">
             <a:extLst>
               <a:ext uri="{FF2B5EF4-FFF2-40B4-BE49-F238E27FC236}">
-                <a16:creationId xmlns:a16="http://schemas.microsoft.com/office/drawing/2014/main" id="{C6446D4C-B8E5-4989-B989-28F8192EE626}"/>
+                <a16:creationId xmlns:a16="http://schemas.microsoft.com/office/drawing/2014/main" id="{19008E48-1E7A-4926-B20F-0E72764271F4}"/>
               </a:ext>
             </a:extLst>
           </p:cNvPr>
@@ -4916,7 +6814,7 @@
           <p:cNvPr id="4" name="Text Placeholder 3">
             <a:extLst>
               <a:ext uri="{FF2B5EF4-FFF2-40B4-BE49-F238E27FC236}">
-                <a16:creationId xmlns:a16="http://schemas.microsoft.com/office/drawing/2014/main" id="{C80ADDD8-30CC-4510-AEDC-28577E40B58E}"/>
+                <a16:creationId xmlns:a16="http://schemas.microsoft.com/office/drawing/2014/main" id="{D7F1A43A-B057-4D63-8F52-9EF71C512DF9}"/>
               </a:ext>
             </a:extLst>
           </p:cNvPr>
@@ -4983,7 +6881,7 @@
           <p:cNvPr id="6" name="Slide Number Placeholder 4">
             <a:extLst>
               <a:ext uri="{FF2B5EF4-FFF2-40B4-BE49-F238E27FC236}">
-                <a16:creationId xmlns:a16="http://schemas.microsoft.com/office/drawing/2014/main" id="{A637F580-8783-4CCE-A4C3-9C2F3D0655CB}"/>
+                <a16:creationId xmlns:a16="http://schemas.microsoft.com/office/drawing/2014/main" id="{A2949C32-3C5C-44D2-869F-D30F2CBFCFE6}"/>
               </a:ext>
             </a:extLst>
           </p:cNvPr>
@@ -5010,8 +6908,8 @@
             </a:prstTxWarp>
           </a:bodyPr>
           <a:lstStyle>
-            <a:lvl1pPr eaLnBrk="1" hangingPunct="1">
-              <a:defRPr sz="1000" smtClean="0">
+            <a:lvl1pPr>
+              <a:defRPr sz="1000">
                 <a:solidFill>
                   <a:srgbClr val="898989"/>
                 </a:solidFill>
@@ -5020,14 +6918,9 @@
             </a:lvl1pPr>
           </a:lstStyle>
           <a:p>
-            <a:pPr>
-              <a:defRPr/>
-            </a:pPr>
-            <a:fld id="{E4D03C37-5696-4C91-9191-8CD5EB60BA38}" type="slidenum">
+            <a:fld id="{F9BABBAD-97C7-4CCB-A9B1-B226B2B6B3ED}" type="slidenum">
               <a:rPr lang="en-US" altLang="en-US"/>
-              <a:pPr>
-                <a:defRPr/>
-              </a:pPr>
+              <a:pPr/>
               <a:t>‹#›</a:t>
             </a:fld>
             <a:endParaRPr lang="en-US" altLang="en-US"/>
@@ -5039,7 +6932,7 @@
           <p:cNvPr id="10" name="Rectangle 9">
             <a:extLst>
               <a:ext uri="{FF2B5EF4-FFF2-40B4-BE49-F238E27FC236}">
-                <a16:creationId xmlns:a16="http://schemas.microsoft.com/office/drawing/2014/main" id="{509D96D5-FCB4-409A-A620-B6390482A417}"/>
+                <a16:creationId xmlns:a16="http://schemas.microsoft.com/office/drawing/2014/main" id="{E234949A-E1D6-449D-B54C-A62DDF4E5FF7}"/>
               </a:ext>
             </a:extLst>
           </p:cNvPr>
@@ -5082,7 +6975,7 @@
           <a:bodyPr anchor="ctr"/>
           <a:lstStyle/>
           <a:p>
-            <a:pPr algn="ctr" eaLnBrk="1" fontAlgn="auto" hangingPunct="1">
+            <a:pPr algn="ctr" fontAlgn="auto">
               <a:spcBef>
                 <a:spcPts val="0"/>
               </a:spcBef>
@@ -5102,7 +6995,7 @@
           <p:cNvPr id="1030" name="Picture 10" title="Stanford University">
             <a:extLst>
               <a:ext uri="{FF2B5EF4-FFF2-40B4-BE49-F238E27FC236}">
-                <a16:creationId xmlns:a16="http://schemas.microsoft.com/office/drawing/2014/main" id="{1D0F363F-2E5C-43C0-AAAC-645C77E0ABB3}"/>
+                <a16:creationId xmlns:a16="http://schemas.microsoft.com/office/drawing/2014/main" id="{8F03D777-E380-4A2C-84BC-2879EACC7C81}"/>
               </a:ext>
             </a:extLst>
           </p:cNvPr>
@@ -5112,7 +7005,7 @@
           <p:nvPr/>
         </p:nvPicPr>
         <p:blipFill>
-          <a:blip r:embed="rId9">
+          <a:blip r:embed="rId16">
             <a:extLst>
               <a:ext uri="{28A0092B-C50C-407E-A947-70E740481C1C}">
                 <a14:useLocalDpi xmlns:a14="http://schemas.microsoft.com/office/drawing/2010/main" val="0"/>
@@ -5137,22 +7030,49 @@
             <a:noFill/>
           </a:ln>
           <a:extLst>
-            <a:ext uri="{909E8E84-426E-40dd-AFC4-6F175D3DCCD1}"/>
-            <a:ext uri="{91240B29-F687-4f45-9708-019B960494DF}"/>
+            <a:ext uri="{909E8E84-426E-40dd-AFC4-6F175D3DCCD1}">
+              <a14:hiddenFill xmlns="" xmlns:a14="http://schemas.microsoft.com/office/drawing/2010/main">
+                <a:solidFill>
+                  <a:srgbClr val="FFFFFF"/>
+                </a:solidFill>
+              </a14:hiddenFill>
+            </a:ext>
+            <a:ext uri="{91240B29-F687-4f45-9708-019B960494DF}">
+              <a14:hiddenLine xmlns="" xmlns:a14="http://schemas.microsoft.com/office/drawing/2010/main" w="9525">
+                <a:solidFill>
+                  <a:srgbClr val="000000"/>
+                </a:solidFill>
+                <a:miter lim="800000"/>
+                <a:headEnd/>
+                <a:tailEnd/>
+              </a14:hiddenLine>
+            </a:ext>
           </a:extLst>
         </p:spPr>
       </p:pic>
     </p:spTree>
+    <p:extLst>
+      <p:ext uri="{BB962C8B-B14F-4D97-AF65-F5344CB8AC3E}">
+        <p14:creationId xmlns:p14="http://schemas.microsoft.com/office/powerpoint/2010/main" val="3379162500"/>
+      </p:ext>
+    </p:extLst>
   </p:cSld>
   <p:clrMap bg1="lt1" tx1="dk1" bg2="lt2" tx2="dk2" accent1="accent1" accent2="accent2" accent3="accent3" accent4="accent4" accent5="accent5" accent6="accent6" hlink="hlink" folHlink="folHlink"/>
   <p:sldLayoutIdLst>
-    <p:sldLayoutId id="2147484087" r:id="rId1"/>
-    <p:sldLayoutId id="2147484088" r:id="rId2"/>
-    <p:sldLayoutId id="2147484089" r:id="rId3"/>
-    <p:sldLayoutId id="2147484090" r:id="rId4"/>
-    <p:sldLayoutId id="2147484091" r:id="rId5"/>
-    <p:sldLayoutId id="2147484092" r:id="rId6"/>
-    <p:sldLayoutId id="2147484093" r:id="rId7"/>
+    <p:sldLayoutId id="2147484102" r:id="rId1"/>
+    <p:sldLayoutId id="2147484103" r:id="rId2"/>
+    <p:sldLayoutId id="2147484104" r:id="rId3"/>
+    <p:sldLayoutId id="2147484105" r:id="rId4"/>
+    <p:sldLayoutId id="2147484106" r:id="rId5"/>
+    <p:sldLayoutId id="2147484107" r:id="rId6"/>
+    <p:sldLayoutId id="2147484108" r:id="rId7"/>
+    <p:sldLayoutId id="2147484087" r:id="rId8"/>
+    <p:sldLayoutId id="2147484088" r:id="rId9"/>
+    <p:sldLayoutId id="2147484089" r:id="rId10"/>
+    <p:sldLayoutId id="2147484090" r:id="rId11"/>
+    <p:sldLayoutId id="2147484091" r:id="rId12"/>
+    <p:sldLayoutId id="2147484092" r:id="rId13"/>
+    <p:sldLayoutId id="2147484093" r:id="rId14"/>
   </p:sldLayoutIdLst>
   <p:transition spd="slow">
     <p:fade/>
@@ -5387,7 +7307,7 @@
         <a:buSzPct val="102000"/>
         <a:buFont typeface="Source Sans Pro" panose="020B0503030403020204" pitchFamily="34" charset="0"/>
         <a:buChar char="›"/>
-        <a:defRPr sz="1600" kern="1200">
+        <a:defRPr sz="1400" kern="1200">
           <a:solidFill>
             <a:srgbClr val="595959"/>
           </a:solidFill>
@@ -5408,7 +7328,7 @@
         </a:buClr>
         <a:buFont typeface="Arial" panose="020B0604020202020204" pitchFamily="34" charset="0"/>
         <a:buChar char="•"/>
-        <a:defRPr sz="1600" kern="1200">
+        <a:defRPr sz="1400" kern="1200">
           <a:solidFill>
             <a:srgbClr val="595959"/>
           </a:solidFill>
@@ -5429,7 +7349,7 @@
         </a:buClr>
         <a:buFont typeface="Source Sans Pro" panose="020B0503030403020204" pitchFamily="34" charset="0"/>
         <a:buChar char="–"/>
-        <a:defRPr sz="1600" kern="1200">
+        <a:defRPr sz="1400" kern="1200">
           <a:solidFill>
             <a:srgbClr val="595959"/>
           </a:solidFill>
@@ -6163,7 +8083,7 @@
         <a:buSzPct val="102000"/>
         <a:buFont typeface="Source Sans Pro" panose="020B0503030403020204" pitchFamily="34" charset="0"/>
         <a:buChar char="›"/>
-        <a:defRPr sz="1600" kern="1200">
+        <a:defRPr sz="1400" kern="1200">
           <a:solidFill>
             <a:srgbClr val="595959"/>
           </a:solidFill>
@@ -6184,7 +8104,7 @@
         </a:buClr>
         <a:buFont typeface="Arial" panose="020B0604020202020204" pitchFamily="34" charset="0"/>
         <a:buChar char="•"/>
-        <a:defRPr sz="1600" kern="1200">
+        <a:defRPr sz="1400" kern="1200">
           <a:solidFill>
             <a:srgbClr val="595959"/>
           </a:solidFill>
@@ -6205,7 +8125,7 @@
         </a:buClr>
         <a:buFont typeface="Source Sans Pro" panose="020B0503030403020204" pitchFamily="34" charset="0"/>
         <a:buChar char="–"/>
-        <a:defRPr sz="1600" kern="1200">
+        <a:defRPr sz="1400" kern="1200">
           <a:solidFill>
             <a:srgbClr val="595959"/>
           </a:solidFill>
@@ -7038,255 +8958,6 @@
           <p:cNvPr id="2" name="Title 1">
             <a:extLst>
               <a:ext uri="{FF2B5EF4-FFF2-40B4-BE49-F238E27FC236}">
-                <a16:creationId xmlns:a16="http://schemas.microsoft.com/office/drawing/2014/main" id="{959F1720-DF9E-498A-8360-B99B21C5D9F8}"/>
-              </a:ext>
-            </a:extLst>
-          </p:cNvPr>
-          <p:cNvSpPr>
-            <a:spLocks noGrp="1"/>
-          </p:cNvSpPr>
-          <p:nvPr>
-            <p:ph type="title"/>
-          </p:nvPr>
-        </p:nvSpPr>
-        <p:spPr/>
-        <p:txBody>
-          <a:bodyPr/>
-          <a:lstStyle/>
-          <a:p>
-            <a:r>
-              <a:rPr lang="en-US" dirty="0"/>
-              <a:t>Magnetic dipole interactions term</a:t>
-            </a:r>
-          </a:p>
-        </p:txBody>
-      </p:sp>
-      <mc:AlternateContent xmlns:mc="http://schemas.openxmlformats.org/markup-compatibility/2006" xmlns:a14="http://schemas.microsoft.com/office/drawing/2010/main">
-        <mc:Choice Requires="a14">
-          <p:sp>
-            <p:nvSpPr>
-              <p:cNvPr id="3" name="Content Placeholder 2">
-                <a:extLst>
-                  <a:ext uri="{FF2B5EF4-FFF2-40B4-BE49-F238E27FC236}">
-                    <a16:creationId xmlns:a16="http://schemas.microsoft.com/office/drawing/2014/main" id="{6ED419DB-78E9-46D4-9A62-4850E287817E}"/>
-                  </a:ext>
-                </a:extLst>
-              </p:cNvPr>
-              <p:cNvSpPr>
-                <a:spLocks noGrp="1"/>
-              </p:cNvSpPr>
-              <p:nvPr>
-                <p:ph sz="quarter" idx="10"/>
-              </p:nvPr>
-            </p:nvSpPr>
-            <p:spPr>
-              <a:xfrm>
-                <a:off x="955678" y="1211580"/>
-                <a:ext cx="7700963" cy="5012056"/>
-              </a:xfrm>
-            </p:spPr>
-            <p:txBody>
-              <a:bodyPr/>
-              <a:lstStyle/>
-              <a:p>
-                <a:pPr>
-                  <a:buFont typeface="Arial" panose="020B0604020202020204" pitchFamily="34" charset="0"/>
-                  <a:buChar char="•"/>
-                </a:pPr>
-                <a:r>
-                  <a:rPr lang="en-US" dirty="0"/>
-                  <a:t>See paper, equation (7) </a:t>
-                </a:r>
-              </a:p>
-              <a:p>
-                <a:pPr>
-                  <a:buFont typeface="Arial" panose="020B0604020202020204" pitchFamily="34" charset="0"/>
-                  <a:buChar char="•"/>
-                </a:pPr>
-                <a:r>
-                  <a:rPr lang="en-US" dirty="0"/>
-                  <a:t>The authors claim that this term is only relevant in the disordered phase</a:t>
-                </a:r>
-              </a:p>
-              <a:p>
-                <a:pPr lvl="2">
-                  <a:buFont typeface="Arial" panose="020B0604020202020204" pitchFamily="34" charset="0"/>
-                  <a:buChar char="•"/>
-                </a:pPr>
-                <a:r>
-                  <a:rPr lang="en-US" dirty="0"/>
-                  <a:t>Not sure why this would be more relevant for the substituted systems than for the pure one, however it is for sure not relevant for pure TmVO</a:t>
-                </a:r>
-                <a:r>
-                  <a:rPr lang="en-US" baseline="-25000" dirty="0"/>
-                  <a:t>4</a:t>
-                </a:r>
-                <a:r>
-                  <a:rPr lang="en-US" dirty="0"/>
-                  <a:t> as there is no heat capacity above </a:t>
-                </a:r>
-                <a14:m>
-                  <m:oMath xmlns:m="http://schemas.openxmlformats.org/officeDocument/2006/math">
-                    <m:sSub>
-                      <m:sSubPr>
-                        <m:ctrlPr>
-                          <a:rPr lang="en-US" b="0" i="1" smtClean="0">
-                            <a:latin typeface="Cambria Math" panose="02040503050406030204" pitchFamily="18" charset="0"/>
-                          </a:rPr>
-                        </m:ctrlPr>
-                      </m:sSubPr>
-                      <m:e>
-                        <m:r>
-                          <a:rPr lang="en-US" b="0" i="1" smtClean="0">
-                            <a:latin typeface="Cambria Math" panose="02040503050406030204" pitchFamily="18" charset="0"/>
-                          </a:rPr>
-                          <m:t>𝑇</m:t>
-                        </m:r>
-                      </m:e>
-                      <m:sub>
-                        <m:r>
-                          <a:rPr lang="en-US" b="0" i="1" smtClean="0">
-                            <a:latin typeface="Cambria Math" panose="02040503050406030204" pitchFamily="18" charset="0"/>
-                          </a:rPr>
-                          <m:t>𝐷</m:t>
-                        </m:r>
-                      </m:sub>
-                    </m:sSub>
-                  </m:oMath>
-                </a14:m>
-                <a:r>
-                  <a:rPr lang="en-US" dirty="0"/>
-                  <a:t> in the latter</a:t>
-                </a:r>
-              </a:p>
-              <a:p>
-                <a:pPr>
-                  <a:buFont typeface="Arial" panose="020B0604020202020204" pitchFamily="34" charset="0"/>
-                  <a:buChar char="•"/>
-                </a:pPr>
-                <a:r>
-                  <a:rPr lang="en-US" dirty="0"/>
-                  <a:t>It is probably more relevant to model the behavior above </a:t>
-                </a:r>
-                <a14:m>
-                  <m:oMath xmlns:m="http://schemas.openxmlformats.org/officeDocument/2006/math">
-                    <m:sSub>
-                      <m:sSubPr>
-                        <m:ctrlPr>
-                          <a:rPr lang="en-US" b="0" i="1" smtClean="0">
-                            <a:latin typeface="Cambria Math" panose="02040503050406030204" pitchFamily="18" charset="0"/>
-                          </a:rPr>
-                        </m:ctrlPr>
-                      </m:sSubPr>
-                      <m:e>
-                        <m:r>
-                          <a:rPr lang="en-US" b="0" i="1" smtClean="0">
-                            <a:latin typeface="Cambria Math" panose="02040503050406030204" pitchFamily="18" charset="0"/>
-                          </a:rPr>
-                          <m:t>𝑇</m:t>
-                        </m:r>
-                      </m:e>
-                      <m:sub>
-                        <m:r>
-                          <a:rPr lang="en-US" b="0" i="1" smtClean="0">
-                            <a:latin typeface="Cambria Math" panose="02040503050406030204" pitchFamily="18" charset="0"/>
-                          </a:rPr>
-                          <m:t>𝐷</m:t>
-                        </m:r>
-                      </m:sub>
-                    </m:sSub>
-                  </m:oMath>
-                </a14:m>
-                <a:r>
-                  <a:rPr lang="en-US" dirty="0"/>
-                  <a:t> with a gaussian distribution and see how it compares with the distribution below the transition</a:t>
-                </a:r>
-              </a:p>
-            </p:txBody>
-          </p:sp>
-        </mc:Choice>
-        <mc:Fallback xmlns="">
-          <p:sp>
-            <p:nvSpPr>
-              <p:cNvPr id="3" name="Content Placeholder 2">
-                <a:extLst>
-                  <a:ext uri="{FF2B5EF4-FFF2-40B4-BE49-F238E27FC236}">
-                    <a16:creationId xmlns:a16="http://schemas.microsoft.com/office/drawing/2014/main" id="{6ED419DB-78E9-46D4-9A62-4850E287817E}"/>
-                  </a:ext>
-                </a:extLst>
-              </p:cNvPr>
-              <p:cNvSpPr>
-                <a:spLocks noGrp="1" noRot="1" noChangeAspect="1" noMove="1" noResize="1" noEditPoints="1" noAdjustHandles="1" noChangeArrowheads="1" noChangeShapeType="1" noTextEdit="1"/>
-              </p:cNvSpPr>
-              <p:nvPr>
-                <p:ph sz="quarter" idx="10"/>
-              </p:nvPr>
-            </p:nvSpPr>
-            <p:spPr>
-              <a:xfrm>
-                <a:off x="955678" y="1211580"/>
-                <a:ext cx="7700963" cy="5012056"/>
-              </a:xfrm>
-              <a:blipFill>
-                <a:blip r:embed="rId2"/>
-                <a:stretch>
-                  <a:fillRect l="-1742" t="-730" r="-713"/>
-                </a:stretch>
-              </a:blipFill>
-            </p:spPr>
-            <p:txBody>
-              <a:bodyPr/>
-              <a:lstStyle/>
-              <a:p>
-                <a:r>
-                  <a:rPr lang="en-US">
-                    <a:noFill/>
-                  </a:rPr>
-                  <a:t> </a:t>
-                </a:r>
-              </a:p>
-            </p:txBody>
-          </p:sp>
-        </mc:Fallback>
-      </mc:AlternateContent>
-    </p:spTree>
-    <p:extLst>
-      <p:ext uri="{BB962C8B-B14F-4D97-AF65-F5344CB8AC3E}">
-        <p14:creationId xmlns:p14="http://schemas.microsoft.com/office/powerpoint/2010/main" val="3536098833"/>
-      </p:ext>
-    </p:extLst>
-  </p:cSld>
-  <p:clrMapOvr>
-    <a:masterClrMapping/>
-  </p:clrMapOvr>
-  <p:transition spd="slow">
-    <p:fade/>
-  </p:transition>
-</p:sld>
-</file>
-
-<file path=ppt/slides/slide12.xml><?xml version="1.0" encoding="utf-8"?>
-<p:sld xmlns:a="http://schemas.openxmlformats.org/drawingml/2006/main" xmlns:r="http://schemas.openxmlformats.org/officeDocument/2006/relationships" xmlns:p="http://schemas.openxmlformats.org/presentationml/2006/main">
-  <p:cSld>
-    <p:spTree>
-      <p:nvGrpSpPr>
-        <p:cNvPr id="1" name=""/>
-        <p:cNvGrpSpPr/>
-        <p:nvPr/>
-      </p:nvGrpSpPr>
-      <p:grpSpPr>
-        <a:xfrm>
-          <a:off x="0" y="0"/>
-          <a:ext cx="0" cy="0"/>
-          <a:chOff x="0" y="0"/>
-          <a:chExt cx="0" cy="0"/>
-        </a:xfrm>
-      </p:grpSpPr>
-      <p:sp>
-        <p:nvSpPr>
-          <p:cNvPr id="2" name="Title 1">
-            <a:extLst>
-              <a:ext uri="{FF2B5EF4-FFF2-40B4-BE49-F238E27FC236}">
                 <a16:creationId xmlns:a16="http://schemas.microsoft.com/office/drawing/2014/main" id="{71299EC8-8BA1-4FAC-B282-0A0E997EDE97}"/>
               </a:ext>
             </a:extLst>
@@ -7305,13 +8976,20 @@
           <a:p>
             <a:r>
               <a:rPr lang="en-US" dirty="0"/>
-              <a:t>Non-zero average strain distribution</a:t>
-            </a:r>
+              <a:t>Asymmetric strain distribution </a:t>
+            </a:r>
+            <a:r>
+              <a:rPr lang="en-US" dirty="0">
+                <a:sym typeface="Wingdings" panose="05000000000000000000" pitchFamily="2" charset="2"/>
+              </a:rPr>
+              <a:t> offset strain</a:t>
+            </a:r>
+            <a:endParaRPr lang="en-US" dirty="0"/>
           </a:p>
         </p:txBody>
       </p:sp>
-      <mc:AlternateContent xmlns:mc="http://schemas.openxmlformats.org/markup-compatibility/2006">
-        <mc:Choice xmlns:a14="http://schemas.microsoft.com/office/drawing/2010/main" Requires="a14">
+      <mc:AlternateContent xmlns:mc="http://schemas.openxmlformats.org/markup-compatibility/2006" xmlns:a14="http://schemas.microsoft.com/office/drawing/2010/main">
+        <mc:Choice Requires="a14">
           <p:sp>
             <p:nvSpPr>
               <p:cNvPr id="3" name="Content Placeholder 2">
@@ -7713,7 +9391,7 @@
             </p:txBody>
           </p:sp>
         </mc:Choice>
-        <mc:Fallback>
+        <mc:Fallback xmlns="">
           <p:sp>
             <p:nvSpPr>
               <p:cNvPr id="3" name="Content Placeholder 2">
@@ -7769,6 +9447,2181 @@
 </p:sld>
 </file>
 
+<file path=ppt/slides/slide12.xml><?xml version="1.0" encoding="utf-8"?>
+<p:sld xmlns:a="http://schemas.openxmlformats.org/drawingml/2006/main" xmlns:r="http://schemas.openxmlformats.org/officeDocument/2006/relationships" xmlns:p="http://schemas.openxmlformats.org/presentationml/2006/main">
+  <p:cSld>
+    <p:spTree>
+      <p:nvGrpSpPr>
+        <p:cNvPr id="1" name=""/>
+        <p:cNvGrpSpPr/>
+        <p:nvPr/>
+      </p:nvGrpSpPr>
+      <p:grpSpPr>
+        <a:xfrm>
+          <a:off x="0" y="0"/>
+          <a:ext cx="0" cy="0"/>
+          <a:chOff x="0" y="0"/>
+          <a:chExt cx="0" cy="0"/>
+        </a:xfrm>
+      </p:grpSpPr>
+      <p:sp>
+        <p:nvSpPr>
+          <p:cNvPr id="2" name="Title 1">
+            <a:extLst>
+              <a:ext uri="{FF2B5EF4-FFF2-40B4-BE49-F238E27FC236}">
+                <a16:creationId xmlns:a16="http://schemas.microsoft.com/office/drawing/2014/main" id="{959F1720-DF9E-498A-8360-B99B21C5D9F8}"/>
+              </a:ext>
+            </a:extLst>
+          </p:cNvPr>
+          <p:cNvSpPr>
+            <a:spLocks noGrp="1"/>
+          </p:cNvSpPr>
+          <p:nvPr>
+            <p:ph type="title"/>
+          </p:nvPr>
+        </p:nvSpPr>
+        <p:spPr/>
+        <p:txBody>
+          <a:bodyPr/>
+          <a:lstStyle/>
+          <a:p>
+            <a:r>
+              <a:rPr lang="en-US" dirty="0"/>
+              <a:t>Magnetic dipole interactions term</a:t>
+            </a:r>
+          </a:p>
+        </p:txBody>
+      </p:sp>
+      <mc:AlternateContent xmlns:mc="http://schemas.openxmlformats.org/markup-compatibility/2006" xmlns:a14="http://schemas.microsoft.com/office/drawing/2010/main">
+        <mc:Choice Requires="a14">
+          <p:sp>
+            <p:nvSpPr>
+              <p:cNvPr id="3" name="Content Placeholder 2">
+                <a:extLst>
+                  <a:ext uri="{FF2B5EF4-FFF2-40B4-BE49-F238E27FC236}">
+                    <a16:creationId xmlns:a16="http://schemas.microsoft.com/office/drawing/2014/main" id="{6ED419DB-78E9-46D4-9A62-4850E287817E}"/>
+                  </a:ext>
+                </a:extLst>
+              </p:cNvPr>
+              <p:cNvSpPr>
+                <a:spLocks noGrp="1"/>
+              </p:cNvSpPr>
+              <p:nvPr>
+                <p:ph sz="quarter" idx="10"/>
+              </p:nvPr>
+            </p:nvSpPr>
+            <p:spPr/>
+            <p:txBody>
+              <a:bodyPr/>
+              <a:lstStyle/>
+              <a:p>
+                <a:pPr>
+                  <a:buFont typeface="Arial" panose="020B0604020202020204" pitchFamily="34" charset="0"/>
+                  <a:buChar char="•"/>
+                </a:pPr>
+                <a:r>
+                  <a:rPr lang="en-US" dirty="0"/>
+                  <a:t>See paper, equation (7) </a:t>
+                </a:r>
+              </a:p>
+              <a:p>
+                <a:pPr>
+                  <a:buFont typeface="Arial" panose="020B0604020202020204" pitchFamily="34" charset="0"/>
+                  <a:buChar char="•"/>
+                </a:pPr>
+                <a:r>
+                  <a:rPr lang="en-US" dirty="0"/>
+                  <a:t>The authors claim that this term is only relevant in the disordered phase</a:t>
+                </a:r>
+              </a:p>
+              <a:p>
+                <a:pPr lvl="2">
+                  <a:buFont typeface="Arial" panose="020B0604020202020204" pitchFamily="34" charset="0"/>
+                  <a:buChar char="•"/>
+                </a:pPr>
+                <a:r>
+                  <a:rPr lang="en-US" dirty="0"/>
+                  <a:t>Not sure why this would be more relevant for the substituted systems than for the pure one, however it is for sure not relevant for pure TmVO</a:t>
+                </a:r>
+                <a:r>
+                  <a:rPr lang="en-US" baseline="-25000" dirty="0"/>
+                  <a:t>4</a:t>
+                </a:r>
+                <a:r>
+                  <a:rPr lang="en-US" dirty="0"/>
+                  <a:t> as there is no heat capacity above </a:t>
+                </a:r>
+                <a14:m>
+                  <m:oMath xmlns:m="http://schemas.openxmlformats.org/officeDocument/2006/math">
+                    <m:sSub>
+                      <m:sSubPr>
+                        <m:ctrlPr>
+                          <a:rPr lang="en-US" b="0" i="1" smtClean="0">
+                            <a:latin typeface="Cambria Math" panose="02040503050406030204" pitchFamily="18" charset="0"/>
+                          </a:rPr>
+                        </m:ctrlPr>
+                      </m:sSubPr>
+                      <m:e>
+                        <m:r>
+                          <a:rPr lang="en-US" b="0" i="1" smtClean="0">
+                            <a:latin typeface="Cambria Math" panose="02040503050406030204" pitchFamily="18" charset="0"/>
+                          </a:rPr>
+                          <m:t>𝑇</m:t>
+                        </m:r>
+                      </m:e>
+                      <m:sub>
+                        <m:r>
+                          <a:rPr lang="en-US" b="0" i="1" smtClean="0">
+                            <a:latin typeface="Cambria Math" panose="02040503050406030204" pitchFamily="18" charset="0"/>
+                          </a:rPr>
+                          <m:t>𝐷</m:t>
+                        </m:r>
+                      </m:sub>
+                    </m:sSub>
+                  </m:oMath>
+                </a14:m>
+                <a:r>
+                  <a:rPr lang="en-US" dirty="0"/>
+                  <a:t> in the latter</a:t>
+                </a:r>
+              </a:p>
+              <a:p>
+                <a:pPr>
+                  <a:buFont typeface="Arial" panose="020B0604020202020204" pitchFamily="34" charset="0"/>
+                  <a:buChar char="•"/>
+                </a:pPr>
+                <a:r>
+                  <a:rPr lang="en-US" dirty="0"/>
+                  <a:t>It is probably more relevant to model the behavior above </a:t>
+                </a:r>
+                <a14:m>
+                  <m:oMath xmlns:m="http://schemas.openxmlformats.org/officeDocument/2006/math">
+                    <m:sSub>
+                      <m:sSubPr>
+                        <m:ctrlPr>
+                          <a:rPr lang="en-US" b="0" i="1" smtClean="0">
+                            <a:latin typeface="Cambria Math" panose="02040503050406030204" pitchFamily="18" charset="0"/>
+                          </a:rPr>
+                        </m:ctrlPr>
+                      </m:sSubPr>
+                      <m:e>
+                        <m:r>
+                          <a:rPr lang="en-US" b="0" i="1" smtClean="0">
+                            <a:latin typeface="Cambria Math" panose="02040503050406030204" pitchFamily="18" charset="0"/>
+                          </a:rPr>
+                          <m:t>𝑇</m:t>
+                        </m:r>
+                      </m:e>
+                      <m:sub>
+                        <m:r>
+                          <a:rPr lang="en-US" b="0" i="1" smtClean="0">
+                            <a:latin typeface="Cambria Math" panose="02040503050406030204" pitchFamily="18" charset="0"/>
+                          </a:rPr>
+                          <m:t>𝐷</m:t>
+                        </m:r>
+                      </m:sub>
+                    </m:sSub>
+                  </m:oMath>
+                </a14:m>
+                <a:r>
+                  <a:rPr lang="en-US" dirty="0"/>
+                  <a:t> with a gaussian distribution of Schottky anomalies and see how it compares with the distribution below the transition</a:t>
+                </a:r>
+              </a:p>
+            </p:txBody>
+          </p:sp>
+        </mc:Choice>
+        <mc:Fallback xmlns="">
+          <p:sp>
+            <p:nvSpPr>
+              <p:cNvPr id="3" name="Content Placeholder 2">
+                <a:extLst>
+                  <a:ext uri="{FF2B5EF4-FFF2-40B4-BE49-F238E27FC236}">
+                    <a16:creationId xmlns:a16="http://schemas.microsoft.com/office/drawing/2014/main" id="{6ED419DB-78E9-46D4-9A62-4850E287817E}"/>
+                  </a:ext>
+                </a:extLst>
+              </p:cNvPr>
+              <p:cNvSpPr>
+                <a:spLocks noGrp="1" noRot="1" noChangeAspect="1" noMove="1" noResize="1" noEditPoints="1" noAdjustHandles="1" noChangeArrowheads="1" noChangeShapeType="1" noTextEdit="1"/>
+              </p:cNvSpPr>
+              <p:nvPr>
+                <p:ph sz="quarter" idx="10"/>
+              </p:nvPr>
+            </p:nvSpPr>
+            <p:spPr>
+              <a:blipFill>
+                <a:blip r:embed="rId2"/>
+                <a:stretch>
+                  <a:fillRect l="-1742" t="-730" r="-792"/>
+                </a:stretch>
+              </a:blipFill>
+            </p:spPr>
+            <p:txBody>
+              <a:bodyPr/>
+              <a:lstStyle/>
+              <a:p>
+                <a:r>
+                  <a:rPr lang="en-US">
+                    <a:noFill/>
+                  </a:rPr>
+                  <a:t> </a:t>
+                </a:r>
+              </a:p>
+            </p:txBody>
+          </p:sp>
+        </mc:Fallback>
+      </mc:AlternateContent>
+    </p:spTree>
+    <p:extLst>
+      <p:ext uri="{BB962C8B-B14F-4D97-AF65-F5344CB8AC3E}">
+        <p14:creationId xmlns:p14="http://schemas.microsoft.com/office/powerpoint/2010/main" val="3536098833"/>
+      </p:ext>
+    </p:extLst>
+  </p:cSld>
+  <p:clrMapOvr>
+    <a:masterClrMapping/>
+  </p:clrMapOvr>
+  <p:transition spd="slow">
+    <p:fade/>
+  </p:transition>
+</p:sld>
+</file>
+
+<file path=ppt/slides/slide13.xml><?xml version="1.0" encoding="utf-8"?>
+<p:sld xmlns:a="http://schemas.openxmlformats.org/drawingml/2006/main" xmlns:r="http://schemas.openxmlformats.org/officeDocument/2006/relationships" xmlns:p="http://schemas.openxmlformats.org/presentationml/2006/main">
+  <p:cSld>
+    <p:spTree>
+      <p:nvGrpSpPr>
+        <p:cNvPr id="1" name=""/>
+        <p:cNvGrpSpPr/>
+        <p:nvPr/>
+      </p:nvGrpSpPr>
+      <p:grpSpPr>
+        <a:xfrm>
+          <a:off x="0" y="0"/>
+          <a:ext cx="0" cy="0"/>
+          <a:chOff x="0" y="0"/>
+          <a:chExt cx="0" cy="0"/>
+        </a:xfrm>
+      </p:grpSpPr>
+      <p:sp>
+        <p:nvSpPr>
+          <p:cNvPr id="2" name="Title 1">
+            <a:extLst>
+              <a:ext uri="{FF2B5EF4-FFF2-40B4-BE49-F238E27FC236}">
+                <a16:creationId xmlns:a16="http://schemas.microsoft.com/office/drawing/2014/main" id="{EE7F12A5-CF64-4C6A-9F57-AB6A35213ACD}"/>
+              </a:ext>
+            </a:extLst>
+          </p:cNvPr>
+          <p:cNvSpPr>
+            <a:spLocks noGrp="1"/>
+          </p:cNvSpPr>
+          <p:nvPr>
+            <p:ph type="title"/>
+          </p:nvPr>
+        </p:nvSpPr>
+        <p:spPr/>
+        <p:txBody>
+          <a:bodyPr/>
+          <a:lstStyle/>
+          <a:p>
+            <a:r>
+              <a:rPr lang="en-US" dirty="0"/>
+              <a:t>Gaussian distribution of Schottky anomalies</a:t>
+            </a:r>
+          </a:p>
+        </p:txBody>
+      </p:sp>
+      <mc:AlternateContent xmlns:mc="http://schemas.openxmlformats.org/markup-compatibility/2006">
+        <mc:Choice xmlns:a14="http://schemas.microsoft.com/office/drawing/2010/main" Requires="a14">
+          <p:sp>
+            <p:nvSpPr>
+              <p:cNvPr id="3" name="Content Placeholder 2">
+                <a:extLst>
+                  <a:ext uri="{FF2B5EF4-FFF2-40B4-BE49-F238E27FC236}">
+                    <a16:creationId xmlns:a16="http://schemas.microsoft.com/office/drawing/2014/main" id="{F21EE58B-C709-4064-9199-B6B631641155}"/>
+                  </a:ext>
+                </a:extLst>
+              </p:cNvPr>
+              <p:cNvSpPr>
+                <a:spLocks noGrp="1"/>
+              </p:cNvSpPr>
+              <p:nvPr>
+                <p:ph sz="quarter" idx="10"/>
+              </p:nvPr>
+            </p:nvSpPr>
+            <p:spPr>
+              <a:xfrm>
+                <a:off x="955678" y="1211579"/>
+                <a:ext cx="7700963" cy="5394703"/>
+              </a:xfrm>
+            </p:spPr>
+            <p:txBody>
+              <a:bodyPr>
+                <a:normAutofit lnSpcReduction="10000"/>
+              </a:bodyPr>
+              <a:lstStyle/>
+              <a:p>
+                <a:pPr>
+                  <a:buFont typeface="Arial" panose="020B0604020202020204" pitchFamily="34" charset="0"/>
+                  <a:buChar char="•"/>
+                </a:pPr>
+                <a:r>
+                  <a:rPr lang="en-US" dirty="0"/>
+                  <a:t>Schottky anomaly: </a:t>
+                </a:r>
+                <a14:m>
+                  <m:oMath xmlns:m="http://schemas.openxmlformats.org/officeDocument/2006/math">
+                    <m:sSub>
+                      <m:sSubPr>
+                        <m:ctrlPr>
+                          <a:rPr lang="en-US" b="0" i="1" smtClean="0">
+                            <a:latin typeface="Cambria Math" panose="02040503050406030204" pitchFamily="18" charset="0"/>
+                          </a:rPr>
+                        </m:ctrlPr>
+                      </m:sSubPr>
+                      <m:e>
+                        <m:r>
+                          <m:rPr>
+                            <m:sty m:val="p"/>
+                          </m:rPr>
+                          <a:rPr lang="en-US" b="0" i="0" smtClean="0">
+                            <a:latin typeface="Cambria Math" panose="02040503050406030204" pitchFamily="18" charset="0"/>
+                          </a:rPr>
+                          <m:t>Sch</m:t>
+                        </m:r>
+                      </m:e>
+                      <m:sub>
+                        <m:r>
+                          <m:rPr>
+                            <m:sty m:val="p"/>
+                          </m:rPr>
+                          <a:rPr lang="en-US" b="0" i="0" smtClean="0">
+                            <a:latin typeface="Cambria Math" panose="02040503050406030204" pitchFamily="18" charset="0"/>
+                          </a:rPr>
+                          <m:t>Δ</m:t>
+                        </m:r>
+                      </m:sub>
+                    </m:sSub>
+                    <m:d>
+                      <m:dPr>
+                        <m:ctrlPr>
+                          <a:rPr lang="en-US" b="0" i="1" smtClean="0">
+                            <a:latin typeface="Cambria Math" panose="02040503050406030204" pitchFamily="18" charset="0"/>
+                          </a:rPr>
+                        </m:ctrlPr>
+                      </m:dPr>
+                      <m:e>
+                        <m:r>
+                          <a:rPr lang="en-US" b="0" i="1" smtClean="0">
+                            <a:latin typeface="Cambria Math" panose="02040503050406030204" pitchFamily="18" charset="0"/>
+                          </a:rPr>
+                          <m:t>𝑇</m:t>
+                        </m:r>
+                      </m:e>
+                    </m:d>
+                    <m:r>
+                      <a:rPr lang="en-US" b="0" i="1" smtClean="0">
+                        <a:latin typeface="Cambria Math" panose="02040503050406030204" pitchFamily="18" charset="0"/>
+                      </a:rPr>
+                      <m:t>=</m:t>
+                    </m:r>
+                    <m:sSup>
+                      <m:sSupPr>
+                        <m:ctrlPr>
+                          <a:rPr lang="en-US" b="0" i="1" smtClean="0">
+                            <a:latin typeface="Cambria Math" panose="02040503050406030204" pitchFamily="18" charset="0"/>
+                          </a:rPr>
+                        </m:ctrlPr>
+                      </m:sSupPr>
+                      <m:e>
+                        <m:d>
+                          <m:dPr>
+                            <m:ctrlPr>
+                              <a:rPr lang="en-US" b="0" i="1" smtClean="0">
+                                <a:latin typeface="Cambria Math" panose="02040503050406030204" pitchFamily="18" charset="0"/>
+                              </a:rPr>
+                            </m:ctrlPr>
+                          </m:dPr>
+                          <m:e>
+                            <m:f>
+                              <m:fPr>
+                                <m:ctrlPr>
+                                  <a:rPr lang="en-US" b="0" i="1" smtClean="0">
+                                    <a:latin typeface="Cambria Math" panose="02040503050406030204" pitchFamily="18" charset="0"/>
+                                  </a:rPr>
+                                </m:ctrlPr>
+                              </m:fPr>
+                              <m:num>
+                                <m:r>
+                                  <m:rPr>
+                                    <m:sty m:val="p"/>
+                                  </m:rPr>
+                                  <a:rPr lang="en-US" b="0" i="0" smtClean="0">
+                                    <a:latin typeface="Cambria Math" panose="02040503050406030204" pitchFamily="18" charset="0"/>
+                                  </a:rPr>
+                                  <m:t>Δ</m:t>
+                                </m:r>
+                              </m:num>
+                              <m:den>
+                                <m:r>
+                                  <a:rPr lang="en-US" b="0" i="1" smtClean="0">
+                                    <a:latin typeface="Cambria Math" panose="02040503050406030204" pitchFamily="18" charset="0"/>
+                                  </a:rPr>
+                                  <m:t>2⋅</m:t>
+                                </m:r>
+                                <m:r>
+                                  <a:rPr lang="en-US" b="0" i="1" smtClean="0">
+                                    <a:latin typeface="Cambria Math" panose="02040503050406030204" pitchFamily="18" charset="0"/>
+                                  </a:rPr>
+                                  <m:t>𝑇</m:t>
+                                </m:r>
+                              </m:den>
+                            </m:f>
+                          </m:e>
+                        </m:d>
+                      </m:e>
+                      <m:sup>
+                        <m:r>
+                          <a:rPr lang="en-US" b="0" i="1" smtClean="0">
+                            <a:latin typeface="Cambria Math" panose="02040503050406030204" pitchFamily="18" charset="0"/>
+                          </a:rPr>
+                          <m:t>2</m:t>
+                        </m:r>
+                      </m:sup>
+                    </m:sSup>
+                    <m:r>
+                      <a:rPr lang="en-US" b="0" i="1" smtClean="0">
+                        <a:latin typeface="Cambria Math" panose="02040503050406030204" pitchFamily="18" charset="0"/>
+                      </a:rPr>
+                      <m:t>⋅</m:t>
+                    </m:r>
+                    <m:f>
+                      <m:fPr>
+                        <m:ctrlPr>
+                          <a:rPr lang="en-US" b="0" i="1" smtClean="0">
+                            <a:latin typeface="Cambria Math" panose="02040503050406030204" pitchFamily="18" charset="0"/>
+                          </a:rPr>
+                        </m:ctrlPr>
+                      </m:fPr>
+                      <m:num>
+                        <m:r>
+                          <a:rPr lang="en-US" b="0" i="1" smtClean="0">
+                            <a:latin typeface="Cambria Math" panose="02040503050406030204" pitchFamily="18" charset="0"/>
+                          </a:rPr>
+                          <m:t>1</m:t>
+                        </m:r>
+                      </m:num>
+                      <m:den>
+                        <m:func>
+                          <m:funcPr>
+                            <m:ctrlPr>
+                              <a:rPr lang="en-US" b="0" i="1" smtClean="0">
+                                <a:latin typeface="Cambria Math" panose="02040503050406030204" pitchFamily="18" charset="0"/>
+                              </a:rPr>
+                            </m:ctrlPr>
+                          </m:funcPr>
+                          <m:fName>
+                            <m:sSup>
+                              <m:sSupPr>
+                                <m:ctrlPr>
+                                  <a:rPr lang="en-US" b="0" i="1" smtClean="0">
+                                    <a:latin typeface="Cambria Math" panose="02040503050406030204" pitchFamily="18" charset="0"/>
+                                  </a:rPr>
+                                </m:ctrlPr>
+                              </m:sSupPr>
+                              <m:e>
+                                <m:r>
+                                  <m:rPr>
+                                    <m:sty m:val="p"/>
+                                  </m:rPr>
+                                  <a:rPr lang="en-US" b="0" i="0" smtClean="0">
+                                    <a:latin typeface="Cambria Math" panose="02040503050406030204" pitchFamily="18" charset="0"/>
+                                  </a:rPr>
+                                  <m:t>cosh</m:t>
+                                </m:r>
+                              </m:e>
+                              <m:sup>
+                                <m:r>
+                                  <a:rPr lang="en-US" b="0" i="1" smtClean="0">
+                                    <a:latin typeface="Cambria Math" panose="02040503050406030204" pitchFamily="18" charset="0"/>
+                                  </a:rPr>
+                                  <m:t>2</m:t>
+                                </m:r>
+                              </m:sup>
+                            </m:sSup>
+                          </m:fName>
+                          <m:e>
+                            <m:d>
+                              <m:dPr>
+                                <m:ctrlPr>
+                                  <a:rPr lang="en-US" i="1">
+                                    <a:latin typeface="Cambria Math" panose="02040503050406030204" pitchFamily="18" charset="0"/>
+                                  </a:rPr>
+                                </m:ctrlPr>
+                              </m:dPr>
+                              <m:e>
+                                <m:f>
+                                  <m:fPr>
+                                    <m:ctrlPr>
+                                      <a:rPr lang="en-US" i="1">
+                                        <a:latin typeface="Cambria Math" panose="02040503050406030204" pitchFamily="18" charset="0"/>
+                                      </a:rPr>
+                                    </m:ctrlPr>
+                                  </m:fPr>
+                                  <m:num>
+                                    <m:r>
+                                      <m:rPr>
+                                        <m:sty m:val="p"/>
+                                      </m:rPr>
+                                      <a:rPr lang="en-US">
+                                        <a:latin typeface="Cambria Math" panose="02040503050406030204" pitchFamily="18" charset="0"/>
+                                      </a:rPr>
+                                      <m:t>Δ</m:t>
+                                    </m:r>
+                                  </m:num>
+                                  <m:den>
+                                    <m:r>
+                                      <a:rPr lang="en-US" i="1">
+                                        <a:latin typeface="Cambria Math" panose="02040503050406030204" pitchFamily="18" charset="0"/>
+                                      </a:rPr>
+                                      <m:t>2⋅</m:t>
+                                    </m:r>
+                                    <m:r>
+                                      <a:rPr lang="en-US" i="1">
+                                        <a:latin typeface="Cambria Math" panose="02040503050406030204" pitchFamily="18" charset="0"/>
+                                      </a:rPr>
+                                      <m:t>𝑇</m:t>
+                                    </m:r>
+                                  </m:den>
+                                </m:f>
+                              </m:e>
+                            </m:d>
+                          </m:e>
+                        </m:func>
+                      </m:den>
+                    </m:f>
+                  </m:oMath>
+                </a14:m>
+                <a:endParaRPr lang="en-US" dirty="0"/>
+              </a:p>
+              <a:p>
+                <a:pPr>
+                  <a:buFont typeface="Arial" panose="020B0604020202020204" pitchFamily="34" charset="0"/>
+                  <a:buChar char="•"/>
+                </a:pPr>
+                <a:r>
+                  <a:rPr lang="en-US" dirty="0"/>
+                  <a:t>Similarly to previous analysis, because of distribution of strains, expect </a:t>
+                </a:r>
+                <a:r>
+                  <a:rPr lang="en-US" dirty="0" err="1"/>
+                  <a:t>distrib</a:t>
+                </a:r>
+                <a:r>
+                  <a:rPr lang="en-US" dirty="0"/>
+                  <a:t>. of induced gaps and hence </a:t>
+                </a:r>
+                <a:r>
+                  <a:rPr lang="en-US" dirty="0" err="1"/>
+                  <a:t>distrib</a:t>
+                </a:r>
+                <a:r>
+                  <a:rPr lang="en-US" dirty="0"/>
+                  <a:t>. of Schottky anomalies:</a:t>
+                </a:r>
+              </a:p>
+              <a:p>
+                <a:pPr marL="0" indent="0"/>
+                <a14:m>
+                  <m:oMathPara xmlns:m="http://schemas.openxmlformats.org/officeDocument/2006/math">
+                    <m:oMathParaPr>
+                      <m:jc m:val="centerGroup"/>
+                    </m:oMathParaPr>
+                    <m:oMath xmlns:m="http://schemas.openxmlformats.org/officeDocument/2006/math">
+                      <m:r>
+                        <a:rPr lang="en-US" b="0" i="1" smtClean="0">
+                          <a:latin typeface="Cambria Math" panose="02040503050406030204" pitchFamily="18" charset="0"/>
+                        </a:rPr>
+                        <m:t>𝐶</m:t>
+                      </m:r>
+                      <m:r>
+                        <a:rPr lang="en-US" b="0" i="1" baseline="-25000" smtClean="0">
+                          <a:latin typeface="Cambria Math" panose="02040503050406030204" pitchFamily="18" charset="0"/>
+                        </a:rPr>
+                        <m:t>𝑝</m:t>
+                      </m:r>
+                      <m:d>
+                        <m:dPr>
+                          <m:ctrlPr>
+                            <a:rPr lang="en-US" b="0" i="1" smtClean="0">
+                              <a:latin typeface="Cambria Math" panose="02040503050406030204" pitchFamily="18" charset="0"/>
+                            </a:rPr>
+                          </m:ctrlPr>
+                        </m:dPr>
+                        <m:e>
+                          <m:r>
+                            <a:rPr lang="en-US" b="0" i="1" smtClean="0">
+                              <a:latin typeface="Cambria Math" panose="02040503050406030204" pitchFamily="18" charset="0"/>
+                            </a:rPr>
+                            <m:t>𝑇</m:t>
+                          </m:r>
+                          <m:r>
+                            <a:rPr lang="en-US" b="0" i="1" smtClean="0">
+                              <a:latin typeface="Cambria Math" panose="02040503050406030204" pitchFamily="18" charset="0"/>
+                            </a:rPr>
+                            <m:t>&gt;</m:t>
+                          </m:r>
+                          <m:sSub>
+                            <m:sSubPr>
+                              <m:ctrlPr>
+                                <a:rPr lang="en-US" b="0" i="1" smtClean="0">
+                                  <a:latin typeface="Cambria Math" panose="02040503050406030204" pitchFamily="18" charset="0"/>
+                                </a:rPr>
+                              </m:ctrlPr>
+                            </m:sSubPr>
+                            <m:e>
+                              <m:r>
+                                <a:rPr lang="en-US" b="0" i="1" smtClean="0">
+                                  <a:latin typeface="Cambria Math" panose="02040503050406030204" pitchFamily="18" charset="0"/>
+                                </a:rPr>
+                                <m:t>𝑇</m:t>
+                              </m:r>
+                            </m:e>
+                            <m:sub>
+                              <m:r>
+                                <a:rPr lang="en-US" b="0" i="1" smtClean="0">
+                                  <a:latin typeface="Cambria Math" panose="02040503050406030204" pitchFamily="18" charset="0"/>
+                                </a:rPr>
+                                <m:t>𝐷</m:t>
+                              </m:r>
+                            </m:sub>
+                          </m:sSub>
+                        </m:e>
+                      </m:d>
+                      <m:r>
+                        <a:rPr lang="en-US" b="0" i="1" smtClean="0">
+                          <a:latin typeface="Cambria Math" panose="02040503050406030204" pitchFamily="18" charset="0"/>
+                        </a:rPr>
+                        <m:t>=</m:t>
+                      </m:r>
+                      <m:f>
+                        <m:fPr>
+                          <m:ctrlPr>
+                            <a:rPr lang="en-US" b="0" i="1" smtClean="0">
+                              <a:latin typeface="Cambria Math" panose="02040503050406030204" pitchFamily="18" charset="0"/>
+                            </a:rPr>
+                          </m:ctrlPr>
+                        </m:fPr>
+                        <m:num>
+                          <m:r>
+                            <a:rPr lang="en-US" b="0" i="1" smtClean="0">
+                              <a:latin typeface="Cambria Math" panose="02040503050406030204" pitchFamily="18" charset="0"/>
+                            </a:rPr>
+                            <m:t>1</m:t>
+                          </m:r>
+                        </m:num>
+                        <m:den>
+                          <m:r>
+                            <a:rPr lang="en-US" b="0" i="1" smtClean="0">
+                              <a:latin typeface="Cambria Math" panose="02040503050406030204" pitchFamily="18" charset="0"/>
+                            </a:rPr>
+                            <m:t>𝜎</m:t>
+                          </m:r>
+                          <m:rad>
+                            <m:radPr>
+                              <m:degHide m:val="on"/>
+                              <m:ctrlPr>
+                                <a:rPr lang="en-US" b="0" i="1" smtClean="0">
+                                  <a:latin typeface="Cambria Math" panose="02040503050406030204" pitchFamily="18" charset="0"/>
+                                </a:rPr>
+                              </m:ctrlPr>
+                            </m:radPr>
+                            <m:deg/>
+                            <m:e>
+                              <m:r>
+                                <a:rPr lang="en-US" b="0" i="1" smtClean="0">
+                                  <a:latin typeface="Cambria Math" panose="02040503050406030204" pitchFamily="18" charset="0"/>
+                                </a:rPr>
+                                <m:t>2</m:t>
+                              </m:r>
+                              <m:r>
+                                <a:rPr lang="en-US" b="0" i="1" smtClean="0">
+                                  <a:latin typeface="Cambria Math" panose="02040503050406030204" pitchFamily="18" charset="0"/>
+                                </a:rPr>
+                                <m:t>𝜋</m:t>
+                              </m:r>
+                            </m:e>
+                          </m:rad>
+                        </m:den>
+                      </m:f>
+                      <m:r>
+                        <a:rPr lang="en-US" b="0" i="1" smtClean="0">
+                          <a:latin typeface="Cambria Math" panose="02040503050406030204" pitchFamily="18" charset="0"/>
+                        </a:rPr>
+                        <m:t>⋅</m:t>
+                      </m:r>
+                      <m:nary>
+                        <m:naryPr>
+                          <m:limLoc m:val="undOvr"/>
+                          <m:ctrlPr>
+                            <a:rPr lang="en-US" b="0" i="1" smtClean="0">
+                              <a:latin typeface="Cambria Math" panose="02040503050406030204" pitchFamily="18" charset="0"/>
+                            </a:rPr>
+                          </m:ctrlPr>
+                        </m:naryPr>
+                        <m:sub>
+                          <m:r>
+                            <m:rPr>
+                              <m:brk m:alnAt="24"/>
+                            </m:rPr>
+                            <a:rPr lang="en-US" b="0" i="1" smtClean="0">
+                              <a:latin typeface="Cambria Math" panose="02040503050406030204" pitchFamily="18" charset="0"/>
+                            </a:rPr>
+                            <m:t>−</m:t>
+                          </m:r>
+                          <m:r>
+                            <a:rPr lang="en-US" b="0" i="1" smtClean="0">
+                              <a:latin typeface="Cambria Math" panose="02040503050406030204" pitchFamily="18" charset="0"/>
+                            </a:rPr>
+                            <m:t>∞  </m:t>
+                          </m:r>
+                        </m:sub>
+                        <m:sup>
+                          <m:r>
+                            <a:rPr lang="en-US" b="0" i="1" smtClean="0">
+                              <a:latin typeface="Cambria Math" panose="02040503050406030204" pitchFamily="18" charset="0"/>
+                            </a:rPr>
+                            <m:t>+</m:t>
+                          </m:r>
+                          <m:func>
+                            <m:funcPr>
+                              <m:ctrlPr>
+                                <a:rPr lang="en-US" b="0" i="1" smtClean="0">
+                                  <a:latin typeface="Cambria Math" panose="02040503050406030204" pitchFamily="18" charset="0"/>
+                                </a:rPr>
+                              </m:ctrlPr>
+                            </m:funcPr>
+                            <m:fName>
+                              <m:r>
+                                <a:rPr lang="en-US" b="0" i="1" smtClean="0">
+                                  <a:latin typeface="Cambria Math" panose="02040503050406030204" pitchFamily="18" charset="0"/>
+                                </a:rPr>
+                                <m:t>∞</m:t>
+                              </m:r>
+                            </m:fName>
+                            <m:e>
+                              <m:r>
+                                <a:rPr lang="en-US" b="0" i="1" smtClean="0">
+                                  <a:latin typeface="Cambria Math" panose="02040503050406030204" pitchFamily="18" charset="0"/>
+                                </a:rPr>
+                                <m:t> </m:t>
+                              </m:r>
+                            </m:e>
+                          </m:func>
+                        </m:sup>
+                        <m:e>
+                          <m:sSub>
+                            <m:sSubPr>
+                              <m:ctrlPr>
+                                <a:rPr lang="en-US" i="1">
+                                  <a:latin typeface="Cambria Math" panose="02040503050406030204" pitchFamily="18" charset="0"/>
+                                </a:rPr>
+                              </m:ctrlPr>
+                            </m:sSubPr>
+                            <m:e>
+                              <m:r>
+                                <m:rPr>
+                                  <m:sty m:val="p"/>
+                                </m:rPr>
+                                <a:rPr lang="en-US">
+                                  <a:latin typeface="Cambria Math" panose="02040503050406030204" pitchFamily="18" charset="0"/>
+                                </a:rPr>
+                                <m:t>Sch</m:t>
+                              </m:r>
+                            </m:e>
+                            <m:sub>
+                              <m:r>
+                                <m:rPr>
+                                  <m:sty m:val="p"/>
+                                </m:rPr>
+                                <a:rPr lang="en-US">
+                                  <a:latin typeface="Cambria Math" panose="02040503050406030204" pitchFamily="18" charset="0"/>
+                                </a:rPr>
+                                <m:t>Δ</m:t>
+                              </m:r>
+                            </m:sub>
+                          </m:sSub>
+                          <m:d>
+                            <m:dPr>
+                              <m:ctrlPr>
+                                <a:rPr lang="en-US" i="1">
+                                  <a:latin typeface="Cambria Math" panose="02040503050406030204" pitchFamily="18" charset="0"/>
+                                </a:rPr>
+                              </m:ctrlPr>
+                            </m:dPr>
+                            <m:e>
+                              <m:r>
+                                <a:rPr lang="en-US" i="1">
+                                  <a:latin typeface="Cambria Math" panose="02040503050406030204" pitchFamily="18" charset="0"/>
+                                </a:rPr>
+                                <m:t>𝑇</m:t>
+                              </m:r>
+                            </m:e>
+                          </m:d>
+                          <m:r>
+                            <a:rPr lang="en-US" i="1">
+                              <a:latin typeface="Cambria Math" panose="02040503050406030204" pitchFamily="18" charset="0"/>
+                            </a:rPr>
+                            <m:t>⋅</m:t>
+                          </m:r>
+                          <m:func>
+                            <m:funcPr>
+                              <m:ctrlPr>
+                                <a:rPr lang="en-US" i="1">
+                                  <a:latin typeface="Cambria Math" panose="02040503050406030204" pitchFamily="18" charset="0"/>
+                                </a:rPr>
+                              </m:ctrlPr>
+                            </m:funcPr>
+                            <m:fName>
+                              <m:r>
+                                <m:rPr>
+                                  <m:sty m:val="p"/>
+                                </m:rPr>
+                                <a:rPr lang="en-US">
+                                  <a:latin typeface="Cambria Math" panose="02040503050406030204" pitchFamily="18" charset="0"/>
+                                </a:rPr>
+                                <m:t>exp</m:t>
+                              </m:r>
+                            </m:fName>
+                            <m:e>
+                              <m:r>
+                                <a:rPr lang="en-US" i="1">
+                                  <a:latin typeface="Cambria Math" panose="02040503050406030204" pitchFamily="18" charset="0"/>
+                                </a:rPr>
+                                <m:t>−</m:t>
+                              </m:r>
+                              <m:f>
+                                <m:fPr>
+                                  <m:ctrlPr>
+                                    <a:rPr lang="en-US" i="1">
+                                      <a:latin typeface="Cambria Math" panose="02040503050406030204" pitchFamily="18" charset="0"/>
+                                    </a:rPr>
+                                  </m:ctrlPr>
+                                </m:fPr>
+                                <m:num>
+                                  <m:sSup>
+                                    <m:sSupPr>
+                                      <m:ctrlPr>
+                                        <a:rPr lang="en-US" i="1">
+                                          <a:latin typeface="Cambria Math" panose="02040503050406030204" pitchFamily="18" charset="0"/>
+                                        </a:rPr>
+                                      </m:ctrlPr>
+                                    </m:sSupPr>
+                                    <m:e>
+                                      <m:d>
+                                        <m:dPr>
+                                          <m:ctrlPr>
+                                            <a:rPr lang="en-US" i="1">
+                                              <a:latin typeface="Cambria Math" panose="02040503050406030204" pitchFamily="18" charset="0"/>
+                                            </a:rPr>
+                                          </m:ctrlPr>
+                                        </m:dPr>
+                                        <m:e>
+                                          <m:r>
+                                            <m:rPr>
+                                              <m:sty m:val="p"/>
+                                            </m:rPr>
+                                            <a:rPr lang="en-US">
+                                              <a:latin typeface="Cambria Math" panose="02040503050406030204" pitchFamily="18" charset="0"/>
+                                            </a:rPr>
+                                            <m:t>Δ</m:t>
+                                          </m:r>
+                                          <m:r>
+                                            <a:rPr lang="en-US" i="1">
+                                              <a:latin typeface="Cambria Math" panose="02040503050406030204" pitchFamily="18" charset="0"/>
+                                            </a:rPr>
+                                            <m:t>−</m:t>
+                                          </m:r>
+                                          <m:r>
+                                            <a:rPr lang="en-US" i="1">
+                                              <a:latin typeface="Cambria Math" panose="02040503050406030204" pitchFamily="18" charset="0"/>
+                                            </a:rPr>
+                                            <m:t>𝜇</m:t>
+                                          </m:r>
+                                        </m:e>
+                                      </m:d>
+                                    </m:e>
+                                    <m:sup>
+                                      <m:r>
+                                        <a:rPr lang="en-US" i="1">
+                                          <a:latin typeface="Cambria Math" panose="02040503050406030204" pitchFamily="18" charset="0"/>
+                                        </a:rPr>
+                                        <m:t>2</m:t>
+                                      </m:r>
+                                    </m:sup>
+                                  </m:sSup>
+                                </m:num>
+                                <m:den>
+                                  <m:r>
+                                    <a:rPr lang="en-US" i="1">
+                                      <a:latin typeface="Cambria Math" panose="02040503050406030204" pitchFamily="18" charset="0"/>
+                                    </a:rPr>
+                                    <m:t>2</m:t>
+                                  </m:r>
+                                  <m:sSup>
+                                    <m:sSupPr>
+                                      <m:ctrlPr>
+                                        <a:rPr lang="en-US" i="1">
+                                          <a:latin typeface="Cambria Math" panose="02040503050406030204" pitchFamily="18" charset="0"/>
+                                        </a:rPr>
+                                      </m:ctrlPr>
+                                    </m:sSupPr>
+                                    <m:e>
+                                      <m:r>
+                                        <a:rPr lang="en-US" i="1">
+                                          <a:latin typeface="Cambria Math" panose="02040503050406030204" pitchFamily="18" charset="0"/>
+                                        </a:rPr>
+                                        <m:t>𝜎</m:t>
+                                      </m:r>
+                                    </m:e>
+                                    <m:sup>
+                                      <m:r>
+                                        <a:rPr lang="en-US" i="1">
+                                          <a:latin typeface="Cambria Math" panose="02040503050406030204" pitchFamily="18" charset="0"/>
+                                        </a:rPr>
+                                        <m:t>2</m:t>
+                                      </m:r>
+                                    </m:sup>
+                                  </m:sSup>
+                                </m:den>
+                              </m:f>
+                            </m:e>
+                          </m:func>
+                          <m:r>
+                            <a:rPr lang="en-US" i="1">
+                              <a:latin typeface="Cambria Math" panose="02040503050406030204" pitchFamily="18" charset="0"/>
+                            </a:rPr>
+                            <m:t>⋅</m:t>
+                          </m:r>
+                          <m:r>
+                            <a:rPr lang="en-US" i="1">
+                              <a:latin typeface="Cambria Math" panose="02040503050406030204" pitchFamily="18" charset="0"/>
+                            </a:rPr>
+                            <m:t>𝑑</m:t>
+                          </m:r>
+                          <m:r>
+                            <m:rPr>
+                              <m:sty m:val="p"/>
+                            </m:rPr>
+                            <a:rPr lang="en-US">
+                              <a:latin typeface="Cambria Math" panose="02040503050406030204" pitchFamily="18" charset="0"/>
+                            </a:rPr>
+                            <m:t>Δ</m:t>
+                          </m:r>
+                        </m:e>
+                      </m:nary>
+                    </m:oMath>
+                  </m:oMathPara>
+                </a14:m>
+                <a:endParaRPr lang="en-US" b="0" dirty="0"/>
+              </a:p>
+              <a:p>
+                <a:pPr marL="231775" lvl="1" indent="-285750">
+                  <a:buFont typeface="Arial" panose="020B0604020202020204" pitchFamily="34" charset="0"/>
+                  <a:buChar char="•"/>
+                </a:pPr>
+                <a:r>
+                  <a:rPr lang="en-US" dirty="0"/>
+                  <a:t>Because the strain distribution does not change above and below </a:t>
+                </a:r>
+                <a14:m>
+                  <m:oMath xmlns:m="http://schemas.openxmlformats.org/officeDocument/2006/math">
+                    <m:sSub>
+                      <m:sSubPr>
+                        <m:ctrlPr>
+                          <a:rPr lang="en-US" b="0" i="1" smtClean="0">
+                            <a:latin typeface="Cambria Math" panose="02040503050406030204" pitchFamily="18" charset="0"/>
+                          </a:rPr>
+                        </m:ctrlPr>
+                      </m:sSubPr>
+                      <m:e>
+                        <m:r>
+                          <a:rPr lang="en-US" b="0" i="1" smtClean="0">
+                            <a:latin typeface="Cambria Math" panose="02040503050406030204" pitchFamily="18" charset="0"/>
+                          </a:rPr>
+                          <m:t>𝑇</m:t>
+                        </m:r>
+                      </m:e>
+                      <m:sub>
+                        <m:r>
+                          <a:rPr lang="en-US" b="0" i="1" smtClean="0">
+                            <a:latin typeface="Cambria Math" panose="02040503050406030204" pitchFamily="18" charset="0"/>
+                          </a:rPr>
+                          <m:t>𝑐</m:t>
+                        </m:r>
+                      </m:sub>
+                    </m:sSub>
+                  </m:oMath>
+                </a14:m>
+                <a:r>
+                  <a:rPr lang="en-US" dirty="0"/>
+                  <a:t>, the width of the distribution should be the same; hence: </a:t>
+                </a:r>
+                <a14:m>
+                  <m:oMath xmlns:m="http://schemas.openxmlformats.org/officeDocument/2006/math">
+                    <m:sSub>
+                      <m:sSubPr>
+                        <m:ctrlPr>
+                          <a:rPr lang="en-US" b="0" i="1" smtClean="0">
+                            <a:latin typeface="Cambria Math" panose="02040503050406030204" pitchFamily="18" charset="0"/>
+                          </a:rPr>
+                        </m:ctrlPr>
+                      </m:sSubPr>
+                      <m:e>
+                        <m:r>
+                          <m:rPr>
+                            <m:sty m:val="p"/>
+                          </m:rPr>
+                          <a:rPr lang="en-US" b="0" i="0" smtClean="0">
+                            <a:latin typeface="Cambria Math" panose="02040503050406030204" pitchFamily="18" charset="0"/>
+                          </a:rPr>
+                          <m:t>Δ</m:t>
+                        </m:r>
+                      </m:e>
+                      <m:sub>
+                        <m:r>
+                          <a:rPr lang="en-US" b="0" i="1" smtClean="0">
+                            <a:latin typeface="Cambria Math" panose="02040503050406030204" pitchFamily="18" charset="0"/>
+                          </a:rPr>
+                          <m:t>0</m:t>
+                        </m:r>
+                      </m:sub>
+                    </m:sSub>
+                    <m:r>
+                      <a:rPr lang="en-US" b="0" i="1" smtClean="0">
+                        <a:latin typeface="Cambria Math" panose="02040503050406030204" pitchFamily="18" charset="0"/>
+                      </a:rPr>
+                      <m:t>=</m:t>
+                    </m:r>
+                    <m:r>
+                      <a:rPr lang="en-US" b="0" i="1" smtClean="0">
+                        <a:latin typeface="Cambria Math" panose="02040503050406030204" pitchFamily="18" charset="0"/>
+                      </a:rPr>
+                      <m:t>𝜎</m:t>
+                    </m:r>
+                    <m:rad>
+                      <m:radPr>
+                        <m:degHide m:val="on"/>
+                        <m:ctrlPr>
+                          <a:rPr lang="en-US" b="0" i="1" smtClean="0">
+                            <a:latin typeface="Cambria Math" panose="02040503050406030204" pitchFamily="18" charset="0"/>
+                          </a:rPr>
+                        </m:ctrlPr>
+                      </m:radPr>
+                      <m:deg/>
+                      <m:e>
+                        <m:r>
+                          <a:rPr lang="en-US" b="0" i="1" smtClean="0">
+                            <a:latin typeface="Cambria Math" panose="02040503050406030204" pitchFamily="18" charset="0"/>
+                          </a:rPr>
+                          <m:t>2</m:t>
+                        </m:r>
+                      </m:e>
+                    </m:rad>
+                  </m:oMath>
+                </a14:m>
+                <a:r>
+                  <a:rPr lang="en-US" dirty="0"/>
+                  <a:t> </a:t>
+                </a:r>
+              </a:p>
+              <a:p>
+                <a:pPr marL="231775" lvl="1" indent="-285750">
+                  <a:buFont typeface="Arial" panose="020B0604020202020204" pitchFamily="34" charset="0"/>
+                  <a:buChar char="•"/>
+                </a:pPr>
+                <a:r>
+                  <a:rPr lang="en-US" dirty="0"/>
+                  <a:t>To determine the mean value </a:t>
+                </a:r>
+                <a14:m>
+                  <m:oMath xmlns:m="http://schemas.openxmlformats.org/officeDocument/2006/math">
+                    <m:r>
+                      <a:rPr lang="en-US" b="0" i="1" smtClean="0">
+                        <a:latin typeface="Cambria Math" panose="02040503050406030204" pitchFamily="18" charset="0"/>
+                      </a:rPr>
+                      <m:t>𝜇</m:t>
+                    </m:r>
+                  </m:oMath>
+                </a14:m>
+                <a:r>
+                  <a:rPr lang="en-US" dirty="0"/>
+                  <a:t>, we have to consider the following:</a:t>
+                </a:r>
+              </a:p>
+              <a:p>
+                <a:pPr marL="512763" lvl="2" indent="-285750">
+                  <a:buFont typeface="Arial" panose="020B0604020202020204" pitchFamily="34" charset="0"/>
+                  <a:buChar char="•"/>
+                </a:pPr>
+                <a:r>
+                  <a:rPr lang="en-US" dirty="0"/>
+                  <a:t>The integral is taken over all gaps ranging from </a:t>
+                </a:r>
+                <a14:m>
+                  <m:oMath xmlns:m="http://schemas.openxmlformats.org/officeDocument/2006/math">
+                    <m:r>
+                      <a:rPr lang="en-US" b="0" i="1" smtClean="0">
+                        <a:latin typeface="Cambria Math" panose="02040503050406030204" pitchFamily="18" charset="0"/>
+                      </a:rPr>
+                      <m:t>−∞</m:t>
+                    </m:r>
+                  </m:oMath>
+                </a14:m>
+                <a:r>
+                  <a:rPr lang="en-US" dirty="0"/>
+                  <a:t> to </a:t>
+                </a:r>
+                <a14:m>
+                  <m:oMath xmlns:m="http://schemas.openxmlformats.org/officeDocument/2006/math">
+                    <m:r>
+                      <a:rPr lang="en-US" b="0" i="1" smtClean="0">
+                        <a:latin typeface="Cambria Math" panose="02040503050406030204" pitchFamily="18" charset="0"/>
+                      </a:rPr>
+                      <m:t>+∞</m:t>
+                    </m:r>
+                  </m:oMath>
+                </a14:m>
+                <a:r>
+                  <a:rPr lang="en-US" dirty="0"/>
+                  <a:t>, which is equivalent to considering polarization of the quadrupoles in both directions</a:t>
+                </a:r>
+              </a:p>
+              <a:p>
+                <a:pPr marL="512763" lvl="2" indent="-285750">
+                  <a:buFont typeface="Arial" panose="020B0604020202020204" pitchFamily="34" charset="0"/>
+                  <a:buChar char="•"/>
+                </a:pPr>
+                <a:r>
+                  <a:rPr lang="en-US" dirty="0"/>
+                  <a:t>However, both Sch and the gaussian distribution are even functions, meaning that only the amplitude of the gap (not its sign) matters for its contribution to the anomaly</a:t>
+                </a:r>
+              </a:p>
+              <a:p>
+                <a:pPr marL="512763" lvl="2" indent="-285750">
+                  <a:buFont typeface="Arial" panose="020B0604020202020204" pitchFamily="34" charset="0"/>
+                  <a:buChar char="•"/>
+                </a:pPr>
+                <a:r>
+                  <a:rPr lang="en-US" dirty="0"/>
+                  <a:t>Hence: </a:t>
+                </a:r>
+                <a14:m>
+                  <m:oMath xmlns:m="http://schemas.openxmlformats.org/officeDocument/2006/math">
+                    <m:r>
+                      <a:rPr lang="en-US" b="0" i="1" smtClean="0">
+                        <a:latin typeface="Cambria Math" panose="02040503050406030204" pitchFamily="18" charset="0"/>
+                      </a:rPr>
+                      <m:t>𝜇</m:t>
+                    </m:r>
+                    <m:r>
+                      <a:rPr lang="en-US" b="0" i="1" smtClean="0">
+                        <a:latin typeface="Cambria Math" panose="02040503050406030204" pitchFamily="18" charset="0"/>
+                      </a:rPr>
+                      <m:t>=</m:t>
+                    </m:r>
+                    <m:f>
+                      <m:fPr>
+                        <m:ctrlPr>
+                          <a:rPr lang="en-US" b="0" i="1" smtClean="0">
+                            <a:latin typeface="Cambria Math" panose="02040503050406030204" pitchFamily="18" charset="0"/>
+                          </a:rPr>
+                        </m:ctrlPr>
+                      </m:fPr>
+                      <m:num>
+                        <m:r>
+                          <a:rPr lang="en-US" b="0" i="1" smtClean="0">
+                            <a:latin typeface="Cambria Math" panose="02040503050406030204" pitchFamily="18" charset="0"/>
+                          </a:rPr>
+                          <m:t>1</m:t>
+                        </m:r>
+                      </m:num>
+                      <m:den>
+                        <m:sSub>
+                          <m:sSubPr>
+                            <m:ctrlPr>
+                              <a:rPr lang="en-US" b="0" i="1" smtClean="0">
+                                <a:latin typeface="Cambria Math" panose="02040503050406030204" pitchFamily="18" charset="0"/>
+                              </a:rPr>
+                            </m:ctrlPr>
+                          </m:sSubPr>
+                          <m:e>
+                            <m:r>
+                              <m:rPr>
+                                <m:sty m:val="p"/>
+                              </m:rPr>
+                              <a:rPr lang="en-US" b="0" i="0" smtClean="0">
+                                <a:latin typeface="Cambria Math" panose="02040503050406030204" pitchFamily="18" charset="0"/>
+                              </a:rPr>
+                              <m:t>Δ</m:t>
+                            </m:r>
+                          </m:e>
+                          <m:sub>
+                            <m:r>
+                              <a:rPr lang="en-US" b="0" i="1" smtClean="0">
+                                <a:latin typeface="Cambria Math" panose="02040503050406030204" pitchFamily="18" charset="0"/>
+                              </a:rPr>
+                              <m:t>0</m:t>
+                            </m:r>
+                          </m:sub>
+                        </m:sSub>
+                        <m:rad>
+                          <m:radPr>
+                            <m:degHide m:val="on"/>
+                            <m:ctrlPr>
+                              <a:rPr lang="en-US" b="0" i="1" smtClean="0">
+                                <a:latin typeface="Cambria Math" panose="02040503050406030204" pitchFamily="18" charset="0"/>
+                              </a:rPr>
+                            </m:ctrlPr>
+                          </m:radPr>
+                          <m:deg/>
+                          <m:e>
+                            <m:r>
+                              <a:rPr lang="en-US" b="0" i="1" smtClean="0">
+                                <a:latin typeface="Cambria Math" panose="02040503050406030204" pitchFamily="18" charset="0"/>
+                              </a:rPr>
+                              <m:t>𝜋</m:t>
+                            </m:r>
+                          </m:e>
+                        </m:rad>
+                      </m:den>
+                    </m:f>
+                    <m:r>
+                      <a:rPr lang="en-US" b="0" i="1" smtClean="0">
+                        <a:latin typeface="Cambria Math" panose="02040503050406030204" pitchFamily="18" charset="0"/>
+                      </a:rPr>
+                      <m:t>⋅</m:t>
+                    </m:r>
+                    <m:nary>
+                      <m:naryPr>
+                        <m:limLoc m:val="undOvr"/>
+                        <m:ctrlPr>
+                          <a:rPr lang="en-US" b="0" i="1" smtClean="0">
+                            <a:latin typeface="Cambria Math" panose="02040503050406030204" pitchFamily="18" charset="0"/>
+                          </a:rPr>
+                        </m:ctrlPr>
+                      </m:naryPr>
+                      <m:sub>
+                        <m:r>
+                          <m:rPr>
+                            <m:brk m:alnAt="24"/>
+                          </m:rPr>
+                          <a:rPr lang="en-US" b="0" i="1" smtClean="0">
+                            <a:latin typeface="Cambria Math" panose="02040503050406030204" pitchFamily="18" charset="0"/>
+                          </a:rPr>
+                          <m:t>−</m:t>
+                        </m:r>
+                        <m:r>
+                          <a:rPr lang="en-US" b="0" i="1" smtClean="0">
+                            <a:latin typeface="Cambria Math" panose="02040503050406030204" pitchFamily="18" charset="0"/>
+                          </a:rPr>
+                          <m:t>∞</m:t>
+                        </m:r>
+                      </m:sub>
+                      <m:sup>
+                        <m:r>
+                          <a:rPr lang="en-US" b="0" i="1" smtClean="0">
+                            <a:latin typeface="Cambria Math" panose="02040503050406030204" pitchFamily="18" charset="0"/>
+                          </a:rPr>
+                          <m:t>+∞</m:t>
+                        </m:r>
+                      </m:sup>
+                      <m:e>
+                        <m:d>
+                          <m:dPr>
+                            <m:begChr m:val="|"/>
+                            <m:endChr m:val="|"/>
+                            <m:ctrlPr>
+                              <a:rPr lang="en-US" i="1">
+                                <a:latin typeface="Cambria Math" panose="02040503050406030204" pitchFamily="18" charset="0"/>
+                              </a:rPr>
+                            </m:ctrlPr>
+                          </m:dPr>
+                          <m:e>
+                            <m:r>
+                              <m:rPr>
+                                <m:sty m:val="p"/>
+                              </m:rPr>
+                              <a:rPr lang="en-US">
+                                <a:latin typeface="Cambria Math" panose="02040503050406030204" pitchFamily="18" charset="0"/>
+                              </a:rPr>
+                              <m:t>Δ</m:t>
+                            </m:r>
+                          </m:e>
+                        </m:d>
+                        <m:r>
+                          <a:rPr lang="en-US" i="1">
+                            <a:latin typeface="Cambria Math" panose="02040503050406030204" pitchFamily="18" charset="0"/>
+                          </a:rPr>
+                          <m:t>⋅</m:t>
+                        </m:r>
+                        <m:func>
+                          <m:funcPr>
+                            <m:ctrlPr>
+                              <a:rPr lang="en-US" i="1">
+                                <a:latin typeface="Cambria Math" panose="02040503050406030204" pitchFamily="18" charset="0"/>
+                              </a:rPr>
+                            </m:ctrlPr>
+                          </m:funcPr>
+                          <m:fName>
+                            <m:r>
+                              <m:rPr>
+                                <m:sty m:val="p"/>
+                              </m:rPr>
+                              <a:rPr lang="en-US">
+                                <a:latin typeface="Cambria Math" panose="02040503050406030204" pitchFamily="18" charset="0"/>
+                              </a:rPr>
+                              <m:t>exp</m:t>
+                            </m:r>
+                          </m:fName>
+                          <m:e>
+                            <m:r>
+                              <a:rPr lang="en-US" i="1">
+                                <a:latin typeface="Cambria Math" panose="02040503050406030204" pitchFamily="18" charset="0"/>
+                              </a:rPr>
+                              <m:t>−</m:t>
+                            </m:r>
+                            <m:sSup>
+                              <m:sSupPr>
+                                <m:ctrlPr>
+                                  <a:rPr lang="en-US" i="1">
+                                    <a:latin typeface="Cambria Math" panose="02040503050406030204" pitchFamily="18" charset="0"/>
+                                  </a:rPr>
+                                </m:ctrlPr>
+                              </m:sSupPr>
+                              <m:e>
+                                <m:d>
+                                  <m:dPr>
+                                    <m:ctrlPr>
+                                      <a:rPr lang="en-US" i="1">
+                                        <a:latin typeface="Cambria Math" panose="02040503050406030204" pitchFamily="18" charset="0"/>
+                                      </a:rPr>
+                                    </m:ctrlPr>
+                                  </m:dPr>
+                                  <m:e>
+                                    <m:f>
+                                      <m:fPr>
+                                        <m:ctrlPr>
+                                          <a:rPr lang="en-US" i="1">
+                                            <a:latin typeface="Cambria Math" panose="02040503050406030204" pitchFamily="18" charset="0"/>
+                                          </a:rPr>
+                                        </m:ctrlPr>
+                                      </m:fPr>
+                                      <m:num>
+                                        <m:r>
+                                          <m:rPr>
+                                            <m:sty m:val="p"/>
+                                          </m:rPr>
+                                          <a:rPr lang="en-US">
+                                            <a:latin typeface="Cambria Math" panose="02040503050406030204" pitchFamily="18" charset="0"/>
+                                          </a:rPr>
+                                          <m:t>Δ</m:t>
+                                        </m:r>
+                                      </m:num>
+                                      <m:den>
+                                        <m:sSub>
+                                          <m:sSubPr>
+                                            <m:ctrlPr>
+                                              <a:rPr lang="en-US" i="1">
+                                                <a:latin typeface="Cambria Math" panose="02040503050406030204" pitchFamily="18" charset="0"/>
+                                              </a:rPr>
+                                            </m:ctrlPr>
+                                          </m:sSubPr>
+                                          <m:e>
+                                            <m:r>
+                                              <m:rPr>
+                                                <m:sty m:val="p"/>
+                                              </m:rPr>
+                                              <a:rPr lang="en-US">
+                                                <a:latin typeface="Cambria Math" panose="02040503050406030204" pitchFamily="18" charset="0"/>
+                                              </a:rPr>
+                                              <m:t>Δ</m:t>
+                                            </m:r>
+                                          </m:e>
+                                          <m:sub>
+                                            <m:r>
+                                              <a:rPr lang="en-US" i="1">
+                                                <a:latin typeface="Cambria Math" panose="02040503050406030204" pitchFamily="18" charset="0"/>
+                                              </a:rPr>
+                                              <m:t>0</m:t>
+                                            </m:r>
+                                          </m:sub>
+                                        </m:sSub>
+                                      </m:den>
+                                    </m:f>
+                                  </m:e>
+                                </m:d>
+                              </m:e>
+                              <m:sup>
+                                <m:r>
+                                  <a:rPr lang="en-US" i="1">
+                                    <a:latin typeface="Cambria Math" panose="02040503050406030204" pitchFamily="18" charset="0"/>
+                                  </a:rPr>
+                                  <m:t>2</m:t>
+                                </m:r>
+                              </m:sup>
+                            </m:sSup>
+                          </m:e>
+                        </m:func>
+                        <m:r>
+                          <a:rPr lang="en-US" i="1">
+                            <a:latin typeface="Cambria Math" panose="02040503050406030204" pitchFamily="18" charset="0"/>
+                          </a:rPr>
+                          <m:t>⋅</m:t>
+                        </m:r>
+                        <m:r>
+                          <a:rPr lang="en-US" i="1">
+                            <a:latin typeface="Cambria Math" panose="02040503050406030204" pitchFamily="18" charset="0"/>
+                          </a:rPr>
+                          <m:t>𝑑</m:t>
+                        </m:r>
+                        <m:r>
+                          <m:rPr>
+                            <m:sty m:val="p"/>
+                          </m:rPr>
+                          <a:rPr lang="en-US">
+                            <a:latin typeface="Cambria Math" panose="02040503050406030204" pitchFamily="18" charset="0"/>
+                          </a:rPr>
+                          <m:t>Δ</m:t>
+                        </m:r>
+                      </m:e>
+                    </m:nary>
+                    <m:r>
+                      <a:rPr lang="en-US" b="0" i="1" smtClean="0">
+                        <a:latin typeface="Cambria Math" panose="02040503050406030204" pitchFamily="18" charset="0"/>
+                      </a:rPr>
+                      <m:t>=</m:t>
+                    </m:r>
+                    <m:f>
+                      <m:fPr>
+                        <m:ctrlPr>
+                          <a:rPr lang="en-US" b="0" i="1" smtClean="0">
+                            <a:latin typeface="Cambria Math" panose="02040503050406030204" pitchFamily="18" charset="0"/>
+                          </a:rPr>
+                        </m:ctrlPr>
+                      </m:fPr>
+                      <m:num>
+                        <m:sSub>
+                          <m:sSubPr>
+                            <m:ctrlPr>
+                              <a:rPr lang="en-US" b="0" i="1" smtClean="0">
+                                <a:latin typeface="Cambria Math" panose="02040503050406030204" pitchFamily="18" charset="0"/>
+                              </a:rPr>
+                            </m:ctrlPr>
+                          </m:sSubPr>
+                          <m:e>
+                            <m:r>
+                              <m:rPr>
+                                <m:sty m:val="p"/>
+                              </m:rPr>
+                              <a:rPr lang="en-US" b="0" i="0" smtClean="0">
+                                <a:latin typeface="Cambria Math" panose="02040503050406030204" pitchFamily="18" charset="0"/>
+                              </a:rPr>
+                              <m:t>Δ</m:t>
+                            </m:r>
+                          </m:e>
+                          <m:sub>
+                            <m:r>
+                              <a:rPr lang="en-US" b="0" i="1" smtClean="0">
+                                <a:latin typeface="Cambria Math" panose="02040503050406030204" pitchFamily="18" charset="0"/>
+                              </a:rPr>
+                              <m:t>0</m:t>
+                            </m:r>
+                          </m:sub>
+                        </m:sSub>
+                      </m:num>
+                      <m:den>
+                        <m:rad>
+                          <m:radPr>
+                            <m:degHide m:val="on"/>
+                            <m:ctrlPr>
+                              <a:rPr lang="en-US" b="0" i="1" smtClean="0">
+                                <a:latin typeface="Cambria Math" panose="02040503050406030204" pitchFamily="18" charset="0"/>
+                              </a:rPr>
+                            </m:ctrlPr>
+                          </m:radPr>
+                          <m:deg/>
+                          <m:e>
+                            <m:r>
+                              <a:rPr lang="en-US" b="0" i="1" smtClean="0">
+                                <a:latin typeface="Cambria Math" panose="02040503050406030204" pitchFamily="18" charset="0"/>
+                              </a:rPr>
+                              <m:t>𝜋</m:t>
+                            </m:r>
+                          </m:e>
+                        </m:rad>
+                      </m:den>
+                    </m:f>
+                    <m:r>
+                      <a:rPr lang="en-US" b="0" i="1" smtClean="0">
+                        <a:latin typeface="Cambria Math" panose="02040503050406030204" pitchFamily="18" charset="0"/>
+                      </a:rPr>
+                      <m:t>=</m:t>
+                    </m:r>
+                    <m:r>
+                      <a:rPr lang="en-US" b="0" i="1" smtClean="0">
+                        <a:latin typeface="Cambria Math" panose="02040503050406030204" pitchFamily="18" charset="0"/>
+                      </a:rPr>
+                      <m:t>𝜎</m:t>
+                    </m:r>
+                    <m:rad>
+                      <m:radPr>
+                        <m:degHide m:val="on"/>
+                        <m:ctrlPr>
+                          <a:rPr lang="en-US" b="0" i="1" smtClean="0">
+                            <a:latin typeface="Cambria Math" panose="02040503050406030204" pitchFamily="18" charset="0"/>
+                          </a:rPr>
+                        </m:ctrlPr>
+                      </m:radPr>
+                      <m:deg/>
+                      <m:e>
+                        <m:r>
+                          <a:rPr lang="en-US" b="0" i="1" smtClean="0">
+                            <a:latin typeface="Cambria Math" panose="02040503050406030204" pitchFamily="18" charset="0"/>
+                          </a:rPr>
+                          <m:t>2/</m:t>
+                        </m:r>
+                        <m:r>
+                          <a:rPr lang="en-US" b="0" i="1" smtClean="0">
+                            <a:latin typeface="Cambria Math" panose="02040503050406030204" pitchFamily="18" charset="0"/>
+                          </a:rPr>
+                          <m:t>𝜋</m:t>
+                        </m:r>
+                      </m:e>
+                    </m:rad>
+                  </m:oMath>
+                </a14:m>
+                <a:r>
+                  <a:rPr lang="en-US" dirty="0"/>
+                  <a:t> </a:t>
+                </a:r>
+              </a:p>
+              <a:p>
+                <a:pPr marL="512763" lvl="2" indent="-285750">
+                  <a:buFont typeface="Arial" panose="020B0604020202020204" pitchFamily="34" charset="0"/>
+                  <a:buChar char="•"/>
+                </a:pPr>
+                <a:r>
+                  <a:rPr lang="en-US" dirty="0"/>
+                  <a:t>Including the offset strain </a:t>
+                </a:r>
+                <a14:m>
+                  <m:oMath xmlns:m="http://schemas.openxmlformats.org/officeDocument/2006/math">
+                    <m:sSub>
+                      <m:sSubPr>
+                        <m:ctrlPr>
+                          <a:rPr lang="en-US" b="0" i="1" smtClean="0">
+                            <a:latin typeface="Cambria Math" panose="02040503050406030204" pitchFamily="18" charset="0"/>
+                          </a:rPr>
+                        </m:ctrlPr>
+                      </m:sSubPr>
+                      <m:e>
+                        <m:r>
+                          <a:rPr lang="en-US" b="0" i="1" smtClean="0">
+                            <a:latin typeface="Cambria Math" panose="02040503050406030204" pitchFamily="18" charset="0"/>
+                          </a:rPr>
+                          <m:t>𝑒</m:t>
+                        </m:r>
+                      </m:e>
+                      <m:sub>
+                        <m:r>
+                          <a:rPr lang="en-US" b="0" i="1" smtClean="0">
+                            <a:latin typeface="Cambria Math" panose="02040503050406030204" pitchFamily="18" charset="0"/>
+                          </a:rPr>
+                          <m:t>𝑎</m:t>
+                        </m:r>
+                      </m:sub>
+                    </m:sSub>
+                    <m:r>
+                      <a:rPr lang="en-US" b="0" i="1" smtClean="0">
+                        <a:latin typeface="Cambria Math" panose="02040503050406030204" pitchFamily="18" charset="0"/>
+                      </a:rPr>
+                      <m:t>=</m:t>
+                    </m:r>
+                    <m:sSub>
+                      <m:sSubPr>
+                        <m:ctrlPr>
+                          <a:rPr lang="en-US" b="0" i="1" smtClean="0">
+                            <a:latin typeface="Cambria Math" panose="02040503050406030204" pitchFamily="18" charset="0"/>
+                          </a:rPr>
+                        </m:ctrlPr>
+                      </m:sSubPr>
+                      <m:e>
+                        <m:r>
+                          <m:rPr>
+                            <m:sty m:val="p"/>
+                          </m:rPr>
+                          <a:rPr lang="en-US" b="0" i="0" smtClean="0">
+                            <a:latin typeface="Cambria Math" panose="02040503050406030204" pitchFamily="18" charset="0"/>
+                          </a:rPr>
+                          <m:t>Δ</m:t>
+                        </m:r>
+                      </m:e>
+                      <m:sub>
+                        <m:r>
+                          <a:rPr lang="en-US" b="0" i="1" smtClean="0">
+                            <a:latin typeface="Cambria Math" panose="02040503050406030204" pitchFamily="18" charset="0"/>
+                          </a:rPr>
+                          <m:t>𝑎</m:t>
+                        </m:r>
+                      </m:sub>
+                    </m:sSub>
+                    <m:r>
+                      <a:rPr lang="en-US" b="0" i="1" smtClean="0">
+                        <a:latin typeface="Cambria Math" panose="02040503050406030204" pitchFamily="18" charset="0"/>
+                      </a:rPr>
+                      <m:t>/</m:t>
+                    </m:r>
+                    <m:sSub>
+                      <m:sSubPr>
+                        <m:ctrlPr>
+                          <a:rPr lang="en-US" b="0" i="1" smtClean="0">
+                            <a:latin typeface="Cambria Math" panose="02040503050406030204" pitchFamily="18" charset="0"/>
+                          </a:rPr>
+                        </m:ctrlPr>
+                      </m:sSubPr>
+                      <m:e>
+                        <m:r>
+                          <m:rPr>
+                            <m:sty m:val="p"/>
+                          </m:rPr>
+                          <a:rPr lang="en-US" b="0" i="0" smtClean="0">
+                            <a:latin typeface="Cambria Math" panose="02040503050406030204" pitchFamily="18" charset="0"/>
+                          </a:rPr>
+                          <m:t>Δ</m:t>
+                        </m:r>
+                      </m:e>
+                      <m:sub>
+                        <m:r>
+                          <a:rPr lang="en-US" b="0" i="1" smtClean="0">
+                            <a:latin typeface="Cambria Math" panose="02040503050406030204" pitchFamily="18" charset="0"/>
+                          </a:rPr>
+                          <m:t>0</m:t>
+                        </m:r>
+                      </m:sub>
+                    </m:sSub>
+                  </m:oMath>
+                </a14:m>
+                <a:r>
+                  <a:rPr lang="en-US" dirty="0"/>
+                  <a:t> due to asymmetric strain distribution does not significantly change the result as </a:t>
+                </a:r>
+                <a14:m>
+                  <m:oMath xmlns:m="http://schemas.openxmlformats.org/officeDocument/2006/math">
+                    <m:sSub>
+                      <m:sSubPr>
+                        <m:ctrlPr>
+                          <a:rPr lang="en-US" b="0" i="1" smtClean="0">
+                            <a:latin typeface="Cambria Math" panose="02040503050406030204" pitchFamily="18" charset="0"/>
+                          </a:rPr>
+                        </m:ctrlPr>
+                      </m:sSubPr>
+                      <m:e>
+                        <m:r>
+                          <a:rPr lang="en-US" b="0" i="1" smtClean="0">
+                            <a:latin typeface="Cambria Math" panose="02040503050406030204" pitchFamily="18" charset="0"/>
+                          </a:rPr>
+                          <m:t>𝑒</m:t>
+                        </m:r>
+                      </m:e>
+                      <m:sub>
+                        <m:r>
+                          <a:rPr lang="en-US" b="0" i="1" smtClean="0">
+                            <a:latin typeface="Cambria Math" panose="02040503050406030204" pitchFamily="18" charset="0"/>
+                          </a:rPr>
+                          <m:t>𝑎</m:t>
+                        </m:r>
+                      </m:sub>
+                    </m:sSub>
+                    <m:r>
+                      <a:rPr lang="en-US" b="0" i="1" smtClean="0">
+                        <a:latin typeface="Cambria Math" panose="02040503050406030204" pitchFamily="18" charset="0"/>
+                      </a:rPr>
+                      <m:t>~1</m:t>
+                    </m:r>
+                    <m:sSup>
+                      <m:sSupPr>
+                        <m:ctrlPr>
+                          <a:rPr lang="en-US" b="0" i="1" smtClean="0">
+                            <a:latin typeface="Cambria Math" panose="02040503050406030204" pitchFamily="18" charset="0"/>
+                          </a:rPr>
+                        </m:ctrlPr>
+                      </m:sSupPr>
+                      <m:e>
+                        <m:r>
+                          <a:rPr lang="en-US" b="0" i="1" smtClean="0">
+                            <a:latin typeface="Cambria Math" panose="02040503050406030204" pitchFamily="18" charset="0"/>
+                          </a:rPr>
+                          <m:t>⋅</m:t>
+                        </m:r>
+                        <m:r>
+                          <a:rPr lang="en-US" b="0" i="1" smtClean="0">
+                            <a:latin typeface="Cambria Math" panose="02040503050406030204" pitchFamily="18" charset="0"/>
+                          </a:rPr>
+                          <m:t>𝑒</m:t>
+                        </m:r>
+                      </m:e>
+                      <m:sup>
+                        <m:r>
+                          <a:rPr lang="en-US" b="0" i="1" smtClean="0">
+                            <a:latin typeface="Cambria Math" panose="02040503050406030204" pitchFamily="18" charset="0"/>
+                          </a:rPr>
+                          <m:t>−2</m:t>
+                        </m:r>
+                      </m:sup>
+                    </m:sSup>
+                    <m:r>
+                      <a:rPr lang="en-US" b="0" i="1" smtClean="0">
+                        <a:latin typeface="Cambria Math" panose="02040503050406030204" pitchFamily="18" charset="0"/>
+                      </a:rPr>
+                      <m:t>≪1</m:t>
+                    </m:r>
+                  </m:oMath>
+                </a14:m>
+                <a:r>
+                  <a:rPr lang="en-US" dirty="0"/>
+                  <a:t>: </a:t>
+                </a:r>
+                <a14:m>
+                  <m:oMath xmlns:m="http://schemas.openxmlformats.org/officeDocument/2006/math">
+                    <m:r>
+                      <a:rPr lang="en-US" b="0" i="1" smtClean="0">
+                        <a:latin typeface="Cambria Math" panose="02040503050406030204" pitchFamily="18" charset="0"/>
+                      </a:rPr>
+                      <m:t>𝜇</m:t>
+                    </m:r>
+                    <m:r>
+                      <a:rPr lang="en-US" b="0" i="1" smtClean="0">
+                        <a:latin typeface="Cambria Math" panose="02040503050406030204" pitchFamily="18" charset="0"/>
+                      </a:rPr>
+                      <m:t>=</m:t>
+                    </m:r>
+                    <m:sSub>
+                      <m:sSubPr>
+                        <m:ctrlPr>
+                          <a:rPr lang="en-US" b="0" i="1" smtClean="0">
+                            <a:latin typeface="Cambria Math" panose="02040503050406030204" pitchFamily="18" charset="0"/>
+                          </a:rPr>
+                        </m:ctrlPr>
+                      </m:sSubPr>
+                      <m:e>
+                        <m:r>
+                          <m:rPr>
+                            <m:sty m:val="p"/>
+                          </m:rPr>
+                          <a:rPr lang="en-US" b="0" i="0" smtClean="0">
+                            <a:latin typeface="Cambria Math" panose="02040503050406030204" pitchFamily="18" charset="0"/>
+                          </a:rPr>
+                          <m:t>Δ</m:t>
+                        </m:r>
+                      </m:e>
+                      <m:sub>
+                        <m:r>
+                          <a:rPr lang="en-US" b="0" i="1" smtClean="0">
+                            <a:latin typeface="Cambria Math" panose="02040503050406030204" pitchFamily="18" charset="0"/>
+                          </a:rPr>
+                          <m:t>0</m:t>
+                        </m:r>
+                      </m:sub>
+                    </m:sSub>
+                    <m:r>
+                      <a:rPr lang="en-US" b="0" i="1" smtClean="0">
+                        <a:latin typeface="Cambria Math" panose="02040503050406030204" pitchFamily="18" charset="0"/>
+                      </a:rPr>
+                      <m:t>⋅</m:t>
+                    </m:r>
+                    <m:d>
+                      <m:dPr>
+                        <m:ctrlPr>
+                          <a:rPr lang="en-US" b="0" i="1" smtClean="0">
+                            <a:latin typeface="Cambria Math" panose="02040503050406030204" pitchFamily="18" charset="0"/>
+                          </a:rPr>
+                        </m:ctrlPr>
+                      </m:dPr>
+                      <m:e>
+                        <m:f>
+                          <m:fPr>
+                            <m:ctrlPr>
+                              <a:rPr lang="en-US" b="0" i="1" smtClean="0">
+                                <a:latin typeface="Cambria Math" panose="02040503050406030204" pitchFamily="18" charset="0"/>
+                              </a:rPr>
+                            </m:ctrlPr>
+                          </m:fPr>
+                          <m:num>
+                            <m:r>
+                              <a:rPr lang="en-US" b="0" i="1" smtClean="0">
+                                <a:latin typeface="Cambria Math" panose="02040503050406030204" pitchFamily="18" charset="0"/>
+                              </a:rPr>
+                              <m:t>2−</m:t>
+                            </m:r>
+                            <m:sSup>
+                              <m:sSupPr>
+                                <m:ctrlPr>
+                                  <a:rPr lang="en-US" b="0" i="1" smtClean="0">
+                                    <a:latin typeface="Cambria Math" panose="02040503050406030204" pitchFamily="18" charset="0"/>
+                                  </a:rPr>
+                                </m:ctrlPr>
+                              </m:sSupPr>
+                              <m:e>
+                                <m:r>
+                                  <a:rPr lang="en-US" b="0" i="1" smtClean="0">
+                                    <a:latin typeface="Cambria Math" panose="02040503050406030204" pitchFamily="18" charset="0"/>
+                                  </a:rPr>
+                                  <m:t>𝑒</m:t>
+                                </m:r>
+                              </m:e>
+                              <m:sup>
+                                <m:r>
+                                  <a:rPr lang="en-US" b="0" i="1" smtClean="0">
+                                    <a:latin typeface="Cambria Math" panose="02040503050406030204" pitchFamily="18" charset="0"/>
+                                  </a:rPr>
+                                  <m:t>−</m:t>
+                                </m:r>
+                                <m:sSubSup>
+                                  <m:sSubSupPr>
+                                    <m:ctrlPr>
+                                      <a:rPr lang="en-US" b="0" i="1" smtClean="0">
+                                        <a:latin typeface="Cambria Math" panose="02040503050406030204" pitchFamily="18" charset="0"/>
+                                      </a:rPr>
+                                    </m:ctrlPr>
+                                  </m:sSubSupPr>
+                                  <m:e>
+                                    <m:r>
+                                      <a:rPr lang="en-US" b="0" i="1" smtClean="0">
+                                        <a:latin typeface="Cambria Math" panose="02040503050406030204" pitchFamily="18" charset="0"/>
+                                      </a:rPr>
+                                      <m:t>𝑒</m:t>
+                                    </m:r>
+                                  </m:e>
+                                  <m:sub>
+                                    <m:r>
+                                      <a:rPr lang="en-US" b="0" i="1" smtClean="0">
+                                        <a:latin typeface="Cambria Math" panose="02040503050406030204" pitchFamily="18" charset="0"/>
+                                      </a:rPr>
+                                      <m:t>𝑎</m:t>
+                                    </m:r>
+                                  </m:sub>
+                                  <m:sup>
+                                    <m:r>
+                                      <a:rPr lang="en-US" b="0" i="1" smtClean="0">
+                                        <a:latin typeface="Cambria Math" panose="02040503050406030204" pitchFamily="18" charset="0"/>
+                                      </a:rPr>
+                                      <m:t>2</m:t>
+                                    </m:r>
+                                  </m:sup>
+                                </m:sSubSup>
+                              </m:sup>
+                            </m:sSup>
+                          </m:num>
+                          <m:den>
+                            <m:rad>
+                              <m:radPr>
+                                <m:degHide m:val="on"/>
+                                <m:ctrlPr>
+                                  <a:rPr lang="en-US" b="0" i="1" smtClean="0">
+                                    <a:latin typeface="Cambria Math" panose="02040503050406030204" pitchFamily="18" charset="0"/>
+                                  </a:rPr>
+                                </m:ctrlPr>
+                              </m:radPr>
+                              <m:deg/>
+                              <m:e>
+                                <m:r>
+                                  <a:rPr lang="en-US" b="0" i="1" smtClean="0">
+                                    <a:latin typeface="Cambria Math" panose="02040503050406030204" pitchFamily="18" charset="0"/>
+                                  </a:rPr>
+                                  <m:t>𝜋</m:t>
+                                </m:r>
+                              </m:e>
+                            </m:rad>
+                          </m:den>
+                        </m:f>
+                        <m:r>
+                          <a:rPr lang="en-US" b="0" i="1" smtClean="0">
+                            <a:latin typeface="Cambria Math" panose="02040503050406030204" pitchFamily="18" charset="0"/>
+                          </a:rPr>
+                          <m:t>+2</m:t>
+                        </m:r>
+                        <m:sSub>
+                          <m:sSubPr>
+                            <m:ctrlPr>
+                              <a:rPr lang="en-US" b="0" i="1" smtClean="0">
+                                <a:latin typeface="Cambria Math" panose="02040503050406030204" pitchFamily="18" charset="0"/>
+                              </a:rPr>
+                            </m:ctrlPr>
+                          </m:sSubPr>
+                          <m:e>
+                            <m:r>
+                              <a:rPr lang="en-US" b="0" i="1" smtClean="0">
+                                <a:latin typeface="Cambria Math" panose="02040503050406030204" pitchFamily="18" charset="0"/>
+                              </a:rPr>
+                              <m:t>𝑒</m:t>
+                            </m:r>
+                          </m:e>
+                          <m:sub>
+                            <m:r>
+                              <a:rPr lang="en-US" b="0" i="1" smtClean="0">
+                                <a:latin typeface="Cambria Math" panose="02040503050406030204" pitchFamily="18" charset="0"/>
+                              </a:rPr>
+                              <m:t>𝑎</m:t>
+                            </m:r>
+                          </m:sub>
+                        </m:sSub>
+                        <m:r>
+                          <a:rPr lang="en-US" b="0" i="1" smtClean="0">
+                            <a:latin typeface="Cambria Math" panose="02040503050406030204" pitchFamily="18" charset="0"/>
+                          </a:rPr>
+                          <m:t>⋅</m:t>
+                        </m:r>
+                        <m:rad>
+                          <m:radPr>
+                            <m:degHide m:val="on"/>
+                            <m:ctrlPr>
+                              <a:rPr lang="en-US" b="0" i="1" smtClean="0">
+                                <a:latin typeface="Cambria Math" panose="02040503050406030204" pitchFamily="18" charset="0"/>
+                              </a:rPr>
+                            </m:ctrlPr>
+                          </m:radPr>
+                          <m:deg/>
+                          <m:e>
+                            <m:r>
+                              <a:rPr lang="en-US" b="0" i="1" smtClean="0">
+                                <a:latin typeface="Cambria Math" panose="02040503050406030204" pitchFamily="18" charset="0"/>
+                              </a:rPr>
+                              <m:t>1</m:t>
+                            </m:r>
+                            <m:r>
+                              <a:rPr lang="en-US" i="1">
+                                <a:latin typeface="Cambria Math" panose="02040503050406030204" pitchFamily="18" charset="0"/>
+                              </a:rPr>
+                              <m:t>−</m:t>
+                            </m:r>
+                            <m:sSup>
+                              <m:sSupPr>
+                                <m:ctrlPr>
+                                  <a:rPr lang="en-US" i="1">
+                                    <a:latin typeface="Cambria Math" panose="02040503050406030204" pitchFamily="18" charset="0"/>
+                                  </a:rPr>
+                                </m:ctrlPr>
+                              </m:sSupPr>
+                              <m:e>
+                                <m:r>
+                                  <a:rPr lang="en-US" i="1">
+                                    <a:latin typeface="Cambria Math" panose="02040503050406030204" pitchFamily="18" charset="0"/>
+                                  </a:rPr>
+                                  <m:t>𝑒</m:t>
+                                </m:r>
+                              </m:e>
+                              <m:sup>
+                                <m:r>
+                                  <a:rPr lang="en-US" i="1">
+                                    <a:latin typeface="Cambria Math" panose="02040503050406030204" pitchFamily="18" charset="0"/>
+                                  </a:rPr>
+                                  <m:t>−</m:t>
+                                </m:r>
+                                <m:sSubSup>
+                                  <m:sSubSupPr>
+                                    <m:ctrlPr>
+                                      <a:rPr lang="en-US" i="1">
+                                        <a:latin typeface="Cambria Math" panose="02040503050406030204" pitchFamily="18" charset="0"/>
+                                      </a:rPr>
+                                    </m:ctrlPr>
+                                  </m:sSubSupPr>
+                                  <m:e>
+                                    <m:r>
+                                      <a:rPr lang="en-US" i="1">
+                                        <a:latin typeface="Cambria Math" panose="02040503050406030204" pitchFamily="18" charset="0"/>
+                                      </a:rPr>
+                                      <m:t>𝑒</m:t>
+                                    </m:r>
+                                  </m:e>
+                                  <m:sub>
+                                    <m:r>
+                                      <a:rPr lang="en-US" i="1">
+                                        <a:latin typeface="Cambria Math" panose="02040503050406030204" pitchFamily="18" charset="0"/>
+                                      </a:rPr>
+                                      <m:t>𝑎</m:t>
+                                    </m:r>
+                                  </m:sub>
+                                  <m:sup>
+                                    <m:r>
+                                      <a:rPr lang="en-US" i="1">
+                                        <a:latin typeface="Cambria Math" panose="02040503050406030204" pitchFamily="18" charset="0"/>
+                                      </a:rPr>
+                                      <m:t>2</m:t>
+                                    </m:r>
+                                  </m:sup>
+                                </m:sSubSup>
+                              </m:sup>
+                            </m:sSup>
+                          </m:e>
+                        </m:rad>
+                      </m:e>
+                    </m:d>
+                    <m:r>
+                      <a:rPr lang="en-US" b="0" i="1" smtClean="0">
+                        <a:latin typeface="Cambria Math" panose="02040503050406030204" pitchFamily="18" charset="0"/>
+                      </a:rPr>
+                      <m:t>≈</m:t>
+                    </m:r>
+                  </m:oMath>
+                </a14:m>
+                <a:r>
+                  <a:rPr lang="en-US" dirty="0"/>
+                  <a:t> </a:t>
+                </a:r>
+                <a14:m>
+                  <m:oMath xmlns:m="http://schemas.openxmlformats.org/officeDocument/2006/math">
+                    <m:f>
+                      <m:fPr>
+                        <m:ctrlPr>
+                          <a:rPr lang="en-US" i="1">
+                            <a:latin typeface="Cambria Math" panose="02040503050406030204" pitchFamily="18" charset="0"/>
+                          </a:rPr>
+                        </m:ctrlPr>
+                      </m:fPr>
+                      <m:num>
+                        <m:sSub>
+                          <m:sSubPr>
+                            <m:ctrlPr>
+                              <a:rPr lang="en-US" i="1">
+                                <a:latin typeface="Cambria Math" panose="02040503050406030204" pitchFamily="18" charset="0"/>
+                              </a:rPr>
+                            </m:ctrlPr>
+                          </m:sSubPr>
+                          <m:e>
+                            <m:r>
+                              <m:rPr>
+                                <m:sty m:val="p"/>
+                              </m:rPr>
+                              <a:rPr lang="en-US">
+                                <a:latin typeface="Cambria Math" panose="02040503050406030204" pitchFamily="18" charset="0"/>
+                              </a:rPr>
+                              <m:t>Δ</m:t>
+                            </m:r>
+                          </m:e>
+                          <m:sub>
+                            <m:r>
+                              <a:rPr lang="en-US" i="1">
+                                <a:latin typeface="Cambria Math" panose="02040503050406030204" pitchFamily="18" charset="0"/>
+                              </a:rPr>
+                              <m:t>0</m:t>
+                            </m:r>
+                          </m:sub>
+                        </m:sSub>
+                      </m:num>
+                      <m:den>
+                        <m:rad>
+                          <m:radPr>
+                            <m:degHide m:val="on"/>
+                            <m:ctrlPr>
+                              <a:rPr lang="en-US" i="1">
+                                <a:latin typeface="Cambria Math" panose="02040503050406030204" pitchFamily="18" charset="0"/>
+                              </a:rPr>
+                            </m:ctrlPr>
+                          </m:radPr>
+                          <m:deg/>
+                          <m:e>
+                            <m:r>
+                              <a:rPr lang="en-US" i="1">
+                                <a:latin typeface="Cambria Math" panose="02040503050406030204" pitchFamily="18" charset="0"/>
+                              </a:rPr>
+                              <m:t>𝜋</m:t>
+                            </m:r>
+                          </m:e>
+                        </m:rad>
+                      </m:den>
+                    </m:f>
+                  </m:oMath>
+                </a14:m>
+                <a:r>
+                  <a:rPr lang="en-US" dirty="0"/>
+                  <a:t> </a:t>
+                </a:r>
+              </a:p>
+              <a:p>
+                <a:pPr marL="285750" indent="-285750">
+                  <a:buFont typeface="Arial" panose="020B0604020202020204" pitchFamily="34" charset="0"/>
+                  <a:buChar char="•"/>
+                </a:pPr>
+                <a:r>
+                  <a:rPr lang="en-US" dirty="0"/>
+                  <a:t>Still need to try to fit the data using these results as of 2019-04-15</a:t>
+                </a:r>
+              </a:p>
+            </p:txBody>
+          </p:sp>
+        </mc:Choice>
+        <mc:Fallback>
+          <p:sp>
+            <p:nvSpPr>
+              <p:cNvPr id="3" name="Content Placeholder 2">
+                <a:extLst>
+                  <a:ext uri="{FF2B5EF4-FFF2-40B4-BE49-F238E27FC236}">
+                    <a16:creationId xmlns:a16="http://schemas.microsoft.com/office/drawing/2014/main" id="{F21EE58B-C709-4064-9199-B6B631641155}"/>
+                  </a:ext>
+                </a:extLst>
+              </p:cNvPr>
+              <p:cNvSpPr>
+                <a:spLocks noGrp="1" noRot="1" noChangeAspect="1" noMove="1" noResize="1" noEditPoints="1" noAdjustHandles="1" noChangeArrowheads="1" noChangeShapeType="1" noTextEdit="1"/>
+              </p:cNvSpPr>
+              <p:nvPr>
+                <p:ph sz="quarter" idx="10"/>
+              </p:nvPr>
+            </p:nvSpPr>
+            <p:spPr>
+              <a:xfrm>
+                <a:off x="955678" y="1211579"/>
+                <a:ext cx="7700963" cy="5394703"/>
+              </a:xfrm>
+              <a:blipFill>
+                <a:blip r:embed="rId2"/>
+                <a:stretch>
+                  <a:fillRect l="-1742" r="-2296"/>
+                </a:stretch>
+              </a:blipFill>
+            </p:spPr>
+            <p:txBody>
+              <a:bodyPr/>
+              <a:lstStyle/>
+              <a:p>
+                <a:r>
+                  <a:rPr lang="en-US">
+                    <a:noFill/>
+                  </a:rPr>
+                  <a:t> </a:t>
+                </a:r>
+              </a:p>
+            </p:txBody>
+          </p:sp>
+        </mc:Fallback>
+      </mc:AlternateContent>
+    </p:spTree>
+    <p:extLst>
+      <p:ext uri="{BB962C8B-B14F-4D97-AF65-F5344CB8AC3E}">
+        <p14:creationId xmlns:p14="http://schemas.microsoft.com/office/powerpoint/2010/main" val="97299663"/>
+      </p:ext>
+    </p:extLst>
+  </p:cSld>
+  <p:clrMapOvr>
+    <a:masterClrMapping/>
+  </p:clrMapOvr>
+  <p:transition spd="slow">
+    <p:fade/>
+  </p:transition>
+</p:sld>
+</file>
+
 <file path=ppt/slides/slide2.xml><?xml version="1.0" encoding="utf-8"?>
 <p:sld xmlns:a="http://schemas.openxmlformats.org/drawingml/2006/main" xmlns:r="http://schemas.openxmlformats.org/officeDocument/2006/relationships" xmlns:p="http://schemas.openxmlformats.org/presentationml/2006/main">
   <p:cSld>
@@ -7786,35 +11639,6 @@
           <a:chExt cx="0" cy="0"/>
         </a:xfrm>
       </p:grpSpPr>
-      <p:pic>
-        <p:nvPicPr>
-          <p:cNvPr id="6" name="Content Placeholder 5">
-            <a:extLst>
-              <a:ext uri="{FF2B5EF4-FFF2-40B4-BE49-F238E27FC236}">
-                <a16:creationId xmlns:a16="http://schemas.microsoft.com/office/drawing/2014/main" id="{23685154-6948-4EC5-9129-0252A5C7CC60}"/>
-              </a:ext>
-            </a:extLst>
-          </p:cNvPr>
-          <p:cNvPicPr>
-            <a:picLocks noGrp="1" noChangeAspect="1"/>
-          </p:cNvPicPr>
-          <p:nvPr>
-            <p:ph sz="quarter" idx="11"/>
-          </p:nvPr>
-        </p:nvPicPr>
-        <p:blipFill>
-          <a:blip r:embed="rId2"/>
-          <a:stretch>
-            <a:fillRect/>
-          </a:stretch>
-        </p:blipFill>
-        <p:spPr>
-          <a:xfrm>
-            <a:off x="4802707" y="361326"/>
-            <a:ext cx="3779838" cy="3149866"/>
-          </a:xfrm>
-        </p:spPr>
-      </p:pic>
       <p:sp>
         <p:nvSpPr>
           <p:cNvPr id="2" name="Title 1">
@@ -7861,12 +11685,7 @@
                 <p:ph sz="quarter" idx="10"/>
               </p:nvPr>
             </p:nvSpPr>
-            <p:spPr>
-              <a:xfrm>
-                <a:off x="949328" y="1211580"/>
-                <a:ext cx="3787775" cy="5012056"/>
-              </a:xfrm>
-            </p:spPr>
+            <p:spPr/>
             <p:txBody>
               <a:bodyPr>
                 <a:normAutofit/>
@@ -7983,6 +11802,35 @@
       </mc:AlternateContent>
       <p:pic>
         <p:nvPicPr>
+          <p:cNvPr id="6" name="Content Placeholder 5">
+            <a:extLst>
+              <a:ext uri="{FF2B5EF4-FFF2-40B4-BE49-F238E27FC236}">
+                <a16:creationId xmlns:a16="http://schemas.microsoft.com/office/drawing/2014/main" id="{23685154-6948-4EC5-9129-0252A5C7CC60}"/>
+              </a:ext>
+            </a:extLst>
+          </p:cNvPr>
+          <p:cNvPicPr>
+            <a:picLocks noGrp="1" noChangeAspect="1"/>
+          </p:cNvPicPr>
+          <p:nvPr>
+            <p:ph sz="quarter" idx="11"/>
+          </p:nvPr>
+        </p:nvPicPr>
+        <p:blipFill>
+          <a:blip r:embed="rId4"/>
+          <a:stretch>
+            <a:fillRect/>
+          </a:stretch>
+        </p:blipFill>
+        <p:spPr>
+          <a:xfrm>
+            <a:off x="4802707" y="361326"/>
+            <a:ext cx="3779838" cy="3149866"/>
+          </a:xfrm>
+        </p:spPr>
+      </p:pic>
+      <p:pic>
+        <p:nvPicPr>
           <p:cNvPr id="7" name="Content Placeholder 6">
             <a:extLst>
               <a:ext uri="{FF2B5EF4-FFF2-40B4-BE49-F238E27FC236}">
@@ -7998,15 +11846,15 @@
           </p:nvPr>
         </p:nvPicPr>
         <p:blipFill>
-          <a:blip r:embed="rId4"/>
+          <a:blip r:embed="rId5"/>
           <a:stretch>
             <a:fillRect/>
           </a:stretch>
         </p:blipFill>
         <p:spPr>
           <a:xfrm>
-            <a:off x="4916845" y="3579025"/>
-            <a:ext cx="3739793" cy="3116494"/>
+            <a:off x="5302727" y="3783013"/>
+            <a:ext cx="2927984" cy="2439987"/>
           </a:xfrm>
         </p:spPr>
       </p:pic>
@@ -8025,7 +11873,7 @@
           <p:nvPr/>
         </p:nvPicPr>
         <p:blipFill>
-          <a:blip r:embed="rId5"/>
+          <a:blip r:embed="rId6"/>
           <a:stretch>
             <a:fillRect/>
           </a:stretch>
@@ -8209,35 +12057,6 @@
           <a:chExt cx="0" cy="0"/>
         </a:xfrm>
       </p:grpSpPr>
-      <p:pic>
-        <p:nvPicPr>
-          <p:cNvPr id="6" name="Content Placeholder 5">
-            <a:extLst>
-              <a:ext uri="{FF2B5EF4-FFF2-40B4-BE49-F238E27FC236}">
-                <a16:creationId xmlns:a16="http://schemas.microsoft.com/office/drawing/2014/main" id="{23685154-6948-4EC5-9129-0252A5C7CC60}"/>
-              </a:ext>
-            </a:extLst>
-          </p:cNvPr>
-          <p:cNvPicPr>
-            <a:picLocks noGrp="1" noChangeAspect="1"/>
-          </p:cNvPicPr>
-          <p:nvPr>
-            <p:ph sz="quarter" idx="11"/>
-          </p:nvPr>
-        </p:nvPicPr>
-        <p:blipFill>
-          <a:blip r:embed="rId2"/>
-          <a:stretch>
-            <a:fillRect/>
-          </a:stretch>
-        </p:blipFill>
-        <p:spPr>
-          <a:xfrm>
-            <a:off x="4802707" y="361326"/>
-            <a:ext cx="3779838" cy="3149866"/>
-          </a:xfrm>
-        </p:spPr>
-      </p:pic>
       <p:sp>
         <p:nvSpPr>
           <p:cNvPr id="2" name="Title 1">
@@ -8427,6 +12246,35 @@
       </mc:AlternateContent>
       <p:pic>
         <p:nvPicPr>
+          <p:cNvPr id="6" name="Content Placeholder 5">
+            <a:extLst>
+              <a:ext uri="{FF2B5EF4-FFF2-40B4-BE49-F238E27FC236}">
+                <a16:creationId xmlns:a16="http://schemas.microsoft.com/office/drawing/2014/main" id="{23685154-6948-4EC5-9129-0252A5C7CC60}"/>
+              </a:ext>
+            </a:extLst>
+          </p:cNvPr>
+          <p:cNvPicPr>
+            <a:picLocks noGrp="1" noChangeAspect="1"/>
+          </p:cNvPicPr>
+          <p:nvPr>
+            <p:ph sz="quarter" idx="11"/>
+          </p:nvPr>
+        </p:nvPicPr>
+        <p:blipFill>
+          <a:blip r:embed="rId4"/>
+          <a:stretch>
+            <a:fillRect/>
+          </a:stretch>
+        </p:blipFill>
+        <p:spPr>
+          <a:xfrm>
+            <a:off x="4802707" y="361326"/>
+            <a:ext cx="3779838" cy="3149866"/>
+          </a:xfrm>
+        </p:spPr>
+      </p:pic>
+      <p:pic>
+        <p:nvPicPr>
           <p:cNvPr id="7" name="Content Placeholder 6">
             <a:extLst>
               <a:ext uri="{FF2B5EF4-FFF2-40B4-BE49-F238E27FC236}">
@@ -8442,15 +12290,15 @@
           </p:nvPr>
         </p:nvPicPr>
         <p:blipFill>
-          <a:blip r:embed="rId4"/>
+          <a:blip r:embed="rId5"/>
           <a:stretch>
             <a:fillRect/>
           </a:stretch>
         </p:blipFill>
         <p:spPr>
           <a:xfrm>
-            <a:off x="4916845" y="3579025"/>
-            <a:ext cx="3739793" cy="3116494"/>
+            <a:off x="5302727" y="3783013"/>
+            <a:ext cx="2927984" cy="2439987"/>
           </a:xfrm>
         </p:spPr>
       </p:pic>
@@ -13075,7 +16923,7 @@
 </file>
 
 <file path=ppt/theme/theme1.xml><?xml version="1.0" encoding="utf-8"?>
-<a:theme xmlns:a="http://schemas.openxmlformats.org/drawingml/2006/main" name="SU_Preso_4x3_v6">
+<a:theme xmlns:a="http://schemas.openxmlformats.org/drawingml/2006/main" name="1_SU_Preso_4x3_v6">
   <a:themeElements>
     <a:clrScheme name="Stanford2">
       <a:dk1>
@@ -13347,7 +17195,7 @@
   <a:extraClrSchemeLst/>
   <a:extLst>
     <a:ext uri="{05A4C25C-085E-4340-85A3-A5531E510DB2}">
-      <thm15:themeFamily xmlns:thm15="http://schemas.microsoft.com/office/thememl/2012/main" name="Presentation3" id="{93D3B0B0-8319-4A3F-BC86-5F8A6561D68C}" vid="{BDAC8671-C4D9-477C-B36D-6C341DA2D4EE}"/>
+      <thm15:themeFamily xmlns:thm15="http://schemas.microsoft.com/office/thememl/2012/main" name="Presentation1" id="{C42DD02C-C30C-48EA-9A06-5B7F13B040A0}" vid="{111E3FBF-6EAB-4C43-A358-6607B4A5DD93}"/>
     </a:ext>
   </a:extLst>
 </a:theme>

--- a/Matlab_data_analysis/Cp_analysis/AnalyzeCpDoping/Cp_random_strains/TmVO4_Cp_random_strains_analysis_notes.pptx
+++ b/Matlab_data_analysis/Cp_analysis/AnalyzeCpDoping/Cp_random_strains/TmVO4_Cp_random_strains_analysis_notes.pptx
@@ -6,10 +6,10 @@
     <p:sldMasterId id="2147483699" r:id="rId2"/>
   </p:sldMasterIdLst>
   <p:notesMasterIdLst>
-    <p:notesMasterId r:id="rId16"/>
+    <p:notesMasterId r:id="rId17"/>
   </p:notesMasterIdLst>
   <p:handoutMasterIdLst>
-    <p:handoutMasterId r:id="rId17"/>
+    <p:handoutMasterId r:id="rId18"/>
   </p:handoutMasterIdLst>
   <p:sldIdLst>
     <p:sldId id="304" r:id="rId3"/>
@@ -25,6 +25,7 @@
     <p:sldId id="326" r:id="rId13"/>
     <p:sldId id="324" r:id="rId14"/>
     <p:sldId id="327" r:id="rId15"/>
+    <p:sldId id="328" r:id="rId16"/>
   </p:sldIdLst>
   <p:sldSz cx="9144000" cy="6858000" type="screen4x3"/>
   <p:notesSz cx="6858000" cy="9144000"/>
@@ -283,7 +284,7 @@
               <a:pPr>
                 <a:defRPr/>
               </a:pPr>
-              <a:t>2019-04-15</a:t>
+              <a:t>2019-04-24</a:t>
             </a:fld>
             <a:endParaRPr lang="en-US" altLang="en-US"/>
           </a:p>
@@ -521,7 +522,7 @@
               <a:pPr>
                 <a:defRPr/>
               </a:pPr>
-              <a:t>2019-04-15</a:t>
+              <a:t>2019-04-24</a:t>
             </a:fld>
             <a:endParaRPr lang="en-US" altLang="en-US"/>
           </a:p>
@@ -988,14 +989,14 @@
           </a:ln>
           <a:extLst>
             <a:ext uri="{909E8E84-426E-40dd-AFC4-6F175D3DCCD1}">
-              <a14:hiddenFill xmlns="" xmlns:a14="http://schemas.microsoft.com/office/drawing/2010/main">
+              <a14:hiddenFill xmlns:a14="http://schemas.microsoft.com/office/drawing/2010/main" xmlns="">
                 <a:solidFill>
                   <a:srgbClr val="FFFFFF"/>
                 </a:solidFill>
               </a14:hiddenFill>
             </a:ext>
             <a:ext uri="{91240B29-F687-4f45-9708-019B960494DF}">
-              <a14:hiddenLine xmlns="" xmlns:a14="http://schemas.microsoft.com/office/drawing/2010/main" w="9525">
+              <a14:hiddenLine xmlns:a14="http://schemas.microsoft.com/office/drawing/2010/main" xmlns="" w="9525">
                 <a:solidFill>
                   <a:srgbClr val="000000"/>
                 </a:solidFill>
@@ -4076,14 +4077,14 @@
           </a:ln>
           <a:extLst>
             <a:ext uri="{909E8E84-426E-40dd-AFC4-6F175D3DCCD1}">
-              <a14:hiddenFill xmlns="" xmlns:a14="http://schemas.microsoft.com/office/drawing/2010/main">
+              <a14:hiddenFill xmlns:a14="http://schemas.microsoft.com/office/drawing/2010/main" xmlns="">
                 <a:solidFill>
                   <a:srgbClr val="FFFFFF"/>
                 </a:solidFill>
               </a14:hiddenFill>
             </a:ext>
             <a:ext uri="{91240B29-F687-4f45-9708-019B960494DF}">
-              <a14:hiddenLine xmlns="" xmlns:a14="http://schemas.microsoft.com/office/drawing/2010/main" w="9525">
+              <a14:hiddenLine xmlns:a14="http://schemas.microsoft.com/office/drawing/2010/main" xmlns="" w="9525">
                 <a:solidFill>
                   <a:srgbClr val="000000"/>
                 </a:solidFill>
@@ -7031,14 +7032,14 @@
           </a:ln>
           <a:extLst>
             <a:ext uri="{909E8E84-426E-40dd-AFC4-6F175D3DCCD1}">
-              <a14:hiddenFill xmlns="" xmlns:a14="http://schemas.microsoft.com/office/drawing/2010/main">
+              <a14:hiddenFill xmlns:a14="http://schemas.microsoft.com/office/drawing/2010/main" xmlns="">
                 <a:solidFill>
                   <a:srgbClr val="FFFFFF"/>
                 </a:solidFill>
               </a14:hiddenFill>
             </a:ext>
             <a:ext uri="{91240B29-F687-4f45-9708-019B960494DF}">
-              <a14:hiddenLine xmlns="" xmlns:a14="http://schemas.microsoft.com/office/drawing/2010/main" w="9525">
+              <a14:hiddenLine xmlns:a14="http://schemas.microsoft.com/office/drawing/2010/main" xmlns="" w="9525">
                 <a:solidFill>
                   <a:srgbClr val="000000"/>
                 </a:solidFill>
@@ -9732,8 +9733,8 @@
           </a:p>
         </p:txBody>
       </p:sp>
-      <mc:AlternateContent xmlns:mc="http://schemas.openxmlformats.org/markup-compatibility/2006">
-        <mc:Choice xmlns:a14="http://schemas.microsoft.com/office/drawing/2010/main" Requires="a14">
+      <mc:AlternateContent xmlns:mc="http://schemas.openxmlformats.org/markup-compatibility/2006" xmlns:a14="http://schemas.microsoft.com/office/drawing/2010/main">
+        <mc:Choice Requires="a14">
           <p:sp>
             <p:nvSpPr>
               <p:cNvPr id="3" name="Content Placeholder 2">
@@ -11562,7 +11563,7 @@
             </p:txBody>
           </p:sp>
         </mc:Choice>
-        <mc:Fallback>
+        <mc:Fallback xmlns="">
           <p:sp>
             <p:nvSpPr>
               <p:cNvPr id="3" name="Content Placeholder 2">
@@ -11610,6 +11611,155 @@
     <p:extLst>
       <p:ext uri="{BB962C8B-B14F-4D97-AF65-F5344CB8AC3E}">
         <p14:creationId xmlns:p14="http://schemas.microsoft.com/office/powerpoint/2010/main" val="97299663"/>
+      </p:ext>
+    </p:extLst>
+  </p:cSld>
+  <p:clrMapOvr>
+    <a:masterClrMapping/>
+  </p:clrMapOvr>
+  <p:transition spd="slow">
+    <p:fade/>
+  </p:transition>
+</p:sld>
+</file>
+
+<file path=ppt/slides/slide14.xml><?xml version="1.0" encoding="utf-8"?>
+<p:sld xmlns:a="http://schemas.openxmlformats.org/drawingml/2006/main" xmlns:r="http://schemas.openxmlformats.org/officeDocument/2006/relationships" xmlns:p="http://schemas.openxmlformats.org/presentationml/2006/main">
+  <p:cSld>
+    <p:spTree>
+      <p:nvGrpSpPr>
+        <p:cNvPr id="1" name=""/>
+        <p:cNvGrpSpPr/>
+        <p:nvPr/>
+      </p:nvGrpSpPr>
+      <p:grpSpPr>
+        <a:xfrm>
+          <a:off x="0" y="0"/>
+          <a:ext cx="0" cy="0"/>
+          <a:chOff x="0" y="0"/>
+          <a:chExt cx="0" cy="0"/>
+        </a:xfrm>
+      </p:grpSpPr>
+      <p:sp>
+        <p:nvSpPr>
+          <p:cNvPr id="2" name="Title 1">
+            <a:extLst>
+              <a:ext uri="{FF2B5EF4-FFF2-40B4-BE49-F238E27FC236}">
+                <a16:creationId xmlns:a16="http://schemas.microsoft.com/office/drawing/2014/main" id="{9CCFC93D-7544-402F-A28B-3EADE2CA00BB}"/>
+              </a:ext>
+            </a:extLst>
+          </p:cNvPr>
+          <p:cNvSpPr>
+            <a:spLocks noGrp="1"/>
+          </p:cNvSpPr>
+          <p:nvPr>
+            <p:ph type="title"/>
+          </p:nvPr>
+        </p:nvSpPr>
+        <p:spPr/>
+        <p:txBody>
+          <a:bodyPr/>
+          <a:lstStyle/>
+          <a:p>
+            <a:r>
+              <a:rPr lang="en-US" dirty="0"/>
+              <a:t>To do as of 2019-04-24</a:t>
+            </a:r>
+          </a:p>
+        </p:txBody>
+      </p:sp>
+      <p:sp>
+        <p:nvSpPr>
+          <p:cNvPr id="3" name="Content Placeholder 2">
+            <a:extLst>
+              <a:ext uri="{FF2B5EF4-FFF2-40B4-BE49-F238E27FC236}">
+                <a16:creationId xmlns:a16="http://schemas.microsoft.com/office/drawing/2014/main" id="{35D22705-0688-41AE-B507-01F62D56CD2D}"/>
+              </a:ext>
+            </a:extLst>
+          </p:cNvPr>
+          <p:cNvSpPr>
+            <a:spLocks noGrp="1"/>
+          </p:cNvSpPr>
+          <p:nvPr>
+            <p:ph sz="quarter" idx="10"/>
+          </p:nvPr>
+        </p:nvSpPr>
+        <p:spPr/>
+        <p:txBody>
+          <a:bodyPr/>
+          <a:lstStyle/>
+          <a:p>
+            <a:pPr>
+              <a:buFont typeface="Arial" panose="020B0604020202020204" pitchFamily="34" charset="0"/>
+              <a:buChar char="•"/>
+            </a:pPr>
+            <a:r>
+              <a:rPr lang="en-US" dirty="0"/>
+              <a:t>Compute </a:t>
+            </a:r>
+            <a:r>
+              <a:rPr lang="en-US" dirty="0" err="1"/>
+              <a:t>Sz</a:t>
+            </a:r>
+            <a:r>
+              <a:rPr lang="en-US" dirty="0"/>
+              <a:t> for negative offset strain using a starting point of -1 for </a:t>
+            </a:r>
+            <a:r>
+              <a:rPr lang="en-US" dirty="0" err="1"/>
+              <a:t>fzero</a:t>
+            </a:r>
+            <a:r>
+              <a:rPr lang="en-US" dirty="0"/>
+              <a:t> </a:t>
+            </a:r>
+          </a:p>
+          <a:p>
+            <a:pPr lvl="2">
+              <a:buFont typeface="Arial" panose="020B0604020202020204" pitchFamily="34" charset="0"/>
+              <a:buChar char="•"/>
+            </a:pPr>
+            <a:r>
+              <a:rPr lang="en-US" dirty="0"/>
+              <a:t>Check that the result is the same as for positive offset strain with a starting point of +1</a:t>
+            </a:r>
+          </a:p>
+          <a:p>
+            <a:pPr>
+              <a:buFont typeface="Arial" panose="020B0604020202020204" pitchFamily="34" charset="0"/>
+              <a:buChar char="•"/>
+            </a:pPr>
+            <a:r>
+              <a:rPr lang="en-US" dirty="0"/>
+              <a:t>compare Delta_0 extracted from Gehring et al with "Schottky" distribution width</a:t>
+            </a:r>
+          </a:p>
+          <a:p>
+            <a:pPr>
+              <a:buFont typeface="Arial" panose="020B0604020202020204" pitchFamily="34" charset="0"/>
+              <a:buChar char="•"/>
+            </a:pPr>
+            <a:r>
+              <a:rPr lang="en-US" dirty="0"/>
+              <a:t>Fit YTmVO4 data with x&gt;xc with distribution of Schottky anomalies and extract values of mu and sigma</a:t>
+            </a:r>
+          </a:p>
+          <a:p>
+            <a:pPr>
+              <a:buFont typeface="Arial" panose="020B0604020202020204" pitchFamily="34" charset="0"/>
+              <a:buChar char="•"/>
+            </a:pPr>
+            <a:r>
+              <a:rPr lang="en-US" dirty="0"/>
+              <a:t>Calculate critical strain and relation to splitting</a:t>
+            </a:r>
+          </a:p>
+        </p:txBody>
+      </p:sp>
+    </p:spTree>
+    <p:extLst>
+      <p:ext uri="{BB962C8B-B14F-4D97-AF65-F5344CB8AC3E}">
+        <p14:creationId xmlns:p14="http://schemas.microsoft.com/office/powerpoint/2010/main" val="4290358799"/>
       </p:ext>
     </p:extLst>
   </p:cSld>
